--- a/Documentation/Golden Auctions.pptx
+++ b/Documentation/Golden Auctions.pptx
@@ -9,7 +9,16 @@
     <p:sldId id="257" r:id="rId3"/>
     <p:sldId id="258" r:id="rId4"/>
     <p:sldId id="260" r:id="rId5"/>
-    <p:sldId id="261" r:id="rId6"/>
+    <p:sldId id="270" r:id="rId6"/>
+    <p:sldId id="271" r:id="rId7"/>
+    <p:sldId id="261" r:id="rId8"/>
+    <p:sldId id="263" r:id="rId9"/>
+    <p:sldId id="264" r:id="rId10"/>
+    <p:sldId id="265" r:id="rId11"/>
+    <p:sldId id="266" r:id="rId12"/>
+    <p:sldId id="267" r:id="rId13"/>
+    <p:sldId id="268" r:id="rId14"/>
+    <p:sldId id="269" r:id="rId15"/>
   </p:sldIdLst>
   <p:sldSz cx="12192000" cy="6858000"/>
   <p:notesSz cx="6858000" cy="9144000"/>
@@ -265,7 +274,7 @@
           <a:p>
             <a:fld id="{77071CAE-37AC-47AE-BFEE-2A560614DB2C}" type="datetimeFigureOut">
               <a:rPr lang="it-IT" smtClean="0"/>
-              <a:t>30/12/2023</a:t>
+              <a:t>17/02/2024</a:t>
             </a:fld>
             <a:endParaRPr lang="it-IT"/>
           </a:p>
@@ -465,7 +474,7 @@
           <a:p>
             <a:fld id="{77071CAE-37AC-47AE-BFEE-2A560614DB2C}" type="datetimeFigureOut">
               <a:rPr lang="it-IT" smtClean="0"/>
-              <a:t>30/12/2023</a:t>
+              <a:t>17/02/2024</a:t>
             </a:fld>
             <a:endParaRPr lang="it-IT"/>
           </a:p>
@@ -675,7 +684,7 @@
           <a:p>
             <a:fld id="{77071CAE-37AC-47AE-BFEE-2A560614DB2C}" type="datetimeFigureOut">
               <a:rPr lang="it-IT" smtClean="0"/>
-              <a:t>30/12/2023</a:t>
+              <a:t>17/02/2024</a:t>
             </a:fld>
             <a:endParaRPr lang="it-IT"/>
           </a:p>
@@ -875,7 +884,7 @@
           <a:p>
             <a:fld id="{77071CAE-37AC-47AE-BFEE-2A560614DB2C}" type="datetimeFigureOut">
               <a:rPr lang="it-IT" smtClean="0"/>
-              <a:t>30/12/2023</a:t>
+              <a:t>17/02/2024</a:t>
             </a:fld>
             <a:endParaRPr lang="it-IT"/>
           </a:p>
@@ -1151,7 +1160,7 @@
           <a:p>
             <a:fld id="{77071CAE-37AC-47AE-BFEE-2A560614DB2C}" type="datetimeFigureOut">
               <a:rPr lang="it-IT" smtClean="0"/>
-              <a:t>30/12/2023</a:t>
+              <a:t>17/02/2024</a:t>
             </a:fld>
             <a:endParaRPr lang="it-IT"/>
           </a:p>
@@ -1419,7 +1428,7 @@
           <a:p>
             <a:fld id="{77071CAE-37AC-47AE-BFEE-2A560614DB2C}" type="datetimeFigureOut">
               <a:rPr lang="it-IT" smtClean="0"/>
-              <a:t>30/12/2023</a:t>
+              <a:t>17/02/2024</a:t>
             </a:fld>
             <a:endParaRPr lang="it-IT"/>
           </a:p>
@@ -1834,7 +1843,7 @@
           <a:p>
             <a:fld id="{77071CAE-37AC-47AE-BFEE-2A560614DB2C}" type="datetimeFigureOut">
               <a:rPr lang="it-IT" smtClean="0"/>
-              <a:t>30/12/2023</a:t>
+              <a:t>17/02/2024</a:t>
             </a:fld>
             <a:endParaRPr lang="it-IT"/>
           </a:p>
@@ -1976,7 +1985,7 @@
           <a:p>
             <a:fld id="{77071CAE-37AC-47AE-BFEE-2A560614DB2C}" type="datetimeFigureOut">
               <a:rPr lang="it-IT" smtClean="0"/>
-              <a:t>30/12/2023</a:t>
+              <a:t>17/02/2024</a:t>
             </a:fld>
             <a:endParaRPr lang="it-IT"/>
           </a:p>
@@ -2089,7 +2098,7 @@
           <a:p>
             <a:fld id="{77071CAE-37AC-47AE-BFEE-2A560614DB2C}" type="datetimeFigureOut">
               <a:rPr lang="it-IT" smtClean="0"/>
-              <a:t>30/12/2023</a:t>
+              <a:t>17/02/2024</a:t>
             </a:fld>
             <a:endParaRPr lang="it-IT"/>
           </a:p>
@@ -2402,7 +2411,7 @@
           <a:p>
             <a:fld id="{77071CAE-37AC-47AE-BFEE-2A560614DB2C}" type="datetimeFigureOut">
               <a:rPr lang="it-IT" smtClean="0"/>
-              <a:t>30/12/2023</a:t>
+              <a:t>17/02/2024</a:t>
             </a:fld>
             <a:endParaRPr lang="it-IT"/>
           </a:p>
@@ -2691,7 +2700,7 @@
           <a:p>
             <a:fld id="{77071CAE-37AC-47AE-BFEE-2A560614DB2C}" type="datetimeFigureOut">
               <a:rPr lang="it-IT" smtClean="0"/>
-              <a:t>30/12/2023</a:t>
+              <a:t>17/02/2024</a:t>
             </a:fld>
             <a:endParaRPr lang="it-IT"/>
           </a:p>
@@ -2934,7 +2943,7 @@
           <a:p>
             <a:fld id="{77071CAE-37AC-47AE-BFEE-2A560614DB2C}" type="datetimeFigureOut">
               <a:rPr lang="it-IT" smtClean="0"/>
-              <a:t>30/12/2023</a:t>
+              <a:t>17/02/2024</a:t>
             </a:fld>
             <a:endParaRPr lang="it-IT"/>
           </a:p>
@@ -3367,7 +3376,12 @@
             <p:ph type="ctrTitle"/>
           </p:nvPr>
         </p:nvSpPr>
-        <p:spPr/>
+        <p:spPr>
+          <a:xfrm>
+            <a:off x="1524000" y="1500734"/>
+            <a:ext cx="9144000" cy="2387600"/>
+          </a:xfrm>
+        </p:spPr>
         <p:txBody>
           <a:bodyPr>
             <a:normAutofit/>
@@ -3379,31 +3393,6 @@
               <a:t>GoldenAuctions</a:t>
             </a:r>
             <a:endParaRPr lang="it-IT" sz="7000" b="1" dirty="0"/>
-          </a:p>
-        </p:txBody>
-      </p:sp>
-      <p:sp>
-        <p:nvSpPr>
-          <p:cNvPr id="3" name="Subtitle 2">
-            <a:extLst>
-              <a:ext uri="{FF2B5EF4-FFF2-40B4-BE49-F238E27FC236}">
-                <a16:creationId xmlns:a16="http://schemas.microsoft.com/office/drawing/2014/main" id="{3C513DBD-AAA8-2532-043F-E487D99C4AA5}"/>
-              </a:ext>
-            </a:extLst>
-          </p:cNvPr>
-          <p:cNvSpPr>
-            <a:spLocks noGrp="1"/>
-          </p:cNvSpPr>
-          <p:nvPr>
-            <p:ph type="subTitle" idx="1"/>
-          </p:nvPr>
-        </p:nvSpPr>
-        <p:spPr/>
-        <p:txBody>
-          <a:bodyPr/>
-          <a:lstStyle/>
-          <a:p>
-            <a:endParaRPr lang="it-IT" dirty="0"/>
           </a:p>
         </p:txBody>
       </p:sp>
@@ -4335,39 +4324,6 @@
           </a:p>
         </p:txBody>
       </p:sp>
-      <p:pic>
-        <p:nvPicPr>
-          <p:cNvPr id="7" name="Google Shape;145;p27">
-            <a:extLst>
-              <a:ext uri="{FF2B5EF4-FFF2-40B4-BE49-F238E27FC236}">
-                <a16:creationId xmlns:a16="http://schemas.microsoft.com/office/drawing/2014/main" id="{88DDFC23-8385-3F51-8CD1-4EBAC3A33E06}"/>
-              </a:ext>
-            </a:extLst>
-          </p:cNvPr>
-          <p:cNvPicPr preferRelativeResize="0"/>
-          <p:nvPr/>
-        </p:nvPicPr>
-        <p:blipFill rotWithShape="1">
-          <a:blip r:embed="rId2">
-            <a:alphaModFix/>
-          </a:blip>
-          <a:srcRect/>
-          <a:stretch/>
-        </p:blipFill>
-        <p:spPr>
-          <a:xfrm>
-            <a:off x="5755452" y="5542276"/>
-            <a:ext cx="681882" cy="248400"/>
-          </a:xfrm>
-          <a:prstGeom prst="rect">
-            <a:avLst/>
-          </a:prstGeom>
-          <a:noFill/>
-          <a:ln>
-            <a:noFill/>
-          </a:ln>
-        </p:spPr>
-      </p:pic>
       <p:sp>
         <p:nvSpPr>
           <p:cNvPr id="8" name="Google Shape;146;p27">
@@ -4954,7 +4910,7 @@
           <p:nvPr/>
         </p:nvPicPr>
         <p:blipFill rotWithShape="1">
-          <a:blip r:embed="rId3">
+          <a:blip r:embed="rId2">
             <a:alphaModFix/>
           </a:blip>
           <a:srcRect/>
@@ -4962,8 +4918,8 @@
         </p:blipFill>
         <p:spPr>
           <a:xfrm>
-            <a:off x="303600" y="367745"/>
-            <a:ext cx="3587266" cy="1232455"/>
+            <a:off x="303599" y="367745"/>
+            <a:ext cx="3858497" cy="1232455"/>
           </a:xfrm>
           <a:prstGeom prst="rect">
             <a:avLst/>
@@ -4988,7 +4944,7 @@
         </p:nvSpPr>
         <p:spPr>
           <a:xfrm>
-            <a:off x="3067050" y="1765728"/>
+            <a:off x="3067050" y="2144099"/>
             <a:ext cx="6057900" cy="500107"/>
           </a:xfrm>
           <a:prstGeom prst="rect">
@@ -5615,7 +5571,3459 @@
 </p:sld>
 </file>
 
-<file path=ppt/slides/slide2.xml><?xml version="1.0" encoding="utf-8"?>
+<file path=ppt/slides/slide10.xml><?xml version="1.0" encoding="utf-8"?>
+<p:sld xmlns:a="http://schemas.openxmlformats.org/drawingml/2006/main" xmlns:r="http://schemas.openxmlformats.org/officeDocument/2006/relationships" xmlns:p="http://schemas.openxmlformats.org/presentationml/2006/main">
+  <p:cSld>
+    <p:spTree>
+      <p:nvGrpSpPr>
+        <p:cNvPr id="1" name="">
+          <a:extLst>
+            <a:ext uri="{FF2B5EF4-FFF2-40B4-BE49-F238E27FC236}">
+              <a16:creationId xmlns:a16="http://schemas.microsoft.com/office/drawing/2014/main" id="{48E7AF6A-2E4D-6A83-E2E9-FED9B9D8889D}"/>
+            </a:ext>
+          </a:extLst>
+        </p:cNvPr>
+        <p:cNvGrpSpPr/>
+        <p:nvPr/>
+      </p:nvGrpSpPr>
+      <p:grpSpPr>
+        <a:xfrm>
+          <a:off x="0" y="0"/>
+          <a:ext cx="0" cy="0"/>
+          <a:chOff x="0" y="0"/>
+          <a:chExt cx="0" cy="0"/>
+        </a:xfrm>
+      </p:grpSpPr>
+      <p:sp>
+        <p:nvSpPr>
+          <p:cNvPr id="2" name="Title 1">
+            <a:extLst>
+              <a:ext uri="{FF2B5EF4-FFF2-40B4-BE49-F238E27FC236}">
+                <a16:creationId xmlns:a16="http://schemas.microsoft.com/office/drawing/2014/main" id="{A1114C71-9591-1EAB-1DB6-624AB7C85F20}"/>
+              </a:ext>
+            </a:extLst>
+          </p:cNvPr>
+          <p:cNvSpPr>
+            <a:spLocks noGrp="1"/>
+          </p:cNvSpPr>
+          <p:nvPr>
+            <p:ph type="title"/>
+          </p:nvPr>
+        </p:nvSpPr>
+        <p:spPr/>
+        <p:txBody>
+          <a:bodyPr/>
+          <a:lstStyle/>
+          <a:p>
+            <a:endParaRPr lang="en-US" dirty="0"/>
+          </a:p>
+        </p:txBody>
+      </p:sp>
+      <p:sp useBgFill="1">
+        <p:nvSpPr>
+          <p:cNvPr id="4" name="Rectangle 3">
+            <a:extLst>
+              <a:ext uri="{FF2B5EF4-FFF2-40B4-BE49-F238E27FC236}">
+                <a16:creationId xmlns:a16="http://schemas.microsoft.com/office/drawing/2014/main" id="{3CDBBE35-8A85-E0B5-CCE3-814BCE46D4CC}"/>
+              </a:ext>
+              <a:ext uri="{C183D7F6-B498-43B3-948B-1728B52AA6E4}">
+                <adec:decorative xmlns:adec="http://schemas.microsoft.com/office/drawing/2017/decorative" val="1"/>
+              </a:ext>
+            </a:extLst>
+          </p:cNvPr>
+          <p:cNvSpPr/>
+          <p:nvPr>
+            <p:extLst>
+              <p:ext uri="{386F3935-93C4-4BCD-93E2-E3B085C9AB24}">
+                <p16:designElem xmlns:p16="http://schemas.microsoft.com/office/powerpoint/2015/main" val="1"/>
+              </p:ext>
+            </p:extLst>
+          </p:nvPr>
+        </p:nvSpPr>
+        <p:spPr>
+          <a:xfrm>
+            <a:off x="3" y="0"/>
+            <a:ext cx="12192000" cy="6858000"/>
+          </a:xfrm>
+          <a:prstGeom prst="rect">
+            <a:avLst/>
+          </a:prstGeom>
+          <a:ln w="12700" cap="flat" cmpd="sng" algn="ctr">
+            <a:noFill/>
+            <a:prstDash val="solid"/>
+            <a:miter lim="800000"/>
+          </a:ln>
+          <a:effectLst/>
+          <a:extLst>
+            <a:ext uri="{91240B29-F687-4F45-9708-019B960494DF}">
+              <a14:hiddenLine xmlns:a14="http://schemas.microsoft.com/office/drawing/2010/main" w="12700" cap="flat" cmpd="sng" algn="ctr">
+                <a:solidFill>
+                  <a:schemeClr val="accent1">
+                    <a:shade val="50000"/>
+                  </a:schemeClr>
+                </a:solidFill>
+                <a:prstDash val="solid"/>
+                <a:miter lim="800000"/>
+              </a14:hiddenLine>
+            </a:ext>
+          </a:extLst>
+        </p:spPr>
+        <p:style>
+          <a:lnRef idx="2">
+            <a:schemeClr val="accent1">
+              <a:shade val="50000"/>
+            </a:schemeClr>
+          </a:lnRef>
+          <a:fillRef idx="1">
+            <a:schemeClr val="accent1"/>
+          </a:fillRef>
+          <a:effectRef idx="0">
+            <a:schemeClr val="accent1"/>
+          </a:effectRef>
+          <a:fontRef idx="minor">
+            <a:schemeClr val="lt1"/>
+          </a:fontRef>
+        </p:style>
+        <p:txBody>
+          <a:bodyPr rtlCol="0" anchor="ctr"/>
+          <a:lstStyle/>
+          <a:p>
+            <a:pPr marL="0" marR="0" lvl="0" indent="0" algn="ctr" defTabSz="914400" rtl="0" eaLnBrk="1" fontAlgn="auto" latinLnBrk="0" hangingPunct="1">
+              <a:lnSpc>
+                <a:spcPct val="100000"/>
+              </a:lnSpc>
+              <a:spcBef>
+                <a:spcPts val="0"/>
+              </a:spcBef>
+              <a:spcAft>
+                <a:spcPts val="0"/>
+              </a:spcAft>
+              <a:buClrTx/>
+              <a:buSzTx/>
+              <a:buFontTx/>
+              <a:buNone/>
+              <a:tabLst/>
+              <a:defRPr/>
+            </a:pPr>
+            <a:endParaRPr kumimoji="0" lang="en-US" sz="1800" b="0" i="0" u="none" strike="noStrike" kern="1200" cap="none" spc="0" normalizeH="0" baseline="0" noProof="0">
+              <a:ln>
+                <a:noFill/>
+              </a:ln>
+              <a:solidFill>
+                <a:prstClr val="white"/>
+              </a:solidFill>
+              <a:effectLst/>
+              <a:uLnTx/>
+              <a:uFillTx/>
+              <a:latin typeface="Calibri" panose="020F0502020204030204"/>
+              <a:ea typeface="+mn-ea"/>
+              <a:cs typeface="+mn-cs"/>
+            </a:endParaRPr>
+          </a:p>
+        </p:txBody>
+      </p:sp>
+      <p:sp>
+        <p:nvSpPr>
+          <p:cNvPr id="5" name="Rectangle 4">
+            <a:extLst>
+              <a:ext uri="{FF2B5EF4-FFF2-40B4-BE49-F238E27FC236}">
+                <a16:creationId xmlns:a16="http://schemas.microsoft.com/office/drawing/2014/main" id="{1B675083-B8D3-6D5D-D14E-550F6078E03C}"/>
+              </a:ext>
+              <a:ext uri="{C183D7F6-B498-43B3-948B-1728B52AA6E4}">
+                <adec:decorative xmlns:adec="http://schemas.microsoft.com/office/drawing/2017/decorative" val="1"/>
+              </a:ext>
+            </a:extLst>
+          </p:cNvPr>
+          <p:cNvSpPr/>
+          <p:nvPr>
+            <p:extLst>
+              <p:ext uri="{386F3935-93C4-4BCD-93E2-E3B085C9AB24}">
+                <p16:designElem xmlns:p16="http://schemas.microsoft.com/office/powerpoint/2015/main" val="1"/>
+              </p:ext>
+            </p:extLst>
+          </p:nvPr>
+        </p:nvSpPr>
+        <p:spPr>
+          <a:xfrm flipH="1">
+            <a:off x="2" y="-1"/>
+            <a:ext cx="12191998" cy="1590742"/>
+          </a:xfrm>
+          <a:prstGeom prst="rect">
+            <a:avLst/>
+          </a:prstGeom>
+          <a:gradFill>
+            <a:gsLst>
+              <a:gs pos="0">
+                <a:srgbClr val="000000"/>
+              </a:gs>
+              <a:gs pos="100000">
+                <a:schemeClr val="accent1">
+                  <a:lumMod val="75000"/>
+                </a:schemeClr>
+              </a:gs>
+            </a:gsLst>
+            <a:lin ang="8400000" scaled="0"/>
+          </a:gradFill>
+          <a:ln>
+            <a:noFill/>
+          </a:ln>
+        </p:spPr>
+        <p:style>
+          <a:lnRef idx="2">
+            <a:schemeClr val="accent1">
+              <a:shade val="50000"/>
+            </a:schemeClr>
+          </a:lnRef>
+          <a:fillRef idx="1">
+            <a:schemeClr val="accent1"/>
+          </a:fillRef>
+          <a:effectRef idx="0">
+            <a:schemeClr val="accent1"/>
+          </a:effectRef>
+          <a:fontRef idx="minor">
+            <a:schemeClr val="lt1"/>
+          </a:fontRef>
+        </p:style>
+        <p:txBody>
+          <a:bodyPr rtlCol="0" anchor="ctr"/>
+          <a:lstStyle/>
+          <a:p>
+            <a:pPr marL="0" marR="0" lvl="0" indent="0" algn="ctr" defTabSz="914400" rtl="0" eaLnBrk="1" fontAlgn="auto" latinLnBrk="0" hangingPunct="1">
+              <a:lnSpc>
+                <a:spcPct val="100000"/>
+              </a:lnSpc>
+              <a:spcBef>
+                <a:spcPts val="0"/>
+              </a:spcBef>
+              <a:spcAft>
+                <a:spcPts val="0"/>
+              </a:spcAft>
+              <a:buClrTx/>
+              <a:buSzTx/>
+              <a:buFontTx/>
+              <a:buNone/>
+              <a:tabLst/>
+              <a:defRPr/>
+            </a:pPr>
+            <a:endParaRPr kumimoji="0" lang="en-US" sz="1800" b="0" i="0" u="none" strike="noStrike" kern="1200" cap="none" spc="0" normalizeH="0" baseline="0" noProof="0">
+              <a:ln>
+                <a:noFill/>
+              </a:ln>
+              <a:solidFill>
+                <a:prstClr val="white"/>
+              </a:solidFill>
+              <a:effectLst/>
+              <a:uLnTx/>
+              <a:uFillTx/>
+              <a:latin typeface="Calibri" panose="020F0502020204030204"/>
+              <a:ea typeface="+mn-ea"/>
+              <a:cs typeface="+mn-cs"/>
+            </a:endParaRPr>
+          </a:p>
+        </p:txBody>
+      </p:sp>
+      <p:sp>
+        <p:nvSpPr>
+          <p:cNvPr id="6" name="Rectangle 5">
+            <a:extLst>
+              <a:ext uri="{FF2B5EF4-FFF2-40B4-BE49-F238E27FC236}">
+                <a16:creationId xmlns:a16="http://schemas.microsoft.com/office/drawing/2014/main" id="{82060995-DF77-DA84-CA19-04D6C746608F}"/>
+              </a:ext>
+              <a:ext uri="{C183D7F6-B498-43B3-948B-1728B52AA6E4}">
+                <adec:decorative xmlns:adec="http://schemas.microsoft.com/office/drawing/2017/decorative" val="1"/>
+              </a:ext>
+            </a:extLst>
+          </p:cNvPr>
+          <p:cNvSpPr/>
+          <p:nvPr>
+            <p:extLst>
+              <p:ext uri="{386F3935-93C4-4BCD-93E2-E3B085C9AB24}">
+                <p16:designElem xmlns:p16="http://schemas.microsoft.com/office/powerpoint/2015/main" val="1"/>
+              </p:ext>
+            </p:extLst>
+          </p:nvPr>
+        </p:nvSpPr>
+        <p:spPr>
+          <a:xfrm rot="10800000" flipH="1">
+            <a:off x="0" y="0"/>
+            <a:ext cx="8115306" cy="1590742"/>
+          </a:xfrm>
+          <a:prstGeom prst="rect">
+            <a:avLst/>
+          </a:prstGeom>
+          <a:gradFill>
+            <a:gsLst>
+              <a:gs pos="20000">
+                <a:schemeClr val="accent1">
+                  <a:alpha val="0"/>
+                </a:schemeClr>
+              </a:gs>
+              <a:gs pos="100000">
+                <a:schemeClr val="accent1">
+                  <a:lumMod val="50000"/>
+                  <a:alpha val="55000"/>
+                </a:schemeClr>
+              </a:gs>
+            </a:gsLst>
+            <a:lin ang="13800000" scaled="0"/>
+          </a:gradFill>
+          <a:ln>
+            <a:noFill/>
+          </a:ln>
+        </p:spPr>
+        <p:style>
+          <a:lnRef idx="2">
+            <a:schemeClr val="accent1">
+              <a:shade val="50000"/>
+            </a:schemeClr>
+          </a:lnRef>
+          <a:fillRef idx="1">
+            <a:schemeClr val="accent1"/>
+          </a:fillRef>
+          <a:effectRef idx="0">
+            <a:schemeClr val="accent1"/>
+          </a:effectRef>
+          <a:fontRef idx="minor">
+            <a:schemeClr val="lt1"/>
+          </a:fontRef>
+        </p:style>
+        <p:txBody>
+          <a:bodyPr rtlCol="0" anchor="ctr"/>
+          <a:lstStyle/>
+          <a:p>
+            <a:pPr marL="0" marR="0" lvl="0" indent="0" algn="ctr" defTabSz="914400" rtl="0" eaLnBrk="1" fontAlgn="auto" latinLnBrk="0" hangingPunct="1">
+              <a:lnSpc>
+                <a:spcPct val="100000"/>
+              </a:lnSpc>
+              <a:spcBef>
+                <a:spcPts val="0"/>
+              </a:spcBef>
+              <a:spcAft>
+                <a:spcPts val="0"/>
+              </a:spcAft>
+              <a:buClrTx/>
+              <a:buSzTx/>
+              <a:buFontTx/>
+              <a:buNone/>
+              <a:tabLst/>
+              <a:defRPr/>
+            </a:pPr>
+            <a:endParaRPr kumimoji="0" lang="en-US" sz="1800" b="0" i="0" u="none" strike="noStrike" kern="1200" cap="none" spc="0" normalizeH="0" baseline="0" noProof="0">
+              <a:ln>
+                <a:noFill/>
+              </a:ln>
+              <a:solidFill>
+                <a:prstClr val="white"/>
+              </a:solidFill>
+              <a:effectLst/>
+              <a:uLnTx/>
+              <a:uFillTx/>
+              <a:latin typeface="Calibri" panose="020F0502020204030204"/>
+              <a:ea typeface="+mn-ea"/>
+              <a:cs typeface="+mn-cs"/>
+            </a:endParaRPr>
+          </a:p>
+        </p:txBody>
+      </p:sp>
+      <p:sp>
+        <p:nvSpPr>
+          <p:cNvPr id="7" name="Rectangle 6">
+            <a:extLst>
+              <a:ext uri="{FF2B5EF4-FFF2-40B4-BE49-F238E27FC236}">
+                <a16:creationId xmlns:a16="http://schemas.microsoft.com/office/drawing/2014/main" id="{89857E81-15BF-2F54-15AD-84D6FE07053E}"/>
+              </a:ext>
+              <a:ext uri="{C183D7F6-B498-43B3-948B-1728B52AA6E4}">
+                <adec:decorative xmlns:adec="http://schemas.microsoft.com/office/drawing/2017/decorative" val="1"/>
+              </a:ext>
+            </a:extLst>
+          </p:cNvPr>
+          <p:cNvSpPr/>
+          <p:nvPr>
+            <p:extLst>
+              <p:ext uri="{386F3935-93C4-4BCD-93E2-E3B085C9AB24}">
+                <p16:designElem xmlns:p16="http://schemas.microsoft.com/office/powerpoint/2015/main" val="1"/>
+              </p:ext>
+            </p:extLst>
+          </p:nvPr>
+        </p:nvSpPr>
+        <p:spPr>
+          <a:xfrm flipH="1">
+            <a:off x="8115302" y="-1"/>
+            <a:ext cx="4076698" cy="1590742"/>
+          </a:xfrm>
+          <a:prstGeom prst="rect">
+            <a:avLst/>
+          </a:prstGeom>
+          <a:gradFill>
+            <a:gsLst>
+              <a:gs pos="0">
+                <a:schemeClr val="accent1">
+                  <a:alpha val="66000"/>
+                </a:schemeClr>
+              </a:gs>
+              <a:gs pos="100000">
+                <a:srgbClr val="000000">
+                  <a:alpha val="30000"/>
+                </a:srgbClr>
+              </a:gs>
+            </a:gsLst>
+            <a:lin ang="13200000" scaled="0"/>
+          </a:gradFill>
+          <a:ln>
+            <a:noFill/>
+          </a:ln>
+        </p:spPr>
+        <p:style>
+          <a:lnRef idx="2">
+            <a:schemeClr val="accent1">
+              <a:shade val="50000"/>
+            </a:schemeClr>
+          </a:lnRef>
+          <a:fillRef idx="1">
+            <a:schemeClr val="accent1"/>
+          </a:fillRef>
+          <a:effectRef idx="0">
+            <a:schemeClr val="accent1"/>
+          </a:effectRef>
+          <a:fontRef idx="minor">
+            <a:schemeClr val="lt1"/>
+          </a:fontRef>
+        </p:style>
+        <p:txBody>
+          <a:bodyPr rtlCol="0" anchor="ctr"/>
+          <a:lstStyle/>
+          <a:p>
+            <a:pPr marL="0" marR="0" lvl="0" indent="0" algn="ctr" defTabSz="914400" rtl="0" eaLnBrk="1" fontAlgn="auto" latinLnBrk="0" hangingPunct="1">
+              <a:lnSpc>
+                <a:spcPct val="100000"/>
+              </a:lnSpc>
+              <a:spcBef>
+                <a:spcPts val="0"/>
+              </a:spcBef>
+              <a:spcAft>
+                <a:spcPts val="0"/>
+              </a:spcAft>
+              <a:buClrTx/>
+              <a:buSzTx/>
+              <a:buFontTx/>
+              <a:buNone/>
+              <a:tabLst/>
+              <a:defRPr/>
+            </a:pPr>
+            <a:endParaRPr kumimoji="0" lang="en-US" sz="1800" b="0" i="0" u="none" strike="noStrike" kern="1200" cap="none" spc="0" normalizeH="0" baseline="0" noProof="0">
+              <a:ln>
+                <a:noFill/>
+              </a:ln>
+              <a:solidFill>
+                <a:prstClr val="white"/>
+              </a:solidFill>
+              <a:effectLst/>
+              <a:uLnTx/>
+              <a:uFillTx/>
+              <a:latin typeface="Calibri" panose="020F0502020204030204"/>
+              <a:ea typeface="+mn-ea"/>
+              <a:cs typeface="+mn-cs"/>
+            </a:endParaRPr>
+          </a:p>
+        </p:txBody>
+      </p:sp>
+      <p:sp>
+        <p:nvSpPr>
+          <p:cNvPr id="8" name="Rectangle 7">
+            <a:extLst>
+              <a:ext uri="{FF2B5EF4-FFF2-40B4-BE49-F238E27FC236}">
+                <a16:creationId xmlns:a16="http://schemas.microsoft.com/office/drawing/2014/main" id="{57351E5E-53DB-DF95-D4F3-0B279D6B7654}"/>
+              </a:ext>
+              <a:ext uri="{C183D7F6-B498-43B3-948B-1728B52AA6E4}">
+                <adec:decorative xmlns:adec="http://schemas.microsoft.com/office/drawing/2017/decorative" val="1"/>
+              </a:ext>
+            </a:extLst>
+          </p:cNvPr>
+          <p:cNvSpPr/>
+          <p:nvPr>
+            <p:extLst>
+              <p:ext uri="{386F3935-93C4-4BCD-93E2-E3B085C9AB24}">
+                <p16:designElem xmlns:p16="http://schemas.microsoft.com/office/powerpoint/2015/main" val="1"/>
+              </p:ext>
+            </p:extLst>
+          </p:nvPr>
+        </p:nvSpPr>
+        <p:spPr>
+          <a:xfrm>
+            <a:off x="459353" y="-1"/>
+            <a:ext cx="11732646" cy="1597433"/>
+          </a:xfrm>
+          <a:prstGeom prst="rect">
+            <a:avLst/>
+          </a:prstGeom>
+          <a:gradFill>
+            <a:gsLst>
+              <a:gs pos="50000">
+                <a:srgbClr val="000000">
+                  <a:alpha val="0"/>
+                </a:srgbClr>
+              </a:gs>
+              <a:gs pos="99000">
+                <a:schemeClr val="accent1">
+                  <a:lumMod val="50000"/>
+                  <a:alpha val="52000"/>
+                </a:schemeClr>
+              </a:gs>
+            </a:gsLst>
+            <a:lin ang="16800000" scaled="0"/>
+          </a:gradFill>
+          <a:ln>
+            <a:noFill/>
+          </a:ln>
+        </p:spPr>
+        <p:style>
+          <a:lnRef idx="2">
+            <a:schemeClr val="accent1">
+              <a:shade val="50000"/>
+            </a:schemeClr>
+          </a:lnRef>
+          <a:fillRef idx="1">
+            <a:schemeClr val="accent1"/>
+          </a:fillRef>
+          <a:effectRef idx="0">
+            <a:schemeClr val="accent1"/>
+          </a:effectRef>
+          <a:fontRef idx="minor">
+            <a:schemeClr val="lt1"/>
+          </a:fontRef>
+        </p:style>
+        <p:txBody>
+          <a:bodyPr rtlCol="0" anchor="ctr"/>
+          <a:lstStyle/>
+          <a:p>
+            <a:pPr marL="0" marR="0" lvl="0" indent="0" algn="ctr" defTabSz="914400" rtl="0" eaLnBrk="1" fontAlgn="auto" latinLnBrk="0" hangingPunct="1">
+              <a:lnSpc>
+                <a:spcPct val="100000"/>
+              </a:lnSpc>
+              <a:spcBef>
+                <a:spcPts val="0"/>
+              </a:spcBef>
+              <a:spcAft>
+                <a:spcPts val="0"/>
+              </a:spcAft>
+              <a:buClrTx/>
+              <a:buSzTx/>
+              <a:buFontTx/>
+              <a:buNone/>
+              <a:tabLst/>
+              <a:defRPr/>
+            </a:pPr>
+            <a:endParaRPr kumimoji="0" lang="en-US" sz="1800" b="0" i="0" u="none" strike="noStrike" kern="1200" cap="none" spc="0" normalizeH="0" baseline="0" noProof="0">
+              <a:ln>
+                <a:noFill/>
+              </a:ln>
+              <a:solidFill>
+                <a:prstClr val="white"/>
+              </a:solidFill>
+              <a:effectLst/>
+              <a:uLnTx/>
+              <a:uFillTx/>
+              <a:latin typeface="Calibri" panose="020F0502020204030204"/>
+              <a:ea typeface="+mn-ea"/>
+              <a:cs typeface="+mn-cs"/>
+            </a:endParaRPr>
+          </a:p>
+        </p:txBody>
+      </p:sp>
+      <p:sp>
+        <p:nvSpPr>
+          <p:cNvPr id="9" name="Title 1">
+            <a:extLst>
+              <a:ext uri="{FF2B5EF4-FFF2-40B4-BE49-F238E27FC236}">
+                <a16:creationId xmlns:a16="http://schemas.microsoft.com/office/drawing/2014/main" id="{4867BA72-C744-A01F-AF4E-A88048C2F1AC}"/>
+              </a:ext>
+            </a:extLst>
+          </p:cNvPr>
+          <p:cNvSpPr txBox="1">
+            <a:spLocks/>
+          </p:cNvSpPr>
+          <p:nvPr/>
+        </p:nvSpPr>
+        <p:spPr>
+          <a:xfrm>
+            <a:off x="459349" y="278535"/>
+            <a:ext cx="9895951" cy="1033669"/>
+          </a:xfrm>
+          <a:prstGeom prst="rect">
+            <a:avLst/>
+          </a:prstGeom>
+        </p:spPr>
+        <p:txBody>
+          <a:bodyPr vert="horz" lIns="91440" tIns="45720" rIns="91440" bIns="45720" rtlCol="0" anchor="ctr">
+            <a:normAutofit fontScale="85000" lnSpcReduction="10000"/>
+          </a:bodyPr>
+          <a:lstStyle>
+            <a:lvl1pPr algn="l" defTabSz="914400" rtl="0" eaLnBrk="1" latinLnBrk="0" hangingPunct="1">
+              <a:lnSpc>
+                <a:spcPct val="90000"/>
+              </a:lnSpc>
+              <a:spcBef>
+                <a:spcPct val="0"/>
+              </a:spcBef>
+              <a:buNone/>
+              <a:defRPr sz="4400" kern="1200">
+                <a:solidFill>
+                  <a:schemeClr val="tx1"/>
+                </a:solidFill>
+                <a:latin typeface="+mj-lt"/>
+                <a:ea typeface="+mj-ea"/>
+                <a:cs typeface="+mj-cs"/>
+              </a:defRPr>
+            </a:lvl1pPr>
+          </a:lstStyle>
+          <a:p>
+            <a:r>
+              <a:rPr lang="it-IT" sz="6000" b="1" dirty="0" err="1">
+                <a:solidFill>
+                  <a:srgbClr val="FFFFFF"/>
+                </a:solidFill>
+              </a:rPr>
+              <a:t>Microservice</a:t>
+            </a:r>
+            <a:r>
+              <a:rPr lang="it-IT" sz="6000" b="1" dirty="0">
+                <a:solidFill>
+                  <a:srgbClr val="FFFFFF"/>
+                </a:solidFill>
+              </a:rPr>
+              <a:t> for User Management</a:t>
+            </a:r>
+          </a:p>
+        </p:txBody>
+      </p:sp>
+      <p:sp>
+        <p:nvSpPr>
+          <p:cNvPr id="10" name="TextBox 9">
+            <a:extLst>
+              <a:ext uri="{FF2B5EF4-FFF2-40B4-BE49-F238E27FC236}">
+                <a16:creationId xmlns:a16="http://schemas.microsoft.com/office/drawing/2014/main" id="{B2F34350-F09F-061E-8FE2-C9204B9A80D1}"/>
+              </a:ext>
+            </a:extLst>
+          </p:cNvPr>
+          <p:cNvSpPr txBox="1"/>
+          <p:nvPr/>
+        </p:nvSpPr>
+        <p:spPr>
+          <a:xfrm>
+            <a:off x="858326" y="2172426"/>
+            <a:ext cx="10934700" cy="369332"/>
+          </a:xfrm>
+          <a:prstGeom prst="rect">
+            <a:avLst/>
+          </a:prstGeom>
+          <a:noFill/>
+        </p:spPr>
+        <p:txBody>
+          <a:bodyPr wrap="square" rtlCol="0">
+            <a:spAutoFit/>
+          </a:bodyPr>
+          <a:lstStyle/>
+          <a:p>
+            <a:r>
+              <a:rPr lang="it-IT" dirty="0" err="1"/>
+              <a:t>This</a:t>
+            </a:r>
+            <a:r>
+              <a:rPr lang="it-IT" dirty="0"/>
+              <a:t> </a:t>
+            </a:r>
+            <a:r>
+              <a:rPr lang="it-IT" dirty="0" err="1"/>
+              <a:t>is</a:t>
+            </a:r>
+            <a:r>
+              <a:rPr lang="it-IT" dirty="0"/>
+              <a:t> the </a:t>
+            </a:r>
+            <a:r>
+              <a:rPr lang="it-IT" dirty="0" err="1"/>
+              <a:t>Microservice</a:t>
+            </a:r>
+            <a:r>
+              <a:rPr lang="it-IT" dirty="0"/>
+              <a:t> </a:t>
+            </a:r>
+            <a:r>
+              <a:rPr lang="it-IT" dirty="0" err="1"/>
+              <a:t>that</a:t>
+            </a:r>
+            <a:r>
+              <a:rPr lang="it-IT" dirty="0"/>
+              <a:t> </a:t>
+            </a:r>
+            <a:r>
+              <a:rPr lang="it-IT" dirty="0" err="1"/>
+              <a:t>manages</a:t>
+            </a:r>
+            <a:r>
+              <a:rPr lang="it-IT" dirty="0"/>
+              <a:t> </a:t>
+            </a:r>
+            <a:r>
+              <a:rPr lang="it-IT" dirty="0" err="1"/>
+              <a:t>all</a:t>
+            </a:r>
+            <a:r>
+              <a:rPr lang="it-IT" dirty="0"/>
+              <a:t> the tasks </a:t>
+            </a:r>
+            <a:r>
+              <a:rPr lang="it-IT" dirty="0" err="1"/>
+              <a:t>related</a:t>
+            </a:r>
+            <a:r>
+              <a:rPr lang="it-IT" dirty="0"/>
+              <a:t> to the Accounting, like login, </a:t>
+            </a:r>
+            <a:r>
+              <a:rPr lang="it-IT" dirty="0" err="1"/>
+              <a:t>register</a:t>
+            </a:r>
+            <a:r>
+              <a:rPr lang="it-IT" dirty="0"/>
+              <a:t> and settings.</a:t>
+            </a:r>
+            <a:endParaRPr lang="en-US" dirty="0"/>
+          </a:p>
+        </p:txBody>
+      </p:sp>
+      <p:pic>
+        <p:nvPicPr>
+          <p:cNvPr id="13" name="Picture 12">
+            <a:extLst>
+              <a:ext uri="{FF2B5EF4-FFF2-40B4-BE49-F238E27FC236}">
+                <a16:creationId xmlns:a16="http://schemas.microsoft.com/office/drawing/2014/main" id="{AE608A15-5A4F-651D-8555-7075960B567D}"/>
+              </a:ext>
+            </a:extLst>
+          </p:cNvPr>
+          <p:cNvPicPr>
+            <a:picLocks noChangeAspect="1"/>
+          </p:cNvPicPr>
+          <p:nvPr/>
+        </p:nvPicPr>
+        <p:blipFill>
+          <a:blip r:embed="rId2"/>
+          <a:stretch>
+            <a:fillRect/>
+          </a:stretch>
+        </p:blipFill>
+        <p:spPr>
+          <a:xfrm>
+            <a:off x="7935259" y="3429000"/>
+            <a:ext cx="3670667" cy="2053268"/>
+          </a:xfrm>
+          <a:prstGeom prst="rect">
+            <a:avLst/>
+          </a:prstGeom>
+        </p:spPr>
+      </p:pic>
+      <p:pic>
+        <p:nvPicPr>
+          <p:cNvPr id="2049" name="Picture 1" descr="BFF with Node.js. Check this points when you create a new… | by Matias  Daniel Torre | Medium">
+            <a:extLst>
+              <a:ext uri="{FF2B5EF4-FFF2-40B4-BE49-F238E27FC236}">
+                <a16:creationId xmlns:a16="http://schemas.microsoft.com/office/drawing/2014/main" id="{1258BD78-5CC8-F09F-6EC6-57DB1CB36570}"/>
+              </a:ext>
+            </a:extLst>
+          </p:cNvPr>
+          <p:cNvPicPr>
+            <a:picLocks noChangeAspect="1" noChangeArrowheads="1"/>
+          </p:cNvPicPr>
+          <p:nvPr/>
+        </p:nvPicPr>
+        <p:blipFill>
+          <a:blip r:embed="rId3">
+            <a:extLst>
+              <a:ext uri="{28A0092B-C50C-407E-A947-70E740481C1C}">
+                <a14:useLocalDpi xmlns:a14="http://schemas.microsoft.com/office/drawing/2010/main" val="0"/>
+              </a:ext>
+            </a:extLst>
+          </a:blip>
+          <a:srcRect/>
+          <a:stretch>
+            <a:fillRect/>
+          </a:stretch>
+        </p:blipFill>
+        <p:spPr bwMode="auto">
+          <a:xfrm>
+            <a:off x="675735" y="2951714"/>
+            <a:ext cx="3275628" cy="3275628"/>
+          </a:xfrm>
+          <a:prstGeom prst="rect">
+            <a:avLst/>
+          </a:prstGeom>
+          <a:noFill/>
+          <a:extLst>
+            <a:ext uri="{909E8E84-426E-40DD-AFC4-6F175D3DCCD1}">
+              <a14:hiddenFill xmlns:a14="http://schemas.microsoft.com/office/drawing/2010/main">
+                <a:solidFill>
+                  <a:srgbClr val="FFFFFF"/>
+                </a:solidFill>
+              </a14:hiddenFill>
+            </a:ext>
+          </a:extLst>
+        </p:spPr>
+      </p:pic>
+      <p:pic>
+        <p:nvPicPr>
+          <p:cNvPr id="14" name="Picture 13">
+            <a:extLst>
+              <a:ext uri="{FF2B5EF4-FFF2-40B4-BE49-F238E27FC236}">
+                <a16:creationId xmlns:a16="http://schemas.microsoft.com/office/drawing/2014/main" id="{4815373D-28A2-EBE6-8A39-D8CE23A169C0}"/>
+              </a:ext>
+            </a:extLst>
+          </p:cNvPr>
+          <p:cNvPicPr>
+            <a:picLocks noChangeAspect="1"/>
+          </p:cNvPicPr>
+          <p:nvPr/>
+        </p:nvPicPr>
+        <p:blipFill>
+          <a:blip r:embed="rId4"/>
+          <a:stretch>
+            <a:fillRect/>
+          </a:stretch>
+        </p:blipFill>
+        <p:spPr>
+          <a:xfrm>
+            <a:off x="4107977" y="4023196"/>
+            <a:ext cx="3670667" cy="1132663"/>
+          </a:xfrm>
+          <a:prstGeom prst="rect">
+            <a:avLst/>
+          </a:prstGeom>
+        </p:spPr>
+      </p:pic>
+    </p:spTree>
+    <p:extLst>
+      <p:ext uri="{BB962C8B-B14F-4D97-AF65-F5344CB8AC3E}">
+        <p14:creationId xmlns:p14="http://schemas.microsoft.com/office/powerpoint/2010/main" val="1123304757"/>
+      </p:ext>
+    </p:extLst>
+  </p:cSld>
+  <p:clrMapOvr>
+    <a:masterClrMapping/>
+  </p:clrMapOvr>
+</p:sld>
+</file>
+
+<file path=ppt/slides/slide11.xml><?xml version="1.0" encoding="utf-8"?>
+<p:sld xmlns:a="http://schemas.openxmlformats.org/drawingml/2006/main" xmlns:r="http://schemas.openxmlformats.org/officeDocument/2006/relationships" xmlns:p="http://schemas.openxmlformats.org/presentationml/2006/main">
+  <p:cSld>
+    <p:spTree>
+      <p:nvGrpSpPr>
+        <p:cNvPr id="1" name="">
+          <a:extLst>
+            <a:ext uri="{FF2B5EF4-FFF2-40B4-BE49-F238E27FC236}">
+              <a16:creationId xmlns:a16="http://schemas.microsoft.com/office/drawing/2014/main" id="{2E9B1E6D-C64B-FA95-D94E-DEB33AC93AAD}"/>
+            </a:ext>
+          </a:extLst>
+        </p:cNvPr>
+        <p:cNvGrpSpPr/>
+        <p:nvPr/>
+      </p:nvGrpSpPr>
+      <p:grpSpPr>
+        <a:xfrm>
+          <a:off x="0" y="0"/>
+          <a:ext cx="0" cy="0"/>
+          <a:chOff x="0" y="0"/>
+          <a:chExt cx="0" cy="0"/>
+        </a:xfrm>
+      </p:grpSpPr>
+      <p:sp>
+        <p:nvSpPr>
+          <p:cNvPr id="2" name="Title 1">
+            <a:extLst>
+              <a:ext uri="{FF2B5EF4-FFF2-40B4-BE49-F238E27FC236}">
+                <a16:creationId xmlns:a16="http://schemas.microsoft.com/office/drawing/2014/main" id="{CFF5FE32-E321-6010-B4A9-EC281F792FE6}"/>
+              </a:ext>
+            </a:extLst>
+          </p:cNvPr>
+          <p:cNvSpPr>
+            <a:spLocks noGrp="1"/>
+          </p:cNvSpPr>
+          <p:nvPr>
+            <p:ph type="title"/>
+          </p:nvPr>
+        </p:nvSpPr>
+        <p:spPr/>
+        <p:txBody>
+          <a:bodyPr/>
+          <a:lstStyle/>
+          <a:p>
+            <a:endParaRPr lang="en-US" dirty="0"/>
+          </a:p>
+        </p:txBody>
+      </p:sp>
+      <p:sp useBgFill="1">
+        <p:nvSpPr>
+          <p:cNvPr id="4" name="Rectangle 3">
+            <a:extLst>
+              <a:ext uri="{FF2B5EF4-FFF2-40B4-BE49-F238E27FC236}">
+                <a16:creationId xmlns:a16="http://schemas.microsoft.com/office/drawing/2014/main" id="{98777F32-7C4D-FCEE-9F7D-081E5C10249F}"/>
+              </a:ext>
+              <a:ext uri="{C183D7F6-B498-43B3-948B-1728B52AA6E4}">
+                <adec:decorative xmlns:adec="http://schemas.microsoft.com/office/drawing/2017/decorative" val="1"/>
+              </a:ext>
+            </a:extLst>
+          </p:cNvPr>
+          <p:cNvSpPr/>
+          <p:nvPr>
+            <p:extLst>
+              <p:ext uri="{386F3935-93C4-4BCD-93E2-E3B085C9AB24}">
+                <p16:designElem xmlns:p16="http://schemas.microsoft.com/office/powerpoint/2015/main" val="1"/>
+              </p:ext>
+            </p:extLst>
+          </p:nvPr>
+        </p:nvSpPr>
+        <p:spPr>
+          <a:xfrm>
+            <a:off x="3" y="0"/>
+            <a:ext cx="12192000" cy="6858000"/>
+          </a:xfrm>
+          <a:prstGeom prst="rect">
+            <a:avLst/>
+          </a:prstGeom>
+          <a:ln w="12700" cap="flat" cmpd="sng" algn="ctr">
+            <a:noFill/>
+            <a:prstDash val="solid"/>
+            <a:miter lim="800000"/>
+          </a:ln>
+          <a:effectLst/>
+          <a:extLst>
+            <a:ext uri="{91240B29-F687-4F45-9708-019B960494DF}">
+              <a14:hiddenLine xmlns:a14="http://schemas.microsoft.com/office/drawing/2010/main" w="12700" cap="flat" cmpd="sng" algn="ctr">
+                <a:solidFill>
+                  <a:schemeClr val="accent1">
+                    <a:shade val="50000"/>
+                  </a:schemeClr>
+                </a:solidFill>
+                <a:prstDash val="solid"/>
+                <a:miter lim="800000"/>
+              </a14:hiddenLine>
+            </a:ext>
+          </a:extLst>
+        </p:spPr>
+        <p:style>
+          <a:lnRef idx="2">
+            <a:schemeClr val="accent1">
+              <a:shade val="50000"/>
+            </a:schemeClr>
+          </a:lnRef>
+          <a:fillRef idx="1">
+            <a:schemeClr val="accent1"/>
+          </a:fillRef>
+          <a:effectRef idx="0">
+            <a:schemeClr val="accent1"/>
+          </a:effectRef>
+          <a:fontRef idx="minor">
+            <a:schemeClr val="lt1"/>
+          </a:fontRef>
+        </p:style>
+        <p:txBody>
+          <a:bodyPr rtlCol="0" anchor="ctr"/>
+          <a:lstStyle/>
+          <a:p>
+            <a:pPr marL="0" marR="0" lvl="0" indent="0" algn="ctr" defTabSz="914400" rtl="0" eaLnBrk="1" fontAlgn="auto" latinLnBrk="0" hangingPunct="1">
+              <a:lnSpc>
+                <a:spcPct val="100000"/>
+              </a:lnSpc>
+              <a:spcBef>
+                <a:spcPts val="0"/>
+              </a:spcBef>
+              <a:spcAft>
+                <a:spcPts val="0"/>
+              </a:spcAft>
+              <a:buClrTx/>
+              <a:buSzTx/>
+              <a:buFontTx/>
+              <a:buNone/>
+              <a:tabLst/>
+              <a:defRPr/>
+            </a:pPr>
+            <a:endParaRPr kumimoji="0" lang="en-US" sz="1800" b="0" i="0" u="none" strike="noStrike" kern="1200" cap="none" spc="0" normalizeH="0" baseline="0" noProof="0">
+              <a:ln>
+                <a:noFill/>
+              </a:ln>
+              <a:solidFill>
+                <a:prstClr val="white"/>
+              </a:solidFill>
+              <a:effectLst/>
+              <a:uLnTx/>
+              <a:uFillTx/>
+              <a:latin typeface="Calibri" panose="020F0502020204030204"/>
+              <a:ea typeface="+mn-ea"/>
+              <a:cs typeface="+mn-cs"/>
+            </a:endParaRPr>
+          </a:p>
+        </p:txBody>
+      </p:sp>
+      <p:sp>
+        <p:nvSpPr>
+          <p:cNvPr id="5" name="Rectangle 4">
+            <a:extLst>
+              <a:ext uri="{FF2B5EF4-FFF2-40B4-BE49-F238E27FC236}">
+                <a16:creationId xmlns:a16="http://schemas.microsoft.com/office/drawing/2014/main" id="{7F5383DF-A856-D97A-49E4-4E894E7ECA5A}"/>
+              </a:ext>
+              <a:ext uri="{C183D7F6-B498-43B3-948B-1728B52AA6E4}">
+                <adec:decorative xmlns:adec="http://schemas.microsoft.com/office/drawing/2017/decorative" val="1"/>
+              </a:ext>
+            </a:extLst>
+          </p:cNvPr>
+          <p:cNvSpPr/>
+          <p:nvPr>
+            <p:extLst>
+              <p:ext uri="{386F3935-93C4-4BCD-93E2-E3B085C9AB24}">
+                <p16:designElem xmlns:p16="http://schemas.microsoft.com/office/powerpoint/2015/main" val="1"/>
+              </p:ext>
+            </p:extLst>
+          </p:nvPr>
+        </p:nvSpPr>
+        <p:spPr>
+          <a:xfrm flipH="1">
+            <a:off x="2" y="-1"/>
+            <a:ext cx="12191998" cy="1590742"/>
+          </a:xfrm>
+          <a:prstGeom prst="rect">
+            <a:avLst/>
+          </a:prstGeom>
+          <a:gradFill>
+            <a:gsLst>
+              <a:gs pos="0">
+                <a:srgbClr val="000000"/>
+              </a:gs>
+              <a:gs pos="100000">
+                <a:schemeClr val="accent1">
+                  <a:lumMod val="75000"/>
+                </a:schemeClr>
+              </a:gs>
+            </a:gsLst>
+            <a:lin ang="8400000" scaled="0"/>
+          </a:gradFill>
+          <a:ln>
+            <a:noFill/>
+          </a:ln>
+        </p:spPr>
+        <p:style>
+          <a:lnRef idx="2">
+            <a:schemeClr val="accent1">
+              <a:shade val="50000"/>
+            </a:schemeClr>
+          </a:lnRef>
+          <a:fillRef idx="1">
+            <a:schemeClr val="accent1"/>
+          </a:fillRef>
+          <a:effectRef idx="0">
+            <a:schemeClr val="accent1"/>
+          </a:effectRef>
+          <a:fontRef idx="minor">
+            <a:schemeClr val="lt1"/>
+          </a:fontRef>
+        </p:style>
+        <p:txBody>
+          <a:bodyPr rtlCol="0" anchor="ctr"/>
+          <a:lstStyle/>
+          <a:p>
+            <a:pPr marL="0" marR="0" lvl="0" indent="0" algn="ctr" defTabSz="914400" rtl="0" eaLnBrk="1" fontAlgn="auto" latinLnBrk="0" hangingPunct="1">
+              <a:lnSpc>
+                <a:spcPct val="100000"/>
+              </a:lnSpc>
+              <a:spcBef>
+                <a:spcPts val="0"/>
+              </a:spcBef>
+              <a:spcAft>
+                <a:spcPts val="0"/>
+              </a:spcAft>
+              <a:buClrTx/>
+              <a:buSzTx/>
+              <a:buFontTx/>
+              <a:buNone/>
+              <a:tabLst/>
+              <a:defRPr/>
+            </a:pPr>
+            <a:endParaRPr kumimoji="0" lang="en-US" sz="1800" b="0" i="0" u="none" strike="noStrike" kern="1200" cap="none" spc="0" normalizeH="0" baseline="0" noProof="0">
+              <a:ln>
+                <a:noFill/>
+              </a:ln>
+              <a:solidFill>
+                <a:prstClr val="white"/>
+              </a:solidFill>
+              <a:effectLst/>
+              <a:uLnTx/>
+              <a:uFillTx/>
+              <a:latin typeface="Calibri" panose="020F0502020204030204"/>
+              <a:ea typeface="+mn-ea"/>
+              <a:cs typeface="+mn-cs"/>
+            </a:endParaRPr>
+          </a:p>
+        </p:txBody>
+      </p:sp>
+      <p:sp>
+        <p:nvSpPr>
+          <p:cNvPr id="6" name="Rectangle 5">
+            <a:extLst>
+              <a:ext uri="{FF2B5EF4-FFF2-40B4-BE49-F238E27FC236}">
+                <a16:creationId xmlns:a16="http://schemas.microsoft.com/office/drawing/2014/main" id="{102B2D32-6F80-37ED-B807-CBFD376CDD1F}"/>
+              </a:ext>
+              <a:ext uri="{C183D7F6-B498-43B3-948B-1728B52AA6E4}">
+                <adec:decorative xmlns:adec="http://schemas.microsoft.com/office/drawing/2017/decorative" val="1"/>
+              </a:ext>
+            </a:extLst>
+          </p:cNvPr>
+          <p:cNvSpPr/>
+          <p:nvPr>
+            <p:extLst>
+              <p:ext uri="{386F3935-93C4-4BCD-93E2-E3B085C9AB24}">
+                <p16:designElem xmlns:p16="http://schemas.microsoft.com/office/powerpoint/2015/main" val="1"/>
+              </p:ext>
+            </p:extLst>
+          </p:nvPr>
+        </p:nvSpPr>
+        <p:spPr>
+          <a:xfrm rot="10800000" flipH="1">
+            <a:off x="0" y="0"/>
+            <a:ext cx="8115306" cy="1590742"/>
+          </a:xfrm>
+          <a:prstGeom prst="rect">
+            <a:avLst/>
+          </a:prstGeom>
+          <a:gradFill>
+            <a:gsLst>
+              <a:gs pos="20000">
+                <a:schemeClr val="accent1">
+                  <a:alpha val="0"/>
+                </a:schemeClr>
+              </a:gs>
+              <a:gs pos="100000">
+                <a:schemeClr val="accent1">
+                  <a:lumMod val="50000"/>
+                  <a:alpha val="55000"/>
+                </a:schemeClr>
+              </a:gs>
+            </a:gsLst>
+            <a:lin ang="13800000" scaled="0"/>
+          </a:gradFill>
+          <a:ln>
+            <a:noFill/>
+          </a:ln>
+        </p:spPr>
+        <p:style>
+          <a:lnRef idx="2">
+            <a:schemeClr val="accent1">
+              <a:shade val="50000"/>
+            </a:schemeClr>
+          </a:lnRef>
+          <a:fillRef idx="1">
+            <a:schemeClr val="accent1"/>
+          </a:fillRef>
+          <a:effectRef idx="0">
+            <a:schemeClr val="accent1"/>
+          </a:effectRef>
+          <a:fontRef idx="minor">
+            <a:schemeClr val="lt1"/>
+          </a:fontRef>
+        </p:style>
+        <p:txBody>
+          <a:bodyPr rtlCol="0" anchor="ctr"/>
+          <a:lstStyle/>
+          <a:p>
+            <a:pPr marL="0" marR="0" lvl="0" indent="0" algn="ctr" defTabSz="914400" rtl="0" eaLnBrk="1" fontAlgn="auto" latinLnBrk="0" hangingPunct="1">
+              <a:lnSpc>
+                <a:spcPct val="100000"/>
+              </a:lnSpc>
+              <a:spcBef>
+                <a:spcPts val="0"/>
+              </a:spcBef>
+              <a:spcAft>
+                <a:spcPts val="0"/>
+              </a:spcAft>
+              <a:buClrTx/>
+              <a:buSzTx/>
+              <a:buFontTx/>
+              <a:buNone/>
+              <a:tabLst/>
+              <a:defRPr/>
+            </a:pPr>
+            <a:endParaRPr kumimoji="0" lang="en-US" sz="1800" b="0" i="0" u="none" strike="noStrike" kern="1200" cap="none" spc="0" normalizeH="0" baseline="0" noProof="0">
+              <a:ln>
+                <a:noFill/>
+              </a:ln>
+              <a:solidFill>
+                <a:prstClr val="white"/>
+              </a:solidFill>
+              <a:effectLst/>
+              <a:uLnTx/>
+              <a:uFillTx/>
+              <a:latin typeface="Calibri" panose="020F0502020204030204"/>
+              <a:ea typeface="+mn-ea"/>
+              <a:cs typeface="+mn-cs"/>
+            </a:endParaRPr>
+          </a:p>
+        </p:txBody>
+      </p:sp>
+      <p:sp>
+        <p:nvSpPr>
+          <p:cNvPr id="7" name="Rectangle 6">
+            <a:extLst>
+              <a:ext uri="{FF2B5EF4-FFF2-40B4-BE49-F238E27FC236}">
+                <a16:creationId xmlns:a16="http://schemas.microsoft.com/office/drawing/2014/main" id="{A2932716-475C-3893-A6CA-E669179A4AA2}"/>
+              </a:ext>
+              <a:ext uri="{C183D7F6-B498-43B3-948B-1728B52AA6E4}">
+                <adec:decorative xmlns:adec="http://schemas.microsoft.com/office/drawing/2017/decorative" val="1"/>
+              </a:ext>
+            </a:extLst>
+          </p:cNvPr>
+          <p:cNvSpPr/>
+          <p:nvPr>
+            <p:extLst>
+              <p:ext uri="{386F3935-93C4-4BCD-93E2-E3B085C9AB24}">
+                <p16:designElem xmlns:p16="http://schemas.microsoft.com/office/powerpoint/2015/main" val="1"/>
+              </p:ext>
+            </p:extLst>
+          </p:nvPr>
+        </p:nvSpPr>
+        <p:spPr>
+          <a:xfrm flipH="1">
+            <a:off x="8115302" y="-1"/>
+            <a:ext cx="4076698" cy="1590742"/>
+          </a:xfrm>
+          <a:prstGeom prst="rect">
+            <a:avLst/>
+          </a:prstGeom>
+          <a:gradFill>
+            <a:gsLst>
+              <a:gs pos="0">
+                <a:schemeClr val="accent1">
+                  <a:alpha val="66000"/>
+                </a:schemeClr>
+              </a:gs>
+              <a:gs pos="100000">
+                <a:srgbClr val="000000">
+                  <a:alpha val="30000"/>
+                </a:srgbClr>
+              </a:gs>
+            </a:gsLst>
+            <a:lin ang="13200000" scaled="0"/>
+          </a:gradFill>
+          <a:ln>
+            <a:noFill/>
+          </a:ln>
+        </p:spPr>
+        <p:style>
+          <a:lnRef idx="2">
+            <a:schemeClr val="accent1">
+              <a:shade val="50000"/>
+            </a:schemeClr>
+          </a:lnRef>
+          <a:fillRef idx="1">
+            <a:schemeClr val="accent1"/>
+          </a:fillRef>
+          <a:effectRef idx="0">
+            <a:schemeClr val="accent1"/>
+          </a:effectRef>
+          <a:fontRef idx="minor">
+            <a:schemeClr val="lt1"/>
+          </a:fontRef>
+        </p:style>
+        <p:txBody>
+          <a:bodyPr rtlCol="0" anchor="ctr"/>
+          <a:lstStyle/>
+          <a:p>
+            <a:pPr marL="0" marR="0" lvl="0" indent="0" algn="ctr" defTabSz="914400" rtl="0" eaLnBrk="1" fontAlgn="auto" latinLnBrk="0" hangingPunct="1">
+              <a:lnSpc>
+                <a:spcPct val="100000"/>
+              </a:lnSpc>
+              <a:spcBef>
+                <a:spcPts val="0"/>
+              </a:spcBef>
+              <a:spcAft>
+                <a:spcPts val="0"/>
+              </a:spcAft>
+              <a:buClrTx/>
+              <a:buSzTx/>
+              <a:buFontTx/>
+              <a:buNone/>
+              <a:tabLst/>
+              <a:defRPr/>
+            </a:pPr>
+            <a:endParaRPr kumimoji="0" lang="en-US" sz="1800" b="0" i="0" u="none" strike="noStrike" kern="1200" cap="none" spc="0" normalizeH="0" baseline="0" noProof="0">
+              <a:ln>
+                <a:noFill/>
+              </a:ln>
+              <a:solidFill>
+                <a:prstClr val="white"/>
+              </a:solidFill>
+              <a:effectLst/>
+              <a:uLnTx/>
+              <a:uFillTx/>
+              <a:latin typeface="Calibri" panose="020F0502020204030204"/>
+              <a:ea typeface="+mn-ea"/>
+              <a:cs typeface="+mn-cs"/>
+            </a:endParaRPr>
+          </a:p>
+        </p:txBody>
+      </p:sp>
+      <p:sp>
+        <p:nvSpPr>
+          <p:cNvPr id="8" name="Rectangle 7">
+            <a:extLst>
+              <a:ext uri="{FF2B5EF4-FFF2-40B4-BE49-F238E27FC236}">
+                <a16:creationId xmlns:a16="http://schemas.microsoft.com/office/drawing/2014/main" id="{0885120F-CE91-D4DD-41D8-C6D60E44941B}"/>
+              </a:ext>
+              <a:ext uri="{C183D7F6-B498-43B3-948B-1728B52AA6E4}">
+                <adec:decorative xmlns:adec="http://schemas.microsoft.com/office/drawing/2017/decorative" val="1"/>
+              </a:ext>
+            </a:extLst>
+          </p:cNvPr>
+          <p:cNvSpPr/>
+          <p:nvPr>
+            <p:extLst>
+              <p:ext uri="{386F3935-93C4-4BCD-93E2-E3B085C9AB24}">
+                <p16:designElem xmlns:p16="http://schemas.microsoft.com/office/powerpoint/2015/main" val="1"/>
+              </p:ext>
+            </p:extLst>
+          </p:nvPr>
+        </p:nvSpPr>
+        <p:spPr>
+          <a:xfrm>
+            <a:off x="459353" y="-1"/>
+            <a:ext cx="11732646" cy="1597433"/>
+          </a:xfrm>
+          <a:prstGeom prst="rect">
+            <a:avLst/>
+          </a:prstGeom>
+          <a:gradFill>
+            <a:gsLst>
+              <a:gs pos="50000">
+                <a:srgbClr val="000000">
+                  <a:alpha val="0"/>
+                </a:srgbClr>
+              </a:gs>
+              <a:gs pos="99000">
+                <a:schemeClr val="accent1">
+                  <a:lumMod val="50000"/>
+                  <a:alpha val="52000"/>
+                </a:schemeClr>
+              </a:gs>
+            </a:gsLst>
+            <a:lin ang="16800000" scaled="0"/>
+          </a:gradFill>
+          <a:ln>
+            <a:noFill/>
+          </a:ln>
+        </p:spPr>
+        <p:style>
+          <a:lnRef idx="2">
+            <a:schemeClr val="accent1">
+              <a:shade val="50000"/>
+            </a:schemeClr>
+          </a:lnRef>
+          <a:fillRef idx="1">
+            <a:schemeClr val="accent1"/>
+          </a:fillRef>
+          <a:effectRef idx="0">
+            <a:schemeClr val="accent1"/>
+          </a:effectRef>
+          <a:fontRef idx="minor">
+            <a:schemeClr val="lt1"/>
+          </a:fontRef>
+        </p:style>
+        <p:txBody>
+          <a:bodyPr rtlCol="0" anchor="ctr"/>
+          <a:lstStyle/>
+          <a:p>
+            <a:pPr marL="0" marR="0" lvl="0" indent="0" algn="ctr" defTabSz="914400" rtl="0" eaLnBrk="1" fontAlgn="auto" latinLnBrk="0" hangingPunct="1">
+              <a:lnSpc>
+                <a:spcPct val="100000"/>
+              </a:lnSpc>
+              <a:spcBef>
+                <a:spcPts val="0"/>
+              </a:spcBef>
+              <a:spcAft>
+                <a:spcPts val="0"/>
+              </a:spcAft>
+              <a:buClrTx/>
+              <a:buSzTx/>
+              <a:buFontTx/>
+              <a:buNone/>
+              <a:tabLst/>
+              <a:defRPr/>
+            </a:pPr>
+            <a:endParaRPr kumimoji="0" lang="en-US" sz="1800" b="0" i="0" u="none" strike="noStrike" kern="1200" cap="none" spc="0" normalizeH="0" baseline="0" noProof="0">
+              <a:ln>
+                <a:noFill/>
+              </a:ln>
+              <a:solidFill>
+                <a:prstClr val="white"/>
+              </a:solidFill>
+              <a:effectLst/>
+              <a:uLnTx/>
+              <a:uFillTx/>
+              <a:latin typeface="Calibri" panose="020F0502020204030204"/>
+              <a:ea typeface="+mn-ea"/>
+              <a:cs typeface="+mn-cs"/>
+            </a:endParaRPr>
+          </a:p>
+        </p:txBody>
+      </p:sp>
+      <p:sp>
+        <p:nvSpPr>
+          <p:cNvPr id="9" name="Title 1">
+            <a:extLst>
+              <a:ext uri="{FF2B5EF4-FFF2-40B4-BE49-F238E27FC236}">
+                <a16:creationId xmlns:a16="http://schemas.microsoft.com/office/drawing/2014/main" id="{4774245F-0160-7A95-A87B-9684C6D142D9}"/>
+              </a:ext>
+            </a:extLst>
+          </p:cNvPr>
+          <p:cNvSpPr txBox="1">
+            <a:spLocks/>
+          </p:cNvSpPr>
+          <p:nvPr/>
+        </p:nvSpPr>
+        <p:spPr>
+          <a:xfrm>
+            <a:off x="459349" y="278535"/>
+            <a:ext cx="9895951" cy="1033669"/>
+          </a:xfrm>
+          <a:prstGeom prst="rect">
+            <a:avLst/>
+          </a:prstGeom>
+        </p:spPr>
+        <p:txBody>
+          <a:bodyPr vert="horz" lIns="91440" tIns="45720" rIns="91440" bIns="45720" rtlCol="0" anchor="ctr">
+            <a:normAutofit fontScale="77500" lnSpcReduction="20000"/>
+          </a:bodyPr>
+          <a:lstStyle>
+            <a:lvl1pPr algn="l" defTabSz="914400" rtl="0" eaLnBrk="1" latinLnBrk="0" hangingPunct="1">
+              <a:lnSpc>
+                <a:spcPct val="90000"/>
+              </a:lnSpc>
+              <a:spcBef>
+                <a:spcPct val="0"/>
+              </a:spcBef>
+              <a:buNone/>
+              <a:defRPr sz="4400" kern="1200">
+                <a:solidFill>
+                  <a:schemeClr val="tx1"/>
+                </a:solidFill>
+                <a:latin typeface="+mj-lt"/>
+                <a:ea typeface="+mj-ea"/>
+                <a:cs typeface="+mj-cs"/>
+              </a:defRPr>
+            </a:lvl1pPr>
+          </a:lstStyle>
+          <a:p>
+            <a:r>
+              <a:rPr lang="it-IT" sz="6000" b="1" dirty="0" err="1">
+                <a:solidFill>
+                  <a:srgbClr val="FFFFFF"/>
+                </a:solidFill>
+              </a:rPr>
+              <a:t>Microservice</a:t>
+            </a:r>
+            <a:r>
+              <a:rPr lang="it-IT" sz="6000" b="1" dirty="0">
+                <a:solidFill>
+                  <a:srgbClr val="FFFFFF"/>
+                </a:solidFill>
+              </a:rPr>
+              <a:t> for </a:t>
+            </a:r>
+            <a:r>
+              <a:rPr lang="it-IT" sz="6000" b="1" dirty="0" err="1">
+                <a:solidFill>
+                  <a:srgbClr val="FFFFFF"/>
+                </a:solidFill>
+              </a:rPr>
+              <a:t>Auction</a:t>
+            </a:r>
+            <a:r>
+              <a:rPr lang="it-IT" sz="6000" b="1" dirty="0">
+                <a:solidFill>
+                  <a:srgbClr val="FFFFFF"/>
+                </a:solidFill>
+              </a:rPr>
+              <a:t> Management</a:t>
+            </a:r>
+          </a:p>
+        </p:txBody>
+      </p:sp>
+      <p:sp>
+        <p:nvSpPr>
+          <p:cNvPr id="10" name="TextBox 9">
+            <a:extLst>
+              <a:ext uri="{FF2B5EF4-FFF2-40B4-BE49-F238E27FC236}">
+                <a16:creationId xmlns:a16="http://schemas.microsoft.com/office/drawing/2014/main" id="{EAA55112-2744-2073-5E06-A18208F2510A}"/>
+              </a:ext>
+            </a:extLst>
+          </p:cNvPr>
+          <p:cNvSpPr txBox="1"/>
+          <p:nvPr/>
+        </p:nvSpPr>
+        <p:spPr>
+          <a:xfrm>
+            <a:off x="838200" y="1955866"/>
+            <a:ext cx="10934700" cy="923330"/>
+          </a:xfrm>
+          <a:prstGeom prst="rect">
+            <a:avLst/>
+          </a:prstGeom>
+          <a:noFill/>
+        </p:spPr>
+        <p:txBody>
+          <a:bodyPr wrap="square" rtlCol="0">
+            <a:spAutoFit/>
+          </a:bodyPr>
+          <a:lstStyle/>
+          <a:p>
+            <a:r>
+              <a:rPr lang="it-IT" dirty="0"/>
+              <a:t>With </a:t>
+            </a:r>
+            <a:r>
+              <a:rPr lang="it-IT" dirty="0" err="1"/>
+              <a:t>this</a:t>
+            </a:r>
+            <a:r>
+              <a:rPr lang="it-IT" dirty="0"/>
+              <a:t> </a:t>
+            </a:r>
+            <a:r>
+              <a:rPr lang="it-IT" dirty="0" err="1"/>
+              <a:t>Microservice</a:t>
+            </a:r>
+            <a:r>
+              <a:rPr lang="it-IT" dirty="0"/>
+              <a:t> </a:t>
+            </a:r>
+            <a:r>
+              <a:rPr lang="it-IT" dirty="0" err="1"/>
+              <a:t>is</a:t>
+            </a:r>
+            <a:r>
+              <a:rPr lang="it-IT" dirty="0"/>
+              <a:t> </a:t>
+            </a:r>
+            <a:r>
+              <a:rPr lang="it-IT" dirty="0" err="1"/>
+              <a:t>possible</a:t>
+            </a:r>
+            <a:r>
+              <a:rPr lang="it-IT" dirty="0"/>
+              <a:t> to </a:t>
+            </a:r>
+            <a:r>
+              <a:rPr lang="it-IT" dirty="0" err="1"/>
+              <a:t>manage</a:t>
+            </a:r>
+            <a:r>
+              <a:rPr lang="it-IT" dirty="0"/>
+              <a:t> the </a:t>
+            </a:r>
+            <a:r>
+              <a:rPr lang="it-IT" dirty="0" err="1"/>
+              <a:t>Auctions</a:t>
+            </a:r>
+            <a:r>
+              <a:rPr lang="it-IT" dirty="0"/>
+              <a:t>. </a:t>
+            </a:r>
+            <a:r>
+              <a:rPr lang="it-IT" dirty="0" err="1"/>
+              <a:t>Indeed</a:t>
+            </a:r>
+            <a:r>
+              <a:rPr lang="it-IT" dirty="0"/>
+              <a:t> with </a:t>
+            </a:r>
+            <a:r>
+              <a:rPr lang="it-IT" dirty="0" err="1"/>
+              <a:t>it</a:t>
+            </a:r>
+            <a:r>
+              <a:rPr lang="it-IT" dirty="0"/>
+              <a:t> </a:t>
+            </a:r>
+            <a:r>
+              <a:rPr lang="it-IT" dirty="0" err="1"/>
+              <a:t>we</a:t>
+            </a:r>
+            <a:r>
+              <a:rPr lang="it-IT" dirty="0"/>
+              <a:t> can </a:t>
+            </a:r>
+            <a:r>
+              <a:rPr lang="it-IT" dirty="0" err="1"/>
+              <a:t>initialize</a:t>
+            </a:r>
+            <a:r>
+              <a:rPr lang="it-IT" dirty="0"/>
+              <a:t> a new </a:t>
+            </a:r>
+            <a:r>
+              <a:rPr lang="it-IT" dirty="0" err="1"/>
+              <a:t>Auction</a:t>
+            </a:r>
+            <a:r>
+              <a:rPr lang="it-IT" dirty="0"/>
+              <a:t> or accede to the data of an </a:t>
+            </a:r>
+            <a:r>
+              <a:rPr lang="it-IT" dirty="0" err="1"/>
+              <a:t>already</a:t>
+            </a:r>
+            <a:r>
+              <a:rPr lang="it-IT" dirty="0"/>
+              <a:t> </a:t>
+            </a:r>
+            <a:r>
+              <a:rPr lang="it-IT" dirty="0" err="1"/>
+              <a:t>existing</a:t>
+            </a:r>
+            <a:r>
+              <a:rPr lang="it-IT" dirty="0"/>
+              <a:t> one.</a:t>
+            </a:r>
+          </a:p>
+          <a:p>
+            <a:r>
+              <a:rPr lang="en-US" dirty="0">
+                <a:solidFill>
+                  <a:srgbClr val="000000"/>
+                </a:solidFill>
+                <a:latin typeface="Calibri"/>
+                <a:ea typeface="Calibri"/>
+                <a:cs typeface="Calibri"/>
+                <a:sym typeface="Calibri"/>
+              </a:rPr>
+              <a:t>It u</a:t>
+            </a:r>
+            <a:r>
+              <a:rPr lang="en-US" sz="1800" b="0" i="0" u="none" strike="noStrike" dirty="0">
+                <a:solidFill>
+                  <a:srgbClr val="000000"/>
+                </a:solidFill>
+                <a:latin typeface="Calibri"/>
+                <a:ea typeface="Calibri"/>
+                <a:cs typeface="Calibri"/>
+                <a:sym typeface="Calibri"/>
+              </a:rPr>
+              <a:t>ses RabbitMQ to communicate with the Micro</a:t>
+            </a:r>
+            <a:r>
+              <a:rPr lang="en-US" sz="1800" dirty="0">
+                <a:solidFill>
+                  <a:srgbClr val="000000"/>
+                </a:solidFill>
+                <a:latin typeface="Calibri"/>
+                <a:ea typeface="Calibri"/>
+                <a:cs typeface="Calibri"/>
+                <a:sym typeface="Calibri"/>
+              </a:rPr>
+              <a:t>service</a:t>
+            </a:r>
+            <a:r>
+              <a:rPr lang="en-US" dirty="0">
+                <a:solidFill>
+                  <a:srgbClr val="000000"/>
+                </a:solidFill>
+                <a:latin typeface="Calibri"/>
+                <a:ea typeface="Calibri"/>
+                <a:cs typeface="Calibri"/>
+                <a:sym typeface="Calibri"/>
+              </a:rPr>
+              <a:t> for Offer Management.</a:t>
+            </a:r>
+            <a:endParaRPr lang="en-US" dirty="0"/>
+          </a:p>
+        </p:txBody>
+      </p:sp>
+      <p:pic>
+        <p:nvPicPr>
+          <p:cNvPr id="13" name="Picture 12">
+            <a:extLst>
+              <a:ext uri="{FF2B5EF4-FFF2-40B4-BE49-F238E27FC236}">
+                <a16:creationId xmlns:a16="http://schemas.microsoft.com/office/drawing/2014/main" id="{1C2D2BD2-9371-5160-F38C-F44CAE6DFBA9}"/>
+              </a:ext>
+            </a:extLst>
+          </p:cNvPr>
+          <p:cNvPicPr>
+            <a:picLocks noChangeAspect="1"/>
+          </p:cNvPicPr>
+          <p:nvPr/>
+        </p:nvPicPr>
+        <p:blipFill>
+          <a:blip r:embed="rId2"/>
+          <a:stretch>
+            <a:fillRect/>
+          </a:stretch>
+        </p:blipFill>
+        <p:spPr>
+          <a:xfrm>
+            <a:off x="8691902" y="3875547"/>
+            <a:ext cx="3121517" cy="1746089"/>
+          </a:xfrm>
+          <a:prstGeom prst="rect">
+            <a:avLst/>
+          </a:prstGeom>
+        </p:spPr>
+      </p:pic>
+      <p:pic>
+        <p:nvPicPr>
+          <p:cNvPr id="2049" name="Picture 1" descr="BFF with Node.js. Check this points when you create a new… | by Matias  Daniel Torre | Medium">
+            <a:extLst>
+              <a:ext uri="{FF2B5EF4-FFF2-40B4-BE49-F238E27FC236}">
+                <a16:creationId xmlns:a16="http://schemas.microsoft.com/office/drawing/2014/main" id="{3BE5A1B8-41C5-53EC-9CBF-51BD8D654B73}"/>
+              </a:ext>
+            </a:extLst>
+          </p:cNvPr>
+          <p:cNvPicPr>
+            <a:picLocks noChangeAspect="1" noChangeArrowheads="1"/>
+          </p:cNvPicPr>
+          <p:nvPr/>
+        </p:nvPicPr>
+        <p:blipFill>
+          <a:blip r:embed="rId3">
+            <a:extLst>
+              <a:ext uri="{28A0092B-C50C-407E-A947-70E740481C1C}">
+                <a14:useLocalDpi xmlns:a14="http://schemas.microsoft.com/office/drawing/2010/main" val="0"/>
+              </a:ext>
+            </a:extLst>
+          </a:blip>
+          <a:srcRect/>
+          <a:stretch>
+            <a:fillRect/>
+          </a:stretch>
+        </p:blipFill>
+        <p:spPr bwMode="auto">
+          <a:xfrm>
+            <a:off x="484154" y="3672209"/>
+            <a:ext cx="2331750" cy="2331750"/>
+          </a:xfrm>
+          <a:prstGeom prst="rect">
+            <a:avLst/>
+          </a:prstGeom>
+          <a:noFill/>
+          <a:extLst>
+            <a:ext uri="{909E8E84-426E-40DD-AFC4-6F175D3DCCD1}">
+              <a14:hiddenFill xmlns:a14="http://schemas.microsoft.com/office/drawing/2010/main">
+                <a:solidFill>
+                  <a:srgbClr val="FFFFFF"/>
+                </a:solidFill>
+              </a14:hiddenFill>
+            </a:ext>
+          </a:extLst>
+        </p:spPr>
+      </p:pic>
+      <p:pic>
+        <p:nvPicPr>
+          <p:cNvPr id="14" name="Picture 13">
+            <a:extLst>
+              <a:ext uri="{FF2B5EF4-FFF2-40B4-BE49-F238E27FC236}">
+                <a16:creationId xmlns:a16="http://schemas.microsoft.com/office/drawing/2014/main" id="{D2F7CB0F-0F23-4BFF-F07C-E426DC054B78}"/>
+              </a:ext>
+            </a:extLst>
+          </p:cNvPr>
+          <p:cNvPicPr>
+            <a:picLocks noChangeAspect="1"/>
+          </p:cNvPicPr>
+          <p:nvPr/>
+        </p:nvPicPr>
+        <p:blipFill>
+          <a:blip r:embed="rId4"/>
+          <a:stretch>
+            <a:fillRect/>
+          </a:stretch>
+        </p:blipFill>
+        <p:spPr>
+          <a:xfrm>
+            <a:off x="5961719" y="4474029"/>
+            <a:ext cx="2323866" cy="717079"/>
+          </a:xfrm>
+          <a:prstGeom prst="rect">
+            <a:avLst/>
+          </a:prstGeom>
+        </p:spPr>
+      </p:pic>
+      <p:pic>
+        <p:nvPicPr>
+          <p:cNvPr id="11" name="Picture 10">
+            <a:extLst>
+              <a:ext uri="{FF2B5EF4-FFF2-40B4-BE49-F238E27FC236}">
+                <a16:creationId xmlns:a16="http://schemas.microsoft.com/office/drawing/2014/main" id="{4F84A9C1-653C-BD3D-8271-41014A327115}"/>
+              </a:ext>
+            </a:extLst>
+          </p:cNvPr>
+          <p:cNvPicPr>
+            <a:picLocks noChangeAspect="1"/>
+          </p:cNvPicPr>
+          <p:nvPr/>
+        </p:nvPicPr>
+        <p:blipFill>
+          <a:blip r:embed="rId5"/>
+          <a:stretch>
+            <a:fillRect/>
+          </a:stretch>
+        </p:blipFill>
+        <p:spPr>
+          <a:xfrm>
+            <a:off x="3346709" y="3643909"/>
+            <a:ext cx="2046741" cy="2296842"/>
+          </a:xfrm>
+          <a:prstGeom prst="rect">
+            <a:avLst/>
+          </a:prstGeom>
+        </p:spPr>
+      </p:pic>
+    </p:spTree>
+    <p:extLst>
+      <p:ext uri="{BB962C8B-B14F-4D97-AF65-F5344CB8AC3E}">
+        <p14:creationId xmlns:p14="http://schemas.microsoft.com/office/powerpoint/2010/main" val="27449000"/>
+      </p:ext>
+    </p:extLst>
+  </p:cSld>
+  <p:clrMapOvr>
+    <a:masterClrMapping/>
+  </p:clrMapOvr>
+</p:sld>
+</file>
+
+<file path=ppt/slides/slide12.xml><?xml version="1.0" encoding="utf-8"?>
+<p:sld xmlns:a="http://schemas.openxmlformats.org/drawingml/2006/main" xmlns:r="http://schemas.openxmlformats.org/officeDocument/2006/relationships" xmlns:p="http://schemas.openxmlformats.org/presentationml/2006/main">
+  <p:cSld>
+    <p:spTree>
+      <p:nvGrpSpPr>
+        <p:cNvPr id="1" name="">
+          <a:extLst>
+            <a:ext uri="{FF2B5EF4-FFF2-40B4-BE49-F238E27FC236}">
+              <a16:creationId xmlns:a16="http://schemas.microsoft.com/office/drawing/2014/main" id="{2EB2C9AE-9007-3D0E-C41D-8B2A3FB41CC5}"/>
+            </a:ext>
+          </a:extLst>
+        </p:cNvPr>
+        <p:cNvGrpSpPr/>
+        <p:nvPr/>
+      </p:nvGrpSpPr>
+      <p:grpSpPr>
+        <a:xfrm>
+          <a:off x="0" y="0"/>
+          <a:ext cx="0" cy="0"/>
+          <a:chOff x="0" y="0"/>
+          <a:chExt cx="0" cy="0"/>
+        </a:xfrm>
+      </p:grpSpPr>
+      <p:sp>
+        <p:nvSpPr>
+          <p:cNvPr id="2" name="Title 1">
+            <a:extLst>
+              <a:ext uri="{FF2B5EF4-FFF2-40B4-BE49-F238E27FC236}">
+                <a16:creationId xmlns:a16="http://schemas.microsoft.com/office/drawing/2014/main" id="{FB30F998-801B-9456-A801-BC932C42F3AC}"/>
+              </a:ext>
+            </a:extLst>
+          </p:cNvPr>
+          <p:cNvSpPr>
+            <a:spLocks noGrp="1"/>
+          </p:cNvSpPr>
+          <p:nvPr>
+            <p:ph type="title"/>
+          </p:nvPr>
+        </p:nvSpPr>
+        <p:spPr/>
+        <p:txBody>
+          <a:bodyPr/>
+          <a:lstStyle/>
+          <a:p>
+            <a:endParaRPr lang="en-US" dirty="0"/>
+          </a:p>
+        </p:txBody>
+      </p:sp>
+      <p:sp useBgFill="1">
+        <p:nvSpPr>
+          <p:cNvPr id="4" name="Rectangle 3">
+            <a:extLst>
+              <a:ext uri="{FF2B5EF4-FFF2-40B4-BE49-F238E27FC236}">
+                <a16:creationId xmlns:a16="http://schemas.microsoft.com/office/drawing/2014/main" id="{11945978-64F9-CEE8-ABEB-0CD61A2881FA}"/>
+              </a:ext>
+              <a:ext uri="{C183D7F6-B498-43B3-948B-1728B52AA6E4}">
+                <adec:decorative xmlns:adec="http://schemas.microsoft.com/office/drawing/2017/decorative" val="1"/>
+              </a:ext>
+            </a:extLst>
+          </p:cNvPr>
+          <p:cNvSpPr/>
+          <p:nvPr>
+            <p:extLst>
+              <p:ext uri="{386F3935-93C4-4BCD-93E2-E3B085C9AB24}">
+                <p16:designElem xmlns:p16="http://schemas.microsoft.com/office/powerpoint/2015/main" val="1"/>
+              </p:ext>
+            </p:extLst>
+          </p:nvPr>
+        </p:nvSpPr>
+        <p:spPr>
+          <a:xfrm>
+            <a:off x="3" y="0"/>
+            <a:ext cx="12192000" cy="6858000"/>
+          </a:xfrm>
+          <a:prstGeom prst="rect">
+            <a:avLst/>
+          </a:prstGeom>
+          <a:ln w="12700" cap="flat" cmpd="sng" algn="ctr">
+            <a:noFill/>
+            <a:prstDash val="solid"/>
+            <a:miter lim="800000"/>
+          </a:ln>
+          <a:effectLst/>
+          <a:extLst>
+            <a:ext uri="{91240B29-F687-4F45-9708-019B960494DF}">
+              <a14:hiddenLine xmlns:a14="http://schemas.microsoft.com/office/drawing/2010/main" w="12700" cap="flat" cmpd="sng" algn="ctr">
+                <a:solidFill>
+                  <a:schemeClr val="accent1">
+                    <a:shade val="50000"/>
+                  </a:schemeClr>
+                </a:solidFill>
+                <a:prstDash val="solid"/>
+                <a:miter lim="800000"/>
+              </a14:hiddenLine>
+            </a:ext>
+          </a:extLst>
+        </p:spPr>
+        <p:style>
+          <a:lnRef idx="2">
+            <a:schemeClr val="accent1">
+              <a:shade val="50000"/>
+            </a:schemeClr>
+          </a:lnRef>
+          <a:fillRef idx="1">
+            <a:schemeClr val="accent1"/>
+          </a:fillRef>
+          <a:effectRef idx="0">
+            <a:schemeClr val="accent1"/>
+          </a:effectRef>
+          <a:fontRef idx="minor">
+            <a:schemeClr val="lt1"/>
+          </a:fontRef>
+        </p:style>
+        <p:txBody>
+          <a:bodyPr rtlCol="0" anchor="ctr"/>
+          <a:lstStyle/>
+          <a:p>
+            <a:pPr marL="0" marR="0" lvl="0" indent="0" algn="ctr" defTabSz="914400" rtl="0" eaLnBrk="1" fontAlgn="auto" latinLnBrk="0" hangingPunct="1">
+              <a:lnSpc>
+                <a:spcPct val="100000"/>
+              </a:lnSpc>
+              <a:spcBef>
+                <a:spcPts val="0"/>
+              </a:spcBef>
+              <a:spcAft>
+                <a:spcPts val="0"/>
+              </a:spcAft>
+              <a:buClrTx/>
+              <a:buSzTx/>
+              <a:buFontTx/>
+              <a:buNone/>
+              <a:tabLst/>
+              <a:defRPr/>
+            </a:pPr>
+            <a:endParaRPr kumimoji="0" lang="en-US" sz="1800" b="0" i="0" u="none" strike="noStrike" kern="1200" cap="none" spc="0" normalizeH="0" baseline="0" noProof="0">
+              <a:ln>
+                <a:noFill/>
+              </a:ln>
+              <a:solidFill>
+                <a:prstClr val="white"/>
+              </a:solidFill>
+              <a:effectLst/>
+              <a:uLnTx/>
+              <a:uFillTx/>
+              <a:latin typeface="Calibri" panose="020F0502020204030204"/>
+              <a:ea typeface="+mn-ea"/>
+              <a:cs typeface="+mn-cs"/>
+            </a:endParaRPr>
+          </a:p>
+        </p:txBody>
+      </p:sp>
+      <p:sp>
+        <p:nvSpPr>
+          <p:cNvPr id="5" name="Rectangle 4">
+            <a:extLst>
+              <a:ext uri="{FF2B5EF4-FFF2-40B4-BE49-F238E27FC236}">
+                <a16:creationId xmlns:a16="http://schemas.microsoft.com/office/drawing/2014/main" id="{50B5F2EC-E8A7-5EA4-6D01-74988432EF81}"/>
+              </a:ext>
+              <a:ext uri="{C183D7F6-B498-43B3-948B-1728B52AA6E4}">
+                <adec:decorative xmlns:adec="http://schemas.microsoft.com/office/drawing/2017/decorative" val="1"/>
+              </a:ext>
+            </a:extLst>
+          </p:cNvPr>
+          <p:cNvSpPr/>
+          <p:nvPr>
+            <p:extLst>
+              <p:ext uri="{386F3935-93C4-4BCD-93E2-E3B085C9AB24}">
+                <p16:designElem xmlns:p16="http://schemas.microsoft.com/office/powerpoint/2015/main" val="1"/>
+              </p:ext>
+            </p:extLst>
+          </p:nvPr>
+        </p:nvSpPr>
+        <p:spPr>
+          <a:xfrm flipH="1">
+            <a:off x="2" y="-1"/>
+            <a:ext cx="12191998" cy="1590742"/>
+          </a:xfrm>
+          <a:prstGeom prst="rect">
+            <a:avLst/>
+          </a:prstGeom>
+          <a:gradFill>
+            <a:gsLst>
+              <a:gs pos="0">
+                <a:srgbClr val="000000"/>
+              </a:gs>
+              <a:gs pos="100000">
+                <a:schemeClr val="accent1">
+                  <a:lumMod val="75000"/>
+                </a:schemeClr>
+              </a:gs>
+            </a:gsLst>
+            <a:lin ang="8400000" scaled="0"/>
+          </a:gradFill>
+          <a:ln>
+            <a:noFill/>
+          </a:ln>
+        </p:spPr>
+        <p:style>
+          <a:lnRef idx="2">
+            <a:schemeClr val="accent1">
+              <a:shade val="50000"/>
+            </a:schemeClr>
+          </a:lnRef>
+          <a:fillRef idx="1">
+            <a:schemeClr val="accent1"/>
+          </a:fillRef>
+          <a:effectRef idx="0">
+            <a:schemeClr val="accent1"/>
+          </a:effectRef>
+          <a:fontRef idx="minor">
+            <a:schemeClr val="lt1"/>
+          </a:fontRef>
+        </p:style>
+        <p:txBody>
+          <a:bodyPr rtlCol="0" anchor="ctr"/>
+          <a:lstStyle/>
+          <a:p>
+            <a:pPr marL="0" marR="0" lvl="0" indent="0" algn="ctr" defTabSz="914400" rtl="0" eaLnBrk="1" fontAlgn="auto" latinLnBrk="0" hangingPunct="1">
+              <a:lnSpc>
+                <a:spcPct val="100000"/>
+              </a:lnSpc>
+              <a:spcBef>
+                <a:spcPts val="0"/>
+              </a:spcBef>
+              <a:spcAft>
+                <a:spcPts val="0"/>
+              </a:spcAft>
+              <a:buClrTx/>
+              <a:buSzTx/>
+              <a:buFontTx/>
+              <a:buNone/>
+              <a:tabLst/>
+              <a:defRPr/>
+            </a:pPr>
+            <a:endParaRPr kumimoji="0" lang="en-US" sz="1800" b="0" i="0" u="none" strike="noStrike" kern="1200" cap="none" spc="0" normalizeH="0" baseline="0" noProof="0">
+              <a:ln>
+                <a:noFill/>
+              </a:ln>
+              <a:solidFill>
+                <a:prstClr val="white"/>
+              </a:solidFill>
+              <a:effectLst/>
+              <a:uLnTx/>
+              <a:uFillTx/>
+              <a:latin typeface="Calibri" panose="020F0502020204030204"/>
+              <a:ea typeface="+mn-ea"/>
+              <a:cs typeface="+mn-cs"/>
+            </a:endParaRPr>
+          </a:p>
+        </p:txBody>
+      </p:sp>
+      <p:sp>
+        <p:nvSpPr>
+          <p:cNvPr id="6" name="Rectangle 5">
+            <a:extLst>
+              <a:ext uri="{FF2B5EF4-FFF2-40B4-BE49-F238E27FC236}">
+                <a16:creationId xmlns:a16="http://schemas.microsoft.com/office/drawing/2014/main" id="{FA8691E7-E84E-1662-B826-269D6B6189D4}"/>
+              </a:ext>
+              <a:ext uri="{C183D7F6-B498-43B3-948B-1728B52AA6E4}">
+                <adec:decorative xmlns:adec="http://schemas.microsoft.com/office/drawing/2017/decorative" val="1"/>
+              </a:ext>
+            </a:extLst>
+          </p:cNvPr>
+          <p:cNvSpPr/>
+          <p:nvPr>
+            <p:extLst>
+              <p:ext uri="{386F3935-93C4-4BCD-93E2-E3B085C9AB24}">
+                <p16:designElem xmlns:p16="http://schemas.microsoft.com/office/powerpoint/2015/main" val="1"/>
+              </p:ext>
+            </p:extLst>
+          </p:nvPr>
+        </p:nvSpPr>
+        <p:spPr>
+          <a:xfrm rot="10800000" flipH="1">
+            <a:off x="0" y="0"/>
+            <a:ext cx="8115306" cy="1590742"/>
+          </a:xfrm>
+          <a:prstGeom prst="rect">
+            <a:avLst/>
+          </a:prstGeom>
+          <a:gradFill>
+            <a:gsLst>
+              <a:gs pos="20000">
+                <a:schemeClr val="accent1">
+                  <a:alpha val="0"/>
+                </a:schemeClr>
+              </a:gs>
+              <a:gs pos="100000">
+                <a:schemeClr val="accent1">
+                  <a:lumMod val="50000"/>
+                  <a:alpha val="55000"/>
+                </a:schemeClr>
+              </a:gs>
+            </a:gsLst>
+            <a:lin ang="13800000" scaled="0"/>
+          </a:gradFill>
+          <a:ln>
+            <a:noFill/>
+          </a:ln>
+        </p:spPr>
+        <p:style>
+          <a:lnRef idx="2">
+            <a:schemeClr val="accent1">
+              <a:shade val="50000"/>
+            </a:schemeClr>
+          </a:lnRef>
+          <a:fillRef idx="1">
+            <a:schemeClr val="accent1"/>
+          </a:fillRef>
+          <a:effectRef idx="0">
+            <a:schemeClr val="accent1"/>
+          </a:effectRef>
+          <a:fontRef idx="minor">
+            <a:schemeClr val="lt1"/>
+          </a:fontRef>
+        </p:style>
+        <p:txBody>
+          <a:bodyPr rtlCol="0" anchor="ctr"/>
+          <a:lstStyle/>
+          <a:p>
+            <a:pPr marL="0" marR="0" lvl="0" indent="0" algn="ctr" defTabSz="914400" rtl="0" eaLnBrk="1" fontAlgn="auto" latinLnBrk="0" hangingPunct="1">
+              <a:lnSpc>
+                <a:spcPct val="100000"/>
+              </a:lnSpc>
+              <a:spcBef>
+                <a:spcPts val="0"/>
+              </a:spcBef>
+              <a:spcAft>
+                <a:spcPts val="0"/>
+              </a:spcAft>
+              <a:buClrTx/>
+              <a:buSzTx/>
+              <a:buFontTx/>
+              <a:buNone/>
+              <a:tabLst/>
+              <a:defRPr/>
+            </a:pPr>
+            <a:endParaRPr kumimoji="0" lang="en-US" sz="1800" b="0" i="0" u="none" strike="noStrike" kern="1200" cap="none" spc="0" normalizeH="0" baseline="0" noProof="0">
+              <a:ln>
+                <a:noFill/>
+              </a:ln>
+              <a:solidFill>
+                <a:prstClr val="white"/>
+              </a:solidFill>
+              <a:effectLst/>
+              <a:uLnTx/>
+              <a:uFillTx/>
+              <a:latin typeface="Calibri" panose="020F0502020204030204"/>
+              <a:ea typeface="+mn-ea"/>
+              <a:cs typeface="+mn-cs"/>
+            </a:endParaRPr>
+          </a:p>
+        </p:txBody>
+      </p:sp>
+      <p:sp>
+        <p:nvSpPr>
+          <p:cNvPr id="7" name="Rectangle 6">
+            <a:extLst>
+              <a:ext uri="{FF2B5EF4-FFF2-40B4-BE49-F238E27FC236}">
+                <a16:creationId xmlns:a16="http://schemas.microsoft.com/office/drawing/2014/main" id="{EDD3EE59-F9FD-F586-B7CF-3B7AB9423296}"/>
+              </a:ext>
+              <a:ext uri="{C183D7F6-B498-43B3-948B-1728B52AA6E4}">
+                <adec:decorative xmlns:adec="http://schemas.microsoft.com/office/drawing/2017/decorative" val="1"/>
+              </a:ext>
+            </a:extLst>
+          </p:cNvPr>
+          <p:cNvSpPr/>
+          <p:nvPr>
+            <p:extLst>
+              <p:ext uri="{386F3935-93C4-4BCD-93E2-E3B085C9AB24}">
+                <p16:designElem xmlns:p16="http://schemas.microsoft.com/office/powerpoint/2015/main" val="1"/>
+              </p:ext>
+            </p:extLst>
+          </p:nvPr>
+        </p:nvSpPr>
+        <p:spPr>
+          <a:xfrm flipH="1">
+            <a:off x="8115302" y="-1"/>
+            <a:ext cx="4076698" cy="1590742"/>
+          </a:xfrm>
+          <a:prstGeom prst="rect">
+            <a:avLst/>
+          </a:prstGeom>
+          <a:gradFill>
+            <a:gsLst>
+              <a:gs pos="0">
+                <a:schemeClr val="accent1">
+                  <a:alpha val="66000"/>
+                </a:schemeClr>
+              </a:gs>
+              <a:gs pos="100000">
+                <a:srgbClr val="000000">
+                  <a:alpha val="30000"/>
+                </a:srgbClr>
+              </a:gs>
+            </a:gsLst>
+            <a:lin ang="13200000" scaled="0"/>
+          </a:gradFill>
+          <a:ln>
+            <a:noFill/>
+          </a:ln>
+        </p:spPr>
+        <p:style>
+          <a:lnRef idx="2">
+            <a:schemeClr val="accent1">
+              <a:shade val="50000"/>
+            </a:schemeClr>
+          </a:lnRef>
+          <a:fillRef idx="1">
+            <a:schemeClr val="accent1"/>
+          </a:fillRef>
+          <a:effectRef idx="0">
+            <a:schemeClr val="accent1"/>
+          </a:effectRef>
+          <a:fontRef idx="minor">
+            <a:schemeClr val="lt1"/>
+          </a:fontRef>
+        </p:style>
+        <p:txBody>
+          <a:bodyPr rtlCol="0" anchor="ctr"/>
+          <a:lstStyle/>
+          <a:p>
+            <a:pPr marL="0" marR="0" lvl="0" indent="0" algn="ctr" defTabSz="914400" rtl="0" eaLnBrk="1" fontAlgn="auto" latinLnBrk="0" hangingPunct="1">
+              <a:lnSpc>
+                <a:spcPct val="100000"/>
+              </a:lnSpc>
+              <a:spcBef>
+                <a:spcPts val="0"/>
+              </a:spcBef>
+              <a:spcAft>
+                <a:spcPts val="0"/>
+              </a:spcAft>
+              <a:buClrTx/>
+              <a:buSzTx/>
+              <a:buFontTx/>
+              <a:buNone/>
+              <a:tabLst/>
+              <a:defRPr/>
+            </a:pPr>
+            <a:endParaRPr kumimoji="0" lang="en-US" sz="1800" b="0" i="0" u="none" strike="noStrike" kern="1200" cap="none" spc="0" normalizeH="0" baseline="0" noProof="0">
+              <a:ln>
+                <a:noFill/>
+              </a:ln>
+              <a:solidFill>
+                <a:prstClr val="white"/>
+              </a:solidFill>
+              <a:effectLst/>
+              <a:uLnTx/>
+              <a:uFillTx/>
+              <a:latin typeface="Calibri" panose="020F0502020204030204"/>
+              <a:ea typeface="+mn-ea"/>
+              <a:cs typeface="+mn-cs"/>
+            </a:endParaRPr>
+          </a:p>
+        </p:txBody>
+      </p:sp>
+      <p:sp>
+        <p:nvSpPr>
+          <p:cNvPr id="8" name="Rectangle 7">
+            <a:extLst>
+              <a:ext uri="{FF2B5EF4-FFF2-40B4-BE49-F238E27FC236}">
+                <a16:creationId xmlns:a16="http://schemas.microsoft.com/office/drawing/2014/main" id="{6099F008-AD64-BC79-68AC-658B89B8F831}"/>
+              </a:ext>
+              <a:ext uri="{C183D7F6-B498-43B3-948B-1728B52AA6E4}">
+                <adec:decorative xmlns:adec="http://schemas.microsoft.com/office/drawing/2017/decorative" val="1"/>
+              </a:ext>
+            </a:extLst>
+          </p:cNvPr>
+          <p:cNvSpPr/>
+          <p:nvPr>
+            <p:extLst>
+              <p:ext uri="{386F3935-93C4-4BCD-93E2-E3B085C9AB24}">
+                <p16:designElem xmlns:p16="http://schemas.microsoft.com/office/powerpoint/2015/main" val="1"/>
+              </p:ext>
+            </p:extLst>
+          </p:nvPr>
+        </p:nvSpPr>
+        <p:spPr>
+          <a:xfrm>
+            <a:off x="459353" y="-1"/>
+            <a:ext cx="11732646" cy="1597433"/>
+          </a:xfrm>
+          <a:prstGeom prst="rect">
+            <a:avLst/>
+          </a:prstGeom>
+          <a:gradFill>
+            <a:gsLst>
+              <a:gs pos="50000">
+                <a:srgbClr val="000000">
+                  <a:alpha val="0"/>
+                </a:srgbClr>
+              </a:gs>
+              <a:gs pos="99000">
+                <a:schemeClr val="accent1">
+                  <a:lumMod val="50000"/>
+                  <a:alpha val="52000"/>
+                </a:schemeClr>
+              </a:gs>
+            </a:gsLst>
+            <a:lin ang="16800000" scaled="0"/>
+          </a:gradFill>
+          <a:ln>
+            <a:noFill/>
+          </a:ln>
+        </p:spPr>
+        <p:style>
+          <a:lnRef idx="2">
+            <a:schemeClr val="accent1">
+              <a:shade val="50000"/>
+            </a:schemeClr>
+          </a:lnRef>
+          <a:fillRef idx="1">
+            <a:schemeClr val="accent1"/>
+          </a:fillRef>
+          <a:effectRef idx="0">
+            <a:schemeClr val="accent1"/>
+          </a:effectRef>
+          <a:fontRef idx="minor">
+            <a:schemeClr val="lt1"/>
+          </a:fontRef>
+        </p:style>
+        <p:txBody>
+          <a:bodyPr rtlCol="0" anchor="ctr"/>
+          <a:lstStyle/>
+          <a:p>
+            <a:pPr marL="0" marR="0" lvl="0" indent="0" algn="ctr" defTabSz="914400" rtl="0" eaLnBrk="1" fontAlgn="auto" latinLnBrk="0" hangingPunct="1">
+              <a:lnSpc>
+                <a:spcPct val="100000"/>
+              </a:lnSpc>
+              <a:spcBef>
+                <a:spcPts val="0"/>
+              </a:spcBef>
+              <a:spcAft>
+                <a:spcPts val="0"/>
+              </a:spcAft>
+              <a:buClrTx/>
+              <a:buSzTx/>
+              <a:buFontTx/>
+              <a:buNone/>
+              <a:tabLst/>
+              <a:defRPr/>
+            </a:pPr>
+            <a:endParaRPr kumimoji="0" lang="en-US" sz="1800" b="0" i="0" u="none" strike="noStrike" kern="1200" cap="none" spc="0" normalizeH="0" baseline="0" noProof="0">
+              <a:ln>
+                <a:noFill/>
+              </a:ln>
+              <a:solidFill>
+                <a:prstClr val="white"/>
+              </a:solidFill>
+              <a:effectLst/>
+              <a:uLnTx/>
+              <a:uFillTx/>
+              <a:latin typeface="Calibri" panose="020F0502020204030204"/>
+              <a:ea typeface="+mn-ea"/>
+              <a:cs typeface="+mn-cs"/>
+            </a:endParaRPr>
+          </a:p>
+        </p:txBody>
+      </p:sp>
+      <p:sp>
+        <p:nvSpPr>
+          <p:cNvPr id="9" name="Title 1">
+            <a:extLst>
+              <a:ext uri="{FF2B5EF4-FFF2-40B4-BE49-F238E27FC236}">
+                <a16:creationId xmlns:a16="http://schemas.microsoft.com/office/drawing/2014/main" id="{7842F094-016C-C913-3133-56C9BCFA7D6A}"/>
+              </a:ext>
+            </a:extLst>
+          </p:cNvPr>
+          <p:cNvSpPr txBox="1">
+            <a:spLocks/>
+          </p:cNvSpPr>
+          <p:nvPr/>
+        </p:nvSpPr>
+        <p:spPr>
+          <a:xfrm>
+            <a:off x="459349" y="278535"/>
+            <a:ext cx="9895951" cy="1033669"/>
+          </a:xfrm>
+          <a:prstGeom prst="rect">
+            <a:avLst/>
+          </a:prstGeom>
+        </p:spPr>
+        <p:txBody>
+          <a:bodyPr vert="horz" lIns="91440" tIns="45720" rIns="91440" bIns="45720" rtlCol="0" anchor="ctr">
+            <a:normAutofit fontScale="85000" lnSpcReduction="10000"/>
+          </a:bodyPr>
+          <a:lstStyle>
+            <a:lvl1pPr algn="l" defTabSz="914400" rtl="0" eaLnBrk="1" latinLnBrk="0" hangingPunct="1">
+              <a:lnSpc>
+                <a:spcPct val="90000"/>
+              </a:lnSpc>
+              <a:spcBef>
+                <a:spcPct val="0"/>
+              </a:spcBef>
+              <a:buNone/>
+              <a:defRPr sz="4400" kern="1200">
+                <a:solidFill>
+                  <a:schemeClr val="tx1"/>
+                </a:solidFill>
+                <a:latin typeface="+mj-lt"/>
+                <a:ea typeface="+mj-ea"/>
+                <a:cs typeface="+mj-cs"/>
+              </a:defRPr>
+            </a:lvl1pPr>
+          </a:lstStyle>
+          <a:p>
+            <a:r>
+              <a:rPr lang="it-IT" sz="6000" b="1" dirty="0" err="1">
+                <a:solidFill>
+                  <a:srgbClr val="FFFFFF"/>
+                </a:solidFill>
+              </a:rPr>
+              <a:t>Microservice</a:t>
+            </a:r>
+            <a:r>
+              <a:rPr lang="it-IT" sz="6000" b="1" dirty="0">
+                <a:solidFill>
+                  <a:srgbClr val="FFFFFF"/>
+                </a:solidFill>
+              </a:rPr>
+              <a:t> for </a:t>
+            </a:r>
+            <a:r>
+              <a:rPr lang="it-IT" sz="6000" b="1" dirty="0" err="1">
+                <a:solidFill>
+                  <a:srgbClr val="FFFFFF"/>
+                </a:solidFill>
+              </a:rPr>
+              <a:t>Offer</a:t>
+            </a:r>
+            <a:r>
+              <a:rPr lang="it-IT" sz="6000" b="1" dirty="0">
+                <a:solidFill>
+                  <a:srgbClr val="FFFFFF"/>
+                </a:solidFill>
+              </a:rPr>
+              <a:t> Management</a:t>
+            </a:r>
+          </a:p>
+        </p:txBody>
+      </p:sp>
+      <p:sp>
+        <p:nvSpPr>
+          <p:cNvPr id="10" name="TextBox 9">
+            <a:extLst>
+              <a:ext uri="{FF2B5EF4-FFF2-40B4-BE49-F238E27FC236}">
+                <a16:creationId xmlns:a16="http://schemas.microsoft.com/office/drawing/2014/main" id="{D272D850-6C89-07F0-FCDD-FF5C8CD49B04}"/>
+              </a:ext>
+            </a:extLst>
+          </p:cNvPr>
+          <p:cNvSpPr txBox="1"/>
+          <p:nvPr/>
+        </p:nvSpPr>
+        <p:spPr>
+          <a:xfrm>
+            <a:off x="838200" y="1774552"/>
+            <a:ext cx="10934700" cy="1200329"/>
+          </a:xfrm>
+          <a:prstGeom prst="rect">
+            <a:avLst/>
+          </a:prstGeom>
+          <a:noFill/>
+        </p:spPr>
+        <p:txBody>
+          <a:bodyPr wrap="square" rtlCol="0">
+            <a:spAutoFit/>
+          </a:bodyPr>
+          <a:lstStyle/>
+          <a:p>
+            <a:r>
+              <a:rPr lang="en-US" dirty="0">
+                <a:solidFill>
+                  <a:srgbClr val="000000"/>
+                </a:solidFill>
+                <a:latin typeface="Calibri"/>
+                <a:ea typeface="Calibri"/>
+                <a:cs typeface="Calibri"/>
+                <a:sym typeface="Calibri"/>
+              </a:rPr>
+              <a:t>The Offer Management Microservice deals with users that surpass an offer in an Auction. It receives the communication of the offer form a Queue managed by RabbitMQ.</a:t>
+            </a:r>
+          </a:p>
+          <a:p>
+            <a:r>
+              <a:rPr lang="en-US" dirty="0">
+                <a:solidFill>
+                  <a:srgbClr val="000000"/>
+                </a:solidFill>
+                <a:latin typeface="Calibri"/>
+                <a:ea typeface="Calibri"/>
+                <a:cs typeface="Calibri"/>
+                <a:sym typeface="Calibri"/>
+              </a:rPr>
+              <a:t>Each Category of the Objects has a relative Queue, that sends messages to two Workers using a Round-Robin Algorithm.</a:t>
+            </a:r>
+          </a:p>
+        </p:txBody>
+      </p:sp>
+      <p:pic>
+        <p:nvPicPr>
+          <p:cNvPr id="13" name="Picture 12">
+            <a:extLst>
+              <a:ext uri="{FF2B5EF4-FFF2-40B4-BE49-F238E27FC236}">
+                <a16:creationId xmlns:a16="http://schemas.microsoft.com/office/drawing/2014/main" id="{2A459D86-2510-320A-B86E-E80E88AA8F50}"/>
+              </a:ext>
+            </a:extLst>
+          </p:cNvPr>
+          <p:cNvPicPr>
+            <a:picLocks noChangeAspect="1"/>
+          </p:cNvPicPr>
+          <p:nvPr/>
+        </p:nvPicPr>
+        <p:blipFill>
+          <a:blip r:embed="rId2"/>
+          <a:stretch>
+            <a:fillRect/>
+          </a:stretch>
+        </p:blipFill>
+        <p:spPr>
+          <a:xfrm>
+            <a:off x="8691902" y="3875547"/>
+            <a:ext cx="3121517" cy="1746089"/>
+          </a:xfrm>
+          <a:prstGeom prst="rect">
+            <a:avLst/>
+          </a:prstGeom>
+        </p:spPr>
+      </p:pic>
+      <p:pic>
+        <p:nvPicPr>
+          <p:cNvPr id="2049" name="Picture 1" descr="BFF with Node.js. Check this points when you create a new… | by Matias  Daniel Torre | Medium">
+            <a:extLst>
+              <a:ext uri="{FF2B5EF4-FFF2-40B4-BE49-F238E27FC236}">
+                <a16:creationId xmlns:a16="http://schemas.microsoft.com/office/drawing/2014/main" id="{0A657513-D94E-3C66-6472-1F6F6AF8F575}"/>
+              </a:ext>
+            </a:extLst>
+          </p:cNvPr>
+          <p:cNvPicPr>
+            <a:picLocks noChangeAspect="1" noChangeArrowheads="1"/>
+          </p:cNvPicPr>
+          <p:nvPr/>
+        </p:nvPicPr>
+        <p:blipFill>
+          <a:blip r:embed="rId3">
+            <a:extLst>
+              <a:ext uri="{28A0092B-C50C-407E-A947-70E740481C1C}">
+                <a14:useLocalDpi xmlns:a14="http://schemas.microsoft.com/office/drawing/2010/main" val="0"/>
+              </a:ext>
+            </a:extLst>
+          </a:blip>
+          <a:srcRect/>
+          <a:stretch>
+            <a:fillRect/>
+          </a:stretch>
+        </p:blipFill>
+        <p:spPr bwMode="auto">
+          <a:xfrm>
+            <a:off x="484154" y="3672209"/>
+            <a:ext cx="2331750" cy="2331750"/>
+          </a:xfrm>
+          <a:prstGeom prst="rect">
+            <a:avLst/>
+          </a:prstGeom>
+          <a:noFill/>
+          <a:extLst>
+            <a:ext uri="{909E8E84-426E-40DD-AFC4-6F175D3DCCD1}">
+              <a14:hiddenFill xmlns:a14="http://schemas.microsoft.com/office/drawing/2010/main">
+                <a:solidFill>
+                  <a:srgbClr val="FFFFFF"/>
+                </a:solidFill>
+              </a14:hiddenFill>
+            </a:ext>
+          </a:extLst>
+        </p:spPr>
+      </p:pic>
+      <p:pic>
+        <p:nvPicPr>
+          <p:cNvPr id="14" name="Picture 13">
+            <a:extLst>
+              <a:ext uri="{FF2B5EF4-FFF2-40B4-BE49-F238E27FC236}">
+                <a16:creationId xmlns:a16="http://schemas.microsoft.com/office/drawing/2014/main" id="{61921159-7580-5D50-E063-8B8E0769CA67}"/>
+              </a:ext>
+            </a:extLst>
+          </p:cNvPr>
+          <p:cNvPicPr>
+            <a:picLocks noChangeAspect="1"/>
+          </p:cNvPicPr>
+          <p:nvPr/>
+        </p:nvPicPr>
+        <p:blipFill>
+          <a:blip r:embed="rId4"/>
+          <a:stretch>
+            <a:fillRect/>
+          </a:stretch>
+        </p:blipFill>
+        <p:spPr>
+          <a:xfrm>
+            <a:off x="5961719" y="4474029"/>
+            <a:ext cx="2323866" cy="717079"/>
+          </a:xfrm>
+          <a:prstGeom prst="rect">
+            <a:avLst/>
+          </a:prstGeom>
+        </p:spPr>
+      </p:pic>
+      <p:pic>
+        <p:nvPicPr>
+          <p:cNvPr id="11" name="Picture 10">
+            <a:extLst>
+              <a:ext uri="{FF2B5EF4-FFF2-40B4-BE49-F238E27FC236}">
+                <a16:creationId xmlns:a16="http://schemas.microsoft.com/office/drawing/2014/main" id="{BF2259B4-5BEA-779C-DB37-806814F50FC7}"/>
+              </a:ext>
+            </a:extLst>
+          </p:cNvPr>
+          <p:cNvPicPr>
+            <a:picLocks noChangeAspect="1"/>
+          </p:cNvPicPr>
+          <p:nvPr/>
+        </p:nvPicPr>
+        <p:blipFill>
+          <a:blip r:embed="rId5"/>
+          <a:stretch>
+            <a:fillRect/>
+          </a:stretch>
+        </p:blipFill>
+        <p:spPr>
+          <a:xfrm>
+            <a:off x="3346709" y="3643909"/>
+            <a:ext cx="2046741" cy="2296842"/>
+          </a:xfrm>
+          <a:prstGeom prst="rect">
+            <a:avLst/>
+          </a:prstGeom>
+        </p:spPr>
+      </p:pic>
+    </p:spTree>
+    <p:extLst>
+      <p:ext uri="{BB962C8B-B14F-4D97-AF65-F5344CB8AC3E}">
+        <p14:creationId xmlns:p14="http://schemas.microsoft.com/office/powerpoint/2010/main" val="1142003056"/>
+      </p:ext>
+    </p:extLst>
+  </p:cSld>
+  <p:clrMapOvr>
+    <a:masterClrMapping/>
+  </p:clrMapOvr>
+</p:sld>
+</file>
+
+<file path=ppt/slides/slide13.xml><?xml version="1.0" encoding="utf-8"?>
+<p:sld xmlns:a="http://schemas.openxmlformats.org/drawingml/2006/main" xmlns:r="http://schemas.openxmlformats.org/officeDocument/2006/relationships" xmlns:p="http://schemas.openxmlformats.org/presentationml/2006/main">
+  <p:cSld>
+    <p:spTree>
+      <p:nvGrpSpPr>
+        <p:cNvPr id="1" name="">
+          <a:extLst>
+            <a:ext uri="{FF2B5EF4-FFF2-40B4-BE49-F238E27FC236}">
+              <a16:creationId xmlns:a16="http://schemas.microsoft.com/office/drawing/2014/main" id="{B2709377-E81B-86FD-4106-307C4E4E1DC5}"/>
+            </a:ext>
+          </a:extLst>
+        </p:cNvPr>
+        <p:cNvGrpSpPr/>
+        <p:nvPr/>
+      </p:nvGrpSpPr>
+      <p:grpSpPr>
+        <a:xfrm>
+          <a:off x="0" y="0"/>
+          <a:ext cx="0" cy="0"/>
+          <a:chOff x="0" y="0"/>
+          <a:chExt cx="0" cy="0"/>
+        </a:xfrm>
+      </p:grpSpPr>
+      <p:sp>
+        <p:nvSpPr>
+          <p:cNvPr id="2" name="Title 1">
+            <a:extLst>
+              <a:ext uri="{FF2B5EF4-FFF2-40B4-BE49-F238E27FC236}">
+                <a16:creationId xmlns:a16="http://schemas.microsoft.com/office/drawing/2014/main" id="{4DBF3359-2149-84D1-62F0-2F9F7A07F570}"/>
+              </a:ext>
+            </a:extLst>
+          </p:cNvPr>
+          <p:cNvSpPr>
+            <a:spLocks noGrp="1"/>
+          </p:cNvSpPr>
+          <p:nvPr>
+            <p:ph type="title"/>
+          </p:nvPr>
+        </p:nvSpPr>
+        <p:spPr/>
+        <p:txBody>
+          <a:bodyPr/>
+          <a:lstStyle/>
+          <a:p>
+            <a:endParaRPr lang="en-US" dirty="0"/>
+          </a:p>
+        </p:txBody>
+      </p:sp>
+      <p:sp useBgFill="1">
+        <p:nvSpPr>
+          <p:cNvPr id="4" name="Rectangle 3">
+            <a:extLst>
+              <a:ext uri="{FF2B5EF4-FFF2-40B4-BE49-F238E27FC236}">
+                <a16:creationId xmlns:a16="http://schemas.microsoft.com/office/drawing/2014/main" id="{D6994F7A-7542-DF6F-9B74-96021C2E8C9D}"/>
+              </a:ext>
+              <a:ext uri="{C183D7F6-B498-43B3-948B-1728B52AA6E4}">
+                <adec:decorative xmlns:adec="http://schemas.microsoft.com/office/drawing/2017/decorative" val="1"/>
+              </a:ext>
+            </a:extLst>
+          </p:cNvPr>
+          <p:cNvSpPr/>
+          <p:nvPr>
+            <p:extLst>
+              <p:ext uri="{386F3935-93C4-4BCD-93E2-E3B085C9AB24}">
+                <p16:designElem xmlns:p16="http://schemas.microsoft.com/office/powerpoint/2015/main" val="1"/>
+              </p:ext>
+            </p:extLst>
+          </p:nvPr>
+        </p:nvSpPr>
+        <p:spPr>
+          <a:xfrm>
+            <a:off x="3" y="0"/>
+            <a:ext cx="12192000" cy="6858000"/>
+          </a:xfrm>
+          <a:prstGeom prst="rect">
+            <a:avLst/>
+          </a:prstGeom>
+          <a:ln w="12700" cap="flat" cmpd="sng" algn="ctr">
+            <a:noFill/>
+            <a:prstDash val="solid"/>
+            <a:miter lim="800000"/>
+          </a:ln>
+          <a:effectLst/>
+          <a:extLst>
+            <a:ext uri="{91240B29-F687-4F45-9708-019B960494DF}">
+              <a14:hiddenLine xmlns:a14="http://schemas.microsoft.com/office/drawing/2010/main" w="12700" cap="flat" cmpd="sng" algn="ctr">
+                <a:solidFill>
+                  <a:schemeClr val="accent1">
+                    <a:shade val="50000"/>
+                  </a:schemeClr>
+                </a:solidFill>
+                <a:prstDash val="solid"/>
+                <a:miter lim="800000"/>
+              </a14:hiddenLine>
+            </a:ext>
+          </a:extLst>
+        </p:spPr>
+        <p:style>
+          <a:lnRef idx="2">
+            <a:schemeClr val="accent1">
+              <a:shade val="50000"/>
+            </a:schemeClr>
+          </a:lnRef>
+          <a:fillRef idx="1">
+            <a:schemeClr val="accent1"/>
+          </a:fillRef>
+          <a:effectRef idx="0">
+            <a:schemeClr val="accent1"/>
+          </a:effectRef>
+          <a:fontRef idx="minor">
+            <a:schemeClr val="lt1"/>
+          </a:fontRef>
+        </p:style>
+        <p:txBody>
+          <a:bodyPr rtlCol="0" anchor="ctr"/>
+          <a:lstStyle/>
+          <a:p>
+            <a:pPr marL="0" marR="0" lvl="0" indent="0" algn="ctr" defTabSz="914400" rtl="0" eaLnBrk="1" fontAlgn="auto" latinLnBrk="0" hangingPunct="1">
+              <a:lnSpc>
+                <a:spcPct val="100000"/>
+              </a:lnSpc>
+              <a:spcBef>
+                <a:spcPts val="0"/>
+              </a:spcBef>
+              <a:spcAft>
+                <a:spcPts val="0"/>
+              </a:spcAft>
+              <a:buClrTx/>
+              <a:buSzTx/>
+              <a:buFontTx/>
+              <a:buNone/>
+              <a:tabLst/>
+              <a:defRPr/>
+            </a:pPr>
+            <a:endParaRPr kumimoji="0" lang="en-US" sz="1800" b="0" i="0" u="none" strike="noStrike" kern="1200" cap="none" spc="0" normalizeH="0" baseline="0" noProof="0">
+              <a:ln>
+                <a:noFill/>
+              </a:ln>
+              <a:solidFill>
+                <a:prstClr val="white"/>
+              </a:solidFill>
+              <a:effectLst/>
+              <a:uLnTx/>
+              <a:uFillTx/>
+              <a:latin typeface="Calibri" panose="020F0502020204030204"/>
+              <a:ea typeface="+mn-ea"/>
+              <a:cs typeface="+mn-cs"/>
+            </a:endParaRPr>
+          </a:p>
+        </p:txBody>
+      </p:sp>
+      <p:sp>
+        <p:nvSpPr>
+          <p:cNvPr id="5" name="Rectangle 4">
+            <a:extLst>
+              <a:ext uri="{FF2B5EF4-FFF2-40B4-BE49-F238E27FC236}">
+                <a16:creationId xmlns:a16="http://schemas.microsoft.com/office/drawing/2014/main" id="{49776341-D658-9161-01AE-74E34BD5A598}"/>
+              </a:ext>
+              <a:ext uri="{C183D7F6-B498-43B3-948B-1728B52AA6E4}">
+                <adec:decorative xmlns:adec="http://schemas.microsoft.com/office/drawing/2017/decorative" val="1"/>
+              </a:ext>
+            </a:extLst>
+          </p:cNvPr>
+          <p:cNvSpPr/>
+          <p:nvPr>
+            <p:extLst>
+              <p:ext uri="{386F3935-93C4-4BCD-93E2-E3B085C9AB24}">
+                <p16:designElem xmlns:p16="http://schemas.microsoft.com/office/powerpoint/2015/main" val="1"/>
+              </p:ext>
+            </p:extLst>
+          </p:nvPr>
+        </p:nvSpPr>
+        <p:spPr>
+          <a:xfrm flipH="1">
+            <a:off x="2" y="-1"/>
+            <a:ext cx="12191998" cy="1590742"/>
+          </a:xfrm>
+          <a:prstGeom prst="rect">
+            <a:avLst/>
+          </a:prstGeom>
+          <a:gradFill>
+            <a:gsLst>
+              <a:gs pos="0">
+                <a:srgbClr val="000000"/>
+              </a:gs>
+              <a:gs pos="100000">
+                <a:schemeClr val="accent1">
+                  <a:lumMod val="75000"/>
+                </a:schemeClr>
+              </a:gs>
+            </a:gsLst>
+            <a:lin ang="8400000" scaled="0"/>
+          </a:gradFill>
+          <a:ln>
+            <a:noFill/>
+          </a:ln>
+        </p:spPr>
+        <p:style>
+          <a:lnRef idx="2">
+            <a:schemeClr val="accent1">
+              <a:shade val="50000"/>
+            </a:schemeClr>
+          </a:lnRef>
+          <a:fillRef idx="1">
+            <a:schemeClr val="accent1"/>
+          </a:fillRef>
+          <a:effectRef idx="0">
+            <a:schemeClr val="accent1"/>
+          </a:effectRef>
+          <a:fontRef idx="minor">
+            <a:schemeClr val="lt1"/>
+          </a:fontRef>
+        </p:style>
+        <p:txBody>
+          <a:bodyPr rtlCol="0" anchor="ctr"/>
+          <a:lstStyle/>
+          <a:p>
+            <a:pPr marL="0" marR="0" lvl="0" indent="0" algn="ctr" defTabSz="914400" rtl="0" eaLnBrk="1" fontAlgn="auto" latinLnBrk="0" hangingPunct="1">
+              <a:lnSpc>
+                <a:spcPct val="100000"/>
+              </a:lnSpc>
+              <a:spcBef>
+                <a:spcPts val="0"/>
+              </a:spcBef>
+              <a:spcAft>
+                <a:spcPts val="0"/>
+              </a:spcAft>
+              <a:buClrTx/>
+              <a:buSzTx/>
+              <a:buFontTx/>
+              <a:buNone/>
+              <a:tabLst/>
+              <a:defRPr/>
+            </a:pPr>
+            <a:endParaRPr kumimoji="0" lang="en-US" sz="1800" b="0" i="0" u="none" strike="noStrike" kern="1200" cap="none" spc="0" normalizeH="0" baseline="0" noProof="0">
+              <a:ln>
+                <a:noFill/>
+              </a:ln>
+              <a:solidFill>
+                <a:prstClr val="white"/>
+              </a:solidFill>
+              <a:effectLst/>
+              <a:uLnTx/>
+              <a:uFillTx/>
+              <a:latin typeface="Calibri" panose="020F0502020204030204"/>
+              <a:ea typeface="+mn-ea"/>
+              <a:cs typeface="+mn-cs"/>
+            </a:endParaRPr>
+          </a:p>
+        </p:txBody>
+      </p:sp>
+      <p:sp>
+        <p:nvSpPr>
+          <p:cNvPr id="6" name="Rectangle 5">
+            <a:extLst>
+              <a:ext uri="{FF2B5EF4-FFF2-40B4-BE49-F238E27FC236}">
+                <a16:creationId xmlns:a16="http://schemas.microsoft.com/office/drawing/2014/main" id="{264BCC20-2ABD-C0EE-FCC1-8519D6548BB9}"/>
+              </a:ext>
+              <a:ext uri="{C183D7F6-B498-43B3-948B-1728B52AA6E4}">
+                <adec:decorative xmlns:adec="http://schemas.microsoft.com/office/drawing/2017/decorative" val="1"/>
+              </a:ext>
+            </a:extLst>
+          </p:cNvPr>
+          <p:cNvSpPr/>
+          <p:nvPr>
+            <p:extLst>
+              <p:ext uri="{386F3935-93C4-4BCD-93E2-E3B085C9AB24}">
+                <p16:designElem xmlns:p16="http://schemas.microsoft.com/office/powerpoint/2015/main" val="1"/>
+              </p:ext>
+            </p:extLst>
+          </p:nvPr>
+        </p:nvSpPr>
+        <p:spPr>
+          <a:xfrm rot="10800000" flipH="1">
+            <a:off x="0" y="0"/>
+            <a:ext cx="8115306" cy="1590742"/>
+          </a:xfrm>
+          <a:prstGeom prst="rect">
+            <a:avLst/>
+          </a:prstGeom>
+          <a:gradFill>
+            <a:gsLst>
+              <a:gs pos="20000">
+                <a:schemeClr val="accent1">
+                  <a:alpha val="0"/>
+                </a:schemeClr>
+              </a:gs>
+              <a:gs pos="100000">
+                <a:schemeClr val="accent1">
+                  <a:lumMod val="50000"/>
+                  <a:alpha val="55000"/>
+                </a:schemeClr>
+              </a:gs>
+            </a:gsLst>
+            <a:lin ang="13800000" scaled="0"/>
+          </a:gradFill>
+          <a:ln>
+            <a:noFill/>
+          </a:ln>
+        </p:spPr>
+        <p:style>
+          <a:lnRef idx="2">
+            <a:schemeClr val="accent1">
+              <a:shade val="50000"/>
+            </a:schemeClr>
+          </a:lnRef>
+          <a:fillRef idx="1">
+            <a:schemeClr val="accent1"/>
+          </a:fillRef>
+          <a:effectRef idx="0">
+            <a:schemeClr val="accent1"/>
+          </a:effectRef>
+          <a:fontRef idx="minor">
+            <a:schemeClr val="lt1"/>
+          </a:fontRef>
+        </p:style>
+        <p:txBody>
+          <a:bodyPr rtlCol="0" anchor="ctr"/>
+          <a:lstStyle/>
+          <a:p>
+            <a:pPr marL="0" marR="0" lvl="0" indent="0" algn="ctr" defTabSz="914400" rtl="0" eaLnBrk="1" fontAlgn="auto" latinLnBrk="0" hangingPunct="1">
+              <a:lnSpc>
+                <a:spcPct val="100000"/>
+              </a:lnSpc>
+              <a:spcBef>
+                <a:spcPts val="0"/>
+              </a:spcBef>
+              <a:spcAft>
+                <a:spcPts val="0"/>
+              </a:spcAft>
+              <a:buClrTx/>
+              <a:buSzTx/>
+              <a:buFontTx/>
+              <a:buNone/>
+              <a:tabLst/>
+              <a:defRPr/>
+            </a:pPr>
+            <a:endParaRPr kumimoji="0" lang="en-US" sz="1800" b="0" i="0" u="none" strike="noStrike" kern="1200" cap="none" spc="0" normalizeH="0" baseline="0" noProof="0">
+              <a:ln>
+                <a:noFill/>
+              </a:ln>
+              <a:solidFill>
+                <a:prstClr val="white"/>
+              </a:solidFill>
+              <a:effectLst/>
+              <a:uLnTx/>
+              <a:uFillTx/>
+              <a:latin typeface="Calibri" panose="020F0502020204030204"/>
+              <a:ea typeface="+mn-ea"/>
+              <a:cs typeface="+mn-cs"/>
+            </a:endParaRPr>
+          </a:p>
+        </p:txBody>
+      </p:sp>
+      <p:sp>
+        <p:nvSpPr>
+          <p:cNvPr id="7" name="Rectangle 6">
+            <a:extLst>
+              <a:ext uri="{FF2B5EF4-FFF2-40B4-BE49-F238E27FC236}">
+                <a16:creationId xmlns:a16="http://schemas.microsoft.com/office/drawing/2014/main" id="{0FC8E2E6-C6F3-F8B0-9B5E-79CB637C0455}"/>
+              </a:ext>
+              <a:ext uri="{C183D7F6-B498-43B3-948B-1728B52AA6E4}">
+                <adec:decorative xmlns:adec="http://schemas.microsoft.com/office/drawing/2017/decorative" val="1"/>
+              </a:ext>
+            </a:extLst>
+          </p:cNvPr>
+          <p:cNvSpPr/>
+          <p:nvPr>
+            <p:extLst>
+              <p:ext uri="{386F3935-93C4-4BCD-93E2-E3B085C9AB24}">
+                <p16:designElem xmlns:p16="http://schemas.microsoft.com/office/powerpoint/2015/main" val="1"/>
+              </p:ext>
+            </p:extLst>
+          </p:nvPr>
+        </p:nvSpPr>
+        <p:spPr>
+          <a:xfrm flipH="1">
+            <a:off x="8115302" y="-1"/>
+            <a:ext cx="4076698" cy="1590742"/>
+          </a:xfrm>
+          <a:prstGeom prst="rect">
+            <a:avLst/>
+          </a:prstGeom>
+          <a:gradFill>
+            <a:gsLst>
+              <a:gs pos="0">
+                <a:schemeClr val="accent1">
+                  <a:alpha val="66000"/>
+                </a:schemeClr>
+              </a:gs>
+              <a:gs pos="100000">
+                <a:srgbClr val="000000">
+                  <a:alpha val="30000"/>
+                </a:srgbClr>
+              </a:gs>
+            </a:gsLst>
+            <a:lin ang="13200000" scaled="0"/>
+          </a:gradFill>
+          <a:ln>
+            <a:noFill/>
+          </a:ln>
+        </p:spPr>
+        <p:style>
+          <a:lnRef idx="2">
+            <a:schemeClr val="accent1">
+              <a:shade val="50000"/>
+            </a:schemeClr>
+          </a:lnRef>
+          <a:fillRef idx="1">
+            <a:schemeClr val="accent1"/>
+          </a:fillRef>
+          <a:effectRef idx="0">
+            <a:schemeClr val="accent1"/>
+          </a:effectRef>
+          <a:fontRef idx="minor">
+            <a:schemeClr val="lt1"/>
+          </a:fontRef>
+        </p:style>
+        <p:txBody>
+          <a:bodyPr rtlCol="0" anchor="ctr"/>
+          <a:lstStyle/>
+          <a:p>
+            <a:pPr marL="0" marR="0" lvl="0" indent="0" algn="ctr" defTabSz="914400" rtl="0" eaLnBrk="1" fontAlgn="auto" latinLnBrk="0" hangingPunct="1">
+              <a:lnSpc>
+                <a:spcPct val="100000"/>
+              </a:lnSpc>
+              <a:spcBef>
+                <a:spcPts val="0"/>
+              </a:spcBef>
+              <a:spcAft>
+                <a:spcPts val="0"/>
+              </a:spcAft>
+              <a:buClrTx/>
+              <a:buSzTx/>
+              <a:buFontTx/>
+              <a:buNone/>
+              <a:tabLst/>
+              <a:defRPr/>
+            </a:pPr>
+            <a:endParaRPr kumimoji="0" lang="en-US" sz="1800" b="0" i="0" u="none" strike="noStrike" kern="1200" cap="none" spc="0" normalizeH="0" baseline="0" noProof="0">
+              <a:ln>
+                <a:noFill/>
+              </a:ln>
+              <a:solidFill>
+                <a:prstClr val="white"/>
+              </a:solidFill>
+              <a:effectLst/>
+              <a:uLnTx/>
+              <a:uFillTx/>
+              <a:latin typeface="Calibri" panose="020F0502020204030204"/>
+              <a:ea typeface="+mn-ea"/>
+              <a:cs typeface="+mn-cs"/>
+            </a:endParaRPr>
+          </a:p>
+        </p:txBody>
+      </p:sp>
+      <p:sp>
+        <p:nvSpPr>
+          <p:cNvPr id="8" name="Rectangle 7">
+            <a:extLst>
+              <a:ext uri="{FF2B5EF4-FFF2-40B4-BE49-F238E27FC236}">
+                <a16:creationId xmlns:a16="http://schemas.microsoft.com/office/drawing/2014/main" id="{8A0C66AA-757C-2200-2A1D-AABC97F35C42}"/>
+              </a:ext>
+              <a:ext uri="{C183D7F6-B498-43B3-948B-1728B52AA6E4}">
+                <adec:decorative xmlns:adec="http://schemas.microsoft.com/office/drawing/2017/decorative" val="1"/>
+              </a:ext>
+            </a:extLst>
+          </p:cNvPr>
+          <p:cNvSpPr/>
+          <p:nvPr>
+            <p:extLst>
+              <p:ext uri="{386F3935-93C4-4BCD-93E2-E3B085C9AB24}">
+                <p16:designElem xmlns:p16="http://schemas.microsoft.com/office/powerpoint/2015/main" val="1"/>
+              </p:ext>
+            </p:extLst>
+          </p:nvPr>
+        </p:nvSpPr>
+        <p:spPr>
+          <a:xfrm>
+            <a:off x="459353" y="-1"/>
+            <a:ext cx="11732646" cy="1597433"/>
+          </a:xfrm>
+          <a:prstGeom prst="rect">
+            <a:avLst/>
+          </a:prstGeom>
+          <a:gradFill>
+            <a:gsLst>
+              <a:gs pos="50000">
+                <a:srgbClr val="000000">
+                  <a:alpha val="0"/>
+                </a:srgbClr>
+              </a:gs>
+              <a:gs pos="99000">
+                <a:schemeClr val="accent1">
+                  <a:lumMod val="50000"/>
+                  <a:alpha val="52000"/>
+                </a:schemeClr>
+              </a:gs>
+            </a:gsLst>
+            <a:lin ang="16800000" scaled="0"/>
+          </a:gradFill>
+          <a:ln>
+            <a:noFill/>
+          </a:ln>
+        </p:spPr>
+        <p:style>
+          <a:lnRef idx="2">
+            <a:schemeClr val="accent1">
+              <a:shade val="50000"/>
+            </a:schemeClr>
+          </a:lnRef>
+          <a:fillRef idx="1">
+            <a:schemeClr val="accent1"/>
+          </a:fillRef>
+          <a:effectRef idx="0">
+            <a:schemeClr val="accent1"/>
+          </a:effectRef>
+          <a:fontRef idx="minor">
+            <a:schemeClr val="lt1"/>
+          </a:fontRef>
+        </p:style>
+        <p:txBody>
+          <a:bodyPr rtlCol="0" anchor="ctr"/>
+          <a:lstStyle/>
+          <a:p>
+            <a:pPr marL="0" marR="0" lvl="0" indent="0" algn="ctr" defTabSz="914400" rtl="0" eaLnBrk="1" fontAlgn="auto" latinLnBrk="0" hangingPunct="1">
+              <a:lnSpc>
+                <a:spcPct val="100000"/>
+              </a:lnSpc>
+              <a:spcBef>
+                <a:spcPts val="0"/>
+              </a:spcBef>
+              <a:spcAft>
+                <a:spcPts val="0"/>
+              </a:spcAft>
+              <a:buClrTx/>
+              <a:buSzTx/>
+              <a:buFontTx/>
+              <a:buNone/>
+              <a:tabLst/>
+              <a:defRPr/>
+            </a:pPr>
+            <a:endParaRPr kumimoji="0" lang="en-US" sz="1800" b="0" i="0" u="none" strike="noStrike" kern="1200" cap="none" spc="0" normalizeH="0" baseline="0" noProof="0">
+              <a:ln>
+                <a:noFill/>
+              </a:ln>
+              <a:solidFill>
+                <a:prstClr val="white"/>
+              </a:solidFill>
+              <a:effectLst/>
+              <a:uLnTx/>
+              <a:uFillTx/>
+              <a:latin typeface="Calibri" panose="020F0502020204030204"/>
+              <a:ea typeface="+mn-ea"/>
+              <a:cs typeface="+mn-cs"/>
+            </a:endParaRPr>
+          </a:p>
+        </p:txBody>
+      </p:sp>
+      <p:sp>
+        <p:nvSpPr>
+          <p:cNvPr id="9" name="Title 1">
+            <a:extLst>
+              <a:ext uri="{FF2B5EF4-FFF2-40B4-BE49-F238E27FC236}">
+                <a16:creationId xmlns:a16="http://schemas.microsoft.com/office/drawing/2014/main" id="{817DB825-B551-1A05-1D43-057A26B5EEA8}"/>
+              </a:ext>
+            </a:extLst>
+          </p:cNvPr>
+          <p:cNvSpPr txBox="1">
+            <a:spLocks/>
+          </p:cNvSpPr>
+          <p:nvPr/>
+        </p:nvSpPr>
+        <p:spPr>
+          <a:xfrm>
+            <a:off x="459349" y="278535"/>
+            <a:ext cx="9895951" cy="1033669"/>
+          </a:xfrm>
+          <a:prstGeom prst="rect">
+            <a:avLst/>
+          </a:prstGeom>
+        </p:spPr>
+        <p:txBody>
+          <a:bodyPr vert="horz" lIns="91440" tIns="45720" rIns="91440" bIns="45720" rtlCol="0" anchor="ctr">
+            <a:normAutofit/>
+          </a:bodyPr>
+          <a:lstStyle>
+            <a:lvl1pPr algn="l" defTabSz="914400" rtl="0" eaLnBrk="1" latinLnBrk="0" hangingPunct="1">
+              <a:lnSpc>
+                <a:spcPct val="90000"/>
+              </a:lnSpc>
+              <a:spcBef>
+                <a:spcPct val="0"/>
+              </a:spcBef>
+              <a:buNone/>
+              <a:defRPr sz="4400" kern="1200">
+                <a:solidFill>
+                  <a:schemeClr val="tx1"/>
+                </a:solidFill>
+                <a:latin typeface="+mj-lt"/>
+                <a:ea typeface="+mj-ea"/>
+                <a:cs typeface="+mj-cs"/>
+              </a:defRPr>
+            </a:lvl1pPr>
+          </a:lstStyle>
+          <a:p>
+            <a:r>
+              <a:rPr lang="it-IT" sz="6000" b="1" dirty="0">
+                <a:solidFill>
+                  <a:srgbClr val="FFFFFF"/>
+                </a:solidFill>
+              </a:rPr>
+              <a:t>Database</a:t>
+            </a:r>
+          </a:p>
+        </p:txBody>
+      </p:sp>
+      <p:sp>
+        <p:nvSpPr>
+          <p:cNvPr id="10" name="TextBox 9">
+            <a:extLst>
+              <a:ext uri="{FF2B5EF4-FFF2-40B4-BE49-F238E27FC236}">
+                <a16:creationId xmlns:a16="http://schemas.microsoft.com/office/drawing/2014/main" id="{9682153D-B9AC-8C9A-7A81-86BBE3CE46AD}"/>
+              </a:ext>
+            </a:extLst>
+          </p:cNvPr>
+          <p:cNvSpPr txBox="1"/>
+          <p:nvPr/>
+        </p:nvSpPr>
+        <p:spPr>
+          <a:xfrm>
+            <a:off x="838200" y="2129704"/>
+            <a:ext cx="10934700" cy="646331"/>
+          </a:xfrm>
+          <a:prstGeom prst="rect">
+            <a:avLst/>
+          </a:prstGeom>
+          <a:noFill/>
+        </p:spPr>
+        <p:txBody>
+          <a:bodyPr wrap="square" rtlCol="0">
+            <a:spAutoFit/>
+          </a:bodyPr>
+          <a:lstStyle/>
+          <a:p>
+            <a:r>
+              <a:rPr lang="it-IT" dirty="0">
+                <a:solidFill>
+                  <a:srgbClr val="000000"/>
+                </a:solidFill>
+                <a:latin typeface="Calibri"/>
+                <a:ea typeface="Calibri"/>
+                <a:cs typeface="Calibri"/>
+                <a:sym typeface="Calibri"/>
+              </a:rPr>
+              <a:t>O</a:t>
+            </a:r>
+            <a:r>
+              <a:rPr lang="en-US" dirty="0" err="1">
+                <a:solidFill>
+                  <a:srgbClr val="000000"/>
+                </a:solidFill>
+                <a:latin typeface="Calibri"/>
+                <a:ea typeface="Calibri"/>
+                <a:cs typeface="Calibri"/>
+                <a:sym typeface="Calibri"/>
+              </a:rPr>
+              <a:t>ur</a:t>
+            </a:r>
+            <a:r>
+              <a:rPr lang="en-US" dirty="0">
+                <a:solidFill>
+                  <a:srgbClr val="000000"/>
+                </a:solidFill>
+                <a:latin typeface="Calibri"/>
+                <a:ea typeface="Calibri"/>
+                <a:cs typeface="Calibri"/>
+                <a:sym typeface="Calibri"/>
+              </a:rPr>
+              <a:t> Database is </a:t>
+            </a:r>
+            <a:r>
+              <a:rPr lang="en-US" dirty="0" err="1">
+                <a:solidFill>
+                  <a:srgbClr val="000000"/>
+                </a:solidFill>
+                <a:latin typeface="Calibri"/>
+                <a:ea typeface="Calibri"/>
+                <a:cs typeface="Calibri"/>
+                <a:sym typeface="Calibri"/>
+              </a:rPr>
+              <a:t>MySql</a:t>
+            </a:r>
+            <a:r>
+              <a:rPr lang="en-US" dirty="0">
+                <a:solidFill>
+                  <a:srgbClr val="000000"/>
+                </a:solidFill>
+                <a:latin typeface="Calibri"/>
+                <a:ea typeface="Calibri"/>
+                <a:cs typeface="Calibri"/>
+                <a:sym typeface="Calibri"/>
+              </a:rPr>
+              <a:t> DB, that stores data about Users, Auctions, and Items that are put up for Auction.</a:t>
+            </a:r>
+          </a:p>
+          <a:p>
+            <a:r>
+              <a:rPr lang="en-US" dirty="0">
+                <a:solidFill>
+                  <a:srgbClr val="000000"/>
+                </a:solidFill>
+                <a:latin typeface="Calibri"/>
+                <a:ea typeface="Calibri"/>
+                <a:cs typeface="Calibri"/>
+                <a:sym typeface="Calibri"/>
+              </a:rPr>
+              <a:t>All Microservices communicate with it, to modify or retrieve cells of the Tables.</a:t>
+            </a:r>
+          </a:p>
+        </p:txBody>
+      </p:sp>
+      <p:pic>
+        <p:nvPicPr>
+          <p:cNvPr id="3073" name="Picture 1" descr="Cos'è MySQL e a cosa serve">
+            <a:extLst>
+              <a:ext uri="{FF2B5EF4-FFF2-40B4-BE49-F238E27FC236}">
+                <a16:creationId xmlns:a16="http://schemas.microsoft.com/office/drawing/2014/main" id="{615831B7-61BF-2A76-74AC-32A904ABBB90}"/>
+              </a:ext>
+            </a:extLst>
+          </p:cNvPr>
+          <p:cNvPicPr>
+            <a:picLocks noChangeAspect="1" noChangeArrowheads="1"/>
+          </p:cNvPicPr>
+          <p:nvPr/>
+        </p:nvPicPr>
+        <p:blipFill>
+          <a:blip r:embed="rId2">
+            <a:extLst>
+              <a:ext uri="{28A0092B-C50C-407E-A947-70E740481C1C}">
+                <a14:useLocalDpi xmlns:a14="http://schemas.microsoft.com/office/drawing/2010/main" val="0"/>
+              </a:ext>
+            </a:extLst>
+          </a:blip>
+          <a:srcRect/>
+          <a:stretch>
+            <a:fillRect/>
+          </a:stretch>
+        </p:blipFill>
+        <p:spPr bwMode="auto">
+          <a:xfrm>
+            <a:off x="4112415" y="3261066"/>
+            <a:ext cx="3967170" cy="2644780"/>
+          </a:xfrm>
+          <a:prstGeom prst="rect">
+            <a:avLst/>
+          </a:prstGeom>
+          <a:noFill/>
+          <a:extLst>
+            <a:ext uri="{909E8E84-426E-40DD-AFC4-6F175D3DCCD1}">
+              <a14:hiddenFill xmlns:a14="http://schemas.microsoft.com/office/drawing/2010/main">
+                <a:solidFill>
+                  <a:srgbClr val="FFFFFF"/>
+                </a:solidFill>
+              </a14:hiddenFill>
+            </a:ext>
+          </a:extLst>
+        </p:spPr>
+      </p:pic>
+    </p:spTree>
+    <p:extLst>
+      <p:ext uri="{BB962C8B-B14F-4D97-AF65-F5344CB8AC3E}">
+        <p14:creationId xmlns:p14="http://schemas.microsoft.com/office/powerpoint/2010/main" val="2122715223"/>
+      </p:ext>
+    </p:extLst>
+  </p:cSld>
+  <p:clrMapOvr>
+    <a:masterClrMapping/>
+  </p:clrMapOvr>
+</p:sld>
+</file>
+
+<file path=ppt/slides/slide14.xml><?xml version="1.0" encoding="utf-8"?>
 <p:sld xmlns:a="http://schemas.openxmlformats.org/drawingml/2006/main" xmlns:r="http://schemas.openxmlformats.org/officeDocument/2006/relationships" xmlns:p="http://schemas.openxmlformats.org/presentationml/2006/main">
   <p:cSld>
     <p:bg>
@@ -5628,7 +9036,13 @@
     </p:bg>
     <p:spTree>
       <p:nvGrpSpPr>
-        <p:cNvPr id="1" name=""/>
+        <p:cNvPr id="1" name="">
+          <a:extLst>
+            <a:ext uri="{FF2B5EF4-FFF2-40B4-BE49-F238E27FC236}">
+              <a16:creationId xmlns:a16="http://schemas.microsoft.com/office/drawing/2014/main" id="{BF9D32B1-0A54-9532-1F00-3C37E019BA22}"/>
+            </a:ext>
+          </a:extLst>
+        </p:cNvPr>
         <p:cNvGrpSpPr/>
         <p:nvPr/>
       </p:nvGrpSpPr>
@@ -5642,10 +9056,10 @@
       </p:grpSpPr>
       <p:sp useBgFill="1">
         <p:nvSpPr>
-          <p:cNvPr id="8" name="Rectangle 7">
-            <a:extLst>
-              <a:ext uri="{FF2B5EF4-FFF2-40B4-BE49-F238E27FC236}">
-                <a16:creationId xmlns:a16="http://schemas.microsoft.com/office/drawing/2014/main" id="{1B15ED52-F352-441B-82BF-E0EA34836D08}"/>
+          <p:cNvPr id="15" name="Rectangle 14">
+            <a:extLst>
+              <a:ext uri="{FF2B5EF4-FFF2-40B4-BE49-F238E27FC236}">
+                <a16:creationId xmlns:a16="http://schemas.microsoft.com/office/drawing/2014/main" id="{6F5A5072-7B47-4D32-B52A-4EBBF590B8A5}"/>
               </a:ext>
               <a:ext uri="{C183D7F6-B498-43B3-948B-1728B52AA6E4}">
                 <adec:decorative xmlns:adec="http://schemas.microsoft.com/office/drawing/2017/decorative" val="1"/>
@@ -5718,6 +9132,662 @@
       </p:sp>
       <p:sp>
         <p:nvSpPr>
+          <p:cNvPr id="17" name="Rectangle 16">
+            <a:extLst>
+              <a:ext uri="{FF2B5EF4-FFF2-40B4-BE49-F238E27FC236}">
+                <a16:creationId xmlns:a16="http://schemas.microsoft.com/office/drawing/2014/main" id="{9715DAF0-AE1B-46C9-8A6B-DB2AA05AB91D}"/>
+              </a:ext>
+              <a:ext uri="{C183D7F6-B498-43B3-948B-1728B52AA6E4}">
+                <adec:decorative xmlns:adec="http://schemas.microsoft.com/office/drawing/2017/decorative" val="1"/>
+              </a:ext>
+            </a:extLst>
+          </p:cNvPr>
+          <p:cNvSpPr>
+            <a:spLocks noGrp="1" noRot="1" noChangeAspect="1" noMove="1" noResize="1" noEditPoints="1" noAdjustHandles="1" noChangeArrowheads="1" noChangeShapeType="1" noTextEdit="1"/>
+          </p:cNvSpPr>
+          <p:nvPr>
+            <p:extLst>
+              <p:ext uri="{386F3935-93C4-4BCD-93E2-E3B085C9AB24}">
+                <p16:designElem xmlns:p16="http://schemas.microsoft.com/office/powerpoint/2015/main" val="1"/>
+              </p:ext>
+            </p:extLst>
+          </p:nvPr>
+        </p:nvSpPr>
+        <p:spPr>
+          <a:xfrm rot="10800000">
+            <a:off x="-2" y="-22693"/>
+            <a:ext cx="12191999" cy="4374129"/>
+          </a:xfrm>
+          <a:prstGeom prst="rect">
+            <a:avLst/>
+          </a:prstGeom>
+          <a:gradFill>
+            <a:gsLst>
+              <a:gs pos="0">
+                <a:schemeClr val="accent1">
+                  <a:lumMod val="75000"/>
+                </a:schemeClr>
+              </a:gs>
+              <a:gs pos="100000">
+                <a:srgbClr val="000000"/>
+              </a:gs>
+            </a:gsLst>
+            <a:lin ang="15000000" scaled="0"/>
+          </a:gradFill>
+          <a:ln>
+            <a:noFill/>
+          </a:ln>
+        </p:spPr>
+        <p:style>
+          <a:lnRef idx="2">
+            <a:schemeClr val="accent1">
+              <a:shade val="50000"/>
+            </a:schemeClr>
+          </a:lnRef>
+          <a:fillRef idx="1">
+            <a:schemeClr val="accent1"/>
+          </a:fillRef>
+          <a:effectRef idx="0">
+            <a:schemeClr val="accent1"/>
+          </a:effectRef>
+          <a:fontRef idx="minor">
+            <a:schemeClr val="lt1"/>
+          </a:fontRef>
+        </p:style>
+        <p:txBody>
+          <a:bodyPr rtlCol="0" anchor="ctr"/>
+          <a:lstStyle/>
+          <a:p>
+            <a:pPr algn="ctr"/>
+            <a:endParaRPr lang="en-US"/>
+          </a:p>
+        </p:txBody>
+      </p:sp>
+      <p:sp>
+        <p:nvSpPr>
+          <p:cNvPr id="19" name="Rectangle 18">
+            <a:extLst>
+              <a:ext uri="{FF2B5EF4-FFF2-40B4-BE49-F238E27FC236}">
+                <a16:creationId xmlns:a16="http://schemas.microsoft.com/office/drawing/2014/main" id="{6016219D-510E-4184-9090-6D5578A87BD1}"/>
+              </a:ext>
+              <a:ext uri="{C183D7F6-B498-43B3-948B-1728B52AA6E4}">
+                <adec:decorative xmlns:adec="http://schemas.microsoft.com/office/drawing/2017/decorative" val="1"/>
+              </a:ext>
+            </a:extLst>
+          </p:cNvPr>
+          <p:cNvSpPr>
+            <a:spLocks noGrp="1" noRot="1" noChangeAspect="1" noMove="1" noResize="1" noEditPoints="1" noAdjustHandles="1" noChangeArrowheads="1" noChangeShapeType="1" noTextEdit="1"/>
+          </p:cNvSpPr>
+          <p:nvPr>
+            <p:extLst>
+              <p:ext uri="{386F3935-93C4-4BCD-93E2-E3B085C9AB24}">
+                <p16:designElem xmlns:p16="http://schemas.microsoft.com/office/powerpoint/2015/main" val="1"/>
+              </p:ext>
+            </p:extLst>
+          </p:nvPr>
+        </p:nvSpPr>
+        <p:spPr>
+          <a:xfrm rot="5400000">
+            <a:off x="3908719" y="-3931841"/>
+            <a:ext cx="4374557" cy="12192000"/>
+          </a:xfrm>
+          <a:prstGeom prst="rect">
+            <a:avLst/>
+          </a:prstGeom>
+          <a:gradFill>
+            <a:gsLst>
+              <a:gs pos="40000">
+                <a:schemeClr val="accent1">
+                  <a:alpha val="0"/>
+                </a:schemeClr>
+              </a:gs>
+              <a:gs pos="100000">
+                <a:schemeClr val="accent1">
+                  <a:lumMod val="75000"/>
+                  <a:alpha val="52000"/>
+                </a:schemeClr>
+              </a:gs>
+            </a:gsLst>
+            <a:lin ang="2400000" scaled="0"/>
+          </a:gradFill>
+          <a:ln>
+            <a:noFill/>
+          </a:ln>
+        </p:spPr>
+        <p:style>
+          <a:lnRef idx="2">
+            <a:schemeClr val="accent1">
+              <a:shade val="50000"/>
+            </a:schemeClr>
+          </a:lnRef>
+          <a:fillRef idx="1">
+            <a:schemeClr val="accent1"/>
+          </a:fillRef>
+          <a:effectRef idx="0">
+            <a:schemeClr val="accent1"/>
+          </a:effectRef>
+          <a:fontRef idx="minor">
+            <a:schemeClr val="lt1"/>
+          </a:fontRef>
+        </p:style>
+        <p:txBody>
+          <a:bodyPr rtlCol="0" anchor="ctr"/>
+          <a:lstStyle/>
+          <a:p>
+            <a:pPr algn="ctr"/>
+            <a:endParaRPr lang="en-US"/>
+          </a:p>
+        </p:txBody>
+      </p:sp>
+      <p:sp>
+        <p:nvSpPr>
+          <p:cNvPr id="21" name="Rectangle 20">
+            <a:extLst>
+              <a:ext uri="{FF2B5EF4-FFF2-40B4-BE49-F238E27FC236}">
+                <a16:creationId xmlns:a16="http://schemas.microsoft.com/office/drawing/2014/main" id="{AFF4A713-7B75-4B21-90D7-5AB19547C728}"/>
+              </a:ext>
+              <a:ext uri="{C183D7F6-B498-43B3-948B-1728B52AA6E4}">
+                <adec:decorative xmlns:adec="http://schemas.microsoft.com/office/drawing/2017/decorative" val="1"/>
+              </a:ext>
+            </a:extLst>
+          </p:cNvPr>
+          <p:cNvSpPr>
+            <a:spLocks noGrp="1" noRot="1" noChangeAspect="1" noMove="1" noResize="1" noEditPoints="1" noAdjustHandles="1" noChangeArrowheads="1" noChangeShapeType="1" noTextEdit="1"/>
+          </p:cNvSpPr>
+          <p:nvPr>
+            <p:extLst>
+              <p:ext uri="{386F3935-93C4-4BCD-93E2-E3B085C9AB24}">
+                <p16:designElem xmlns:p16="http://schemas.microsoft.com/office/powerpoint/2015/main" val="1"/>
+              </p:ext>
+            </p:extLst>
+          </p:nvPr>
+        </p:nvSpPr>
+        <p:spPr>
+          <a:xfrm rot="5400000">
+            <a:off x="4136696" y="-3703868"/>
+            <a:ext cx="4374128" cy="11736479"/>
+          </a:xfrm>
+          <a:prstGeom prst="rect">
+            <a:avLst/>
+          </a:prstGeom>
+          <a:gradFill>
+            <a:gsLst>
+              <a:gs pos="17000">
+                <a:schemeClr val="accent1">
+                  <a:alpha val="0"/>
+                </a:schemeClr>
+              </a:gs>
+              <a:gs pos="100000">
+                <a:srgbClr val="000000">
+                  <a:alpha val="37000"/>
+                </a:srgbClr>
+              </a:gs>
+            </a:gsLst>
+            <a:lin ang="7800000" scaled="0"/>
+          </a:gradFill>
+          <a:ln>
+            <a:noFill/>
+          </a:ln>
+        </p:spPr>
+        <p:style>
+          <a:lnRef idx="2">
+            <a:schemeClr val="accent1">
+              <a:shade val="50000"/>
+            </a:schemeClr>
+          </a:lnRef>
+          <a:fillRef idx="1">
+            <a:schemeClr val="accent1"/>
+          </a:fillRef>
+          <a:effectRef idx="0">
+            <a:schemeClr val="accent1"/>
+          </a:effectRef>
+          <a:fontRef idx="minor">
+            <a:schemeClr val="lt1"/>
+          </a:fontRef>
+        </p:style>
+        <p:txBody>
+          <a:bodyPr rtlCol="0" anchor="ctr"/>
+          <a:lstStyle/>
+          <a:p>
+            <a:pPr algn="ctr"/>
+            <a:endParaRPr lang="en-US"/>
+          </a:p>
+        </p:txBody>
+      </p:sp>
+      <p:sp>
+        <p:nvSpPr>
+          <p:cNvPr id="23" name="Rectangle 22">
+            <a:extLst>
+              <a:ext uri="{FF2B5EF4-FFF2-40B4-BE49-F238E27FC236}">
+                <a16:creationId xmlns:a16="http://schemas.microsoft.com/office/drawing/2014/main" id="{DC631C0B-6DA6-4E57-8231-CE32B3434A7E}"/>
+              </a:ext>
+              <a:ext uri="{C183D7F6-B498-43B3-948B-1728B52AA6E4}">
+                <adec:decorative xmlns:adec="http://schemas.microsoft.com/office/drawing/2017/decorative" val="1"/>
+              </a:ext>
+            </a:extLst>
+          </p:cNvPr>
+          <p:cNvSpPr>
+            <a:spLocks noGrp="1" noRot="1" noChangeAspect="1" noMove="1" noResize="1" noEditPoints="1" noAdjustHandles="1" noChangeArrowheads="1" noChangeShapeType="1" noTextEdit="1"/>
+          </p:cNvSpPr>
+          <p:nvPr>
+            <p:extLst>
+              <p:ext uri="{386F3935-93C4-4BCD-93E2-E3B085C9AB24}">
+                <p16:designElem xmlns:p16="http://schemas.microsoft.com/office/powerpoint/2015/main" val="1"/>
+              </p:ext>
+            </p:extLst>
+          </p:nvPr>
+        </p:nvSpPr>
+        <p:spPr>
+          <a:xfrm>
+            <a:off x="-5" y="-22690"/>
+            <a:ext cx="8542485" cy="4374126"/>
+          </a:xfrm>
+          <a:prstGeom prst="rect">
+            <a:avLst/>
+          </a:prstGeom>
+          <a:gradFill>
+            <a:gsLst>
+              <a:gs pos="0">
+                <a:schemeClr val="accent1">
+                  <a:lumMod val="50000"/>
+                  <a:alpha val="0"/>
+                </a:schemeClr>
+              </a:gs>
+              <a:gs pos="100000">
+                <a:srgbClr val="000000">
+                  <a:alpha val="25000"/>
+                </a:srgbClr>
+              </a:gs>
+            </a:gsLst>
+            <a:lin ang="18600000" scaled="0"/>
+          </a:gradFill>
+          <a:ln>
+            <a:noFill/>
+          </a:ln>
+        </p:spPr>
+        <p:style>
+          <a:lnRef idx="2">
+            <a:schemeClr val="accent1">
+              <a:shade val="50000"/>
+            </a:schemeClr>
+          </a:lnRef>
+          <a:fillRef idx="1">
+            <a:schemeClr val="accent1"/>
+          </a:fillRef>
+          <a:effectRef idx="0">
+            <a:schemeClr val="accent1"/>
+          </a:effectRef>
+          <a:fontRef idx="minor">
+            <a:schemeClr val="lt1"/>
+          </a:fontRef>
+        </p:style>
+        <p:txBody>
+          <a:bodyPr rtlCol="0" anchor="ctr"/>
+          <a:lstStyle/>
+          <a:p>
+            <a:pPr algn="ctr"/>
+            <a:endParaRPr lang="en-US"/>
+          </a:p>
+        </p:txBody>
+      </p:sp>
+      <p:sp>
+        <p:nvSpPr>
+          <p:cNvPr id="25" name="Freeform: Shape 24">
+            <a:extLst>
+              <a:ext uri="{FF2B5EF4-FFF2-40B4-BE49-F238E27FC236}">
+                <a16:creationId xmlns:a16="http://schemas.microsoft.com/office/drawing/2014/main" id="{C29501E6-A978-4A61-9689-9085AF97A53A}"/>
+              </a:ext>
+              <a:ext uri="{C183D7F6-B498-43B3-948B-1728B52AA6E4}">
+                <adec:decorative xmlns:adec="http://schemas.microsoft.com/office/drawing/2017/decorative" val="1"/>
+              </a:ext>
+            </a:extLst>
+          </p:cNvPr>
+          <p:cNvSpPr>
+            <a:spLocks noGrp="1" noRot="1" noChangeAspect="1" noMove="1" noResize="1" noEditPoints="1" noAdjustHandles="1" noChangeArrowheads="1" noChangeShapeType="1" noTextEdit="1"/>
+          </p:cNvSpPr>
+          <p:nvPr>
+            <p:extLst>
+              <p:ext uri="{386F3935-93C4-4BCD-93E2-E3B085C9AB24}">
+                <p16:designElem xmlns:p16="http://schemas.microsoft.com/office/powerpoint/2015/main" val="1"/>
+              </p:ext>
+            </p:extLst>
+          </p:nvPr>
+        </p:nvSpPr>
+        <p:spPr>
+          <a:xfrm rot="12508972">
+            <a:off x="5945431" y="-1032053"/>
+            <a:ext cx="4990147" cy="4439131"/>
+          </a:xfrm>
+          <a:custGeom>
+            <a:avLst/>
+            <a:gdLst>
+              <a:gd name="connsiteX0" fmla="*/ 4990147 w 4990147"/>
+              <a:gd name="connsiteY0" fmla="*/ 2229378 h 4439131"/>
+              <a:gd name="connsiteX1" fmla="*/ 917384 w 4990147"/>
+              <a:gd name="connsiteY1" fmla="*/ 4439131 h 4439131"/>
+              <a:gd name="connsiteX2" fmla="*/ 910814 w 4990147"/>
+              <a:gd name="connsiteY2" fmla="*/ 4434219 h 4439131"/>
+              <a:gd name="connsiteX3" fmla="*/ 0 w 4990147"/>
+              <a:gd name="connsiteY3" fmla="*/ 2502877 h 4439131"/>
+              <a:gd name="connsiteX4" fmla="*/ 2502877 w 4990147"/>
+              <a:gd name="connsiteY4" fmla="*/ 0 h 4439131"/>
+              <a:gd name="connsiteX5" fmla="*/ 4954904 w 4990147"/>
+              <a:gd name="connsiteY5" fmla="*/ 1998460 h 4439131"/>
+            </a:gdLst>
+            <a:ahLst/>
+            <a:cxnLst>
+              <a:cxn ang="0">
+                <a:pos x="connsiteX0" y="connsiteY0"/>
+              </a:cxn>
+              <a:cxn ang="0">
+                <a:pos x="connsiteX1" y="connsiteY1"/>
+              </a:cxn>
+              <a:cxn ang="0">
+                <a:pos x="connsiteX2" y="connsiteY2"/>
+              </a:cxn>
+              <a:cxn ang="0">
+                <a:pos x="connsiteX3" y="connsiteY3"/>
+              </a:cxn>
+              <a:cxn ang="0">
+                <a:pos x="connsiteX4" y="connsiteY4"/>
+              </a:cxn>
+              <a:cxn ang="0">
+                <a:pos x="connsiteX5" y="connsiteY5"/>
+              </a:cxn>
+            </a:cxnLst>
+            <a:rect l="l" t="t" r="r" b="b"/>
+            <a:pathLst>
+              <a:path w="4990147" h="4439131">
+                <a:moveTo>
+                  <a:pt x="4990147" y="2229378"/>
+                </a:moveTo>
+                <a:lnTo>
+                  <a:pt x="917384" y="4439131"/>
+                </a:lnTo>
+                <a:lnTo>
+                  <a:pt x="910814" y="4434219"/>
+                </a:lnTo>
+                <a:cubicBezTo>
+                  <a:pt x="354557" y="3975154"/>
+                  <a:pt x="0" y="3280421"/>
+                  <a:pt x="0" y="2502877"/>
+                </a:cubicBezTo>
+                <a:cubicBezTo>
+                  <a:pt x="0" y="1120576"/>
+                  <a:pt x="1120576" y="0"/>
+                  <a:pt x="2502877" y="0"/>
+                </a:cubicBezTo>
+                <a:cubicBezTo>
+                  <a:pt x="3712390" y="0"/>
+                  <a:pt x="4721520" y="857941"/>
+                  <a:pt x="4954904" y="1998460"/>
+                </a:cubicBezTo>
+                <a:close/>
+              </a:path>
+            </a:pathLst>
+          </a:custGeom>
+          <a:gradFill>
+            <a:gsLst>
+              <a:gs pos="0">
+                <a:schemeClr val="accent1">
+                  <a:alpha val="22000"/>
+                </a:schemeClr>
+              </a:gs>
+              <a:gs pos="87000">
+                <a:schemeClr val="accent1">
+                  <a:lumMod val="60000"/>
+                  <a:lumOff val="40000"/>
+                  <a:alpha val="2000"/>
+                </a:schemeClr>
+              </a:gs>
+            </a:gsLst>
+            <a:lin ang="8400000" scaled="0"/>
+          </a:gradFill>
+          <a:ln>
+            <a:noFill/>
+          </a:ln>
+        </p:spPr>
+        <p:style>
+          <a:lnRef idx="2">
+            <a:schemeClr val="accent1">
+              <a:shade val="50000"/>
+            </a:schemeClr>
+          </a:lnRef>
+          <a:fillRef idx="1">
+            <a:schemeClr val="accent1"/>
+          </a:fillRef>
+          <a:effectRef idx="0">
+            <a:schemeClr val="accent1"/>
+          </a:effectRef>
+          <a:fontRef idx="minor">
+            <a:schemeClr val="lt1"/>
+          </a:fontRef>
+        </p:style>
+        <p:txBody>
+          <a:bodyPr wrap="square" rtlCol="0" anchor="ctr">
+            <a:noAutofit/>
+          </a:bodyPr>
+          <a:lstStyle/>
+          <a:p>
+            <a:pPr algn="ctr"/>
+            <a:endParaRPr lang="en-US" dirty="0"/>
+          </a:p>
+        </p:txBody>
+      </p:sp>
+      <p:sp>
+        <p:nvSpPr>
+          <p:cNvPr id="2" name="Title 1">
+            <a:extLst>
+              <a:ext uri="{FF2B5EF4-FFF2-40B4-BE49-F238E27FC236}">
+                <a16:creationId xmlns:a16="http://schemas.microsoft.com/office/drawing/2014/main" id="{25AE876F-D427-92A6-6563-8F2C19DDD405}"/>
+              </a:ext>
+            </a:extLst>
+          </p:cNvPr>
+          <p:cNvSpPr>
+            <a:spLocks noGrp="1"/>
+          </p:cNvSpPr>
+          <p:nvPr>
+            <p:ph type="title"/>
+          </p:nvPr>
+        </p:nvSpPr>
+        <p:spPr>
+          <a:xfrm>
+            <a:off x="1069115" y="987355"/>
+            <a:ext cx="10053763" cy="2928470"/>
+          </a:xfrm>
+        </p:spPr>
+        <p:txBody>
+          <a:bodyPr vert="horz" lIns="91440" tIns="45720" rIns="91440" bIns="45720" rtlCol="0" anchor="b">
+            <a:normAutofit/>
+          </a:bodyPr>
+          <a:lstStyle/>
+          <a:p>
+            <a:r>
+              <a:rPr lang="en-US" sz="4800" kern="1200" dirty="0">
+                <a:solidFill>
+                  <a:srgbClr val="FFFFFF"/>
+                </a:solidFill>
+                <a:latin typeface="+mj-lt"/>
+                <a:ea typeface="+mj-ea"/>
+                <a:cs typeface="+mj-cs"/>
+                <a:sym typeface="Calibri"/>
+              </a:rPr>
+              <a:t>Now let’s have a look to the Application. </a:t>
+            </a:r>
+          </a:p>
+        </p:txBody>
+      </p:sp>
+      <p:sp>
+        <p:nvSpPr>
+          <p:cNvPr id="9" name="Title 1">
+            <a:extLst>
+              <a:ext uri="{FF2B5EF4-FFF2-40B4-BE49-F238E27FC236}">
+                <a16:creationId xmlns:a16="http://schemas.microsoft.com/office/drawing/2014/main" id="{31DAA2A8-45B3-24E0-72DD-AABFDEBAC0A8}"/>
+              </a:ext>
+            </a:extLst>
+          </p:cNvPr>
+          <p:cNvSpPr txBox="1">
+            <a:spLocks/>
+          </p:cNvSpPr>
+          <p:nvPr/>
+        </p:nvSpPr>
+        <p:spPr>
+          <a:xfrm>
+            <a:off x="459349" y="278535"/>
+            <a:ext cx="9895951" cy="1033669"/>
+          </a:xfrm>
+          <a:prstGeom prst="rect">
+            <a:avLst/>
+          </a:prstGeom>
+        </p:spPr>
+        <p:txBody>
+          <a:bodyPr vert="horz" lIns="91440" tIns="45720" rIns="91440" bIns="45720" rtlCol="0" anchor="ctr">
+            <a:normAutofit/>
+          </a:bodyPr>
+          <a:lstStyle>
+            <a:lvl1pPr algn="l" defTabSz="914400" rtl="0" eaLnBrk="1" latinLnBrk="0" hangingPunct="1">
+              <a:lnSpc>
+                <a:spcPct val="90000"/>
+              </a:lnSpc>
+              <a:spcBef>
+                <a:spcPct val="0"/>
+              </a:spcBef>
+              <a:buNone/>
+              <a:defRPr sz="4400" kern="1200">
+                <a:solidFill>
+                  <a:schemeClr val="tx1"/>
+                </a:solidFill>
+                <a:latin typeface="+mj-lt"/>
+                <a:ea typeface="+mj-ea"/>
+                <a:cs typeface="+mj-cs"/>
+              </a:defRPr>
+            </a:lvl1pPr>
+          </a:lstStyle>
+          <a:p>
+            <a:endParaRPr lang="it-IT" sz="6000" b="1" dirty="0">
+              <a:solidFill>
+                <a:srgbClr val="FFFFFF"/>
+              </a:solidFill>
+            </a:endParaRPr>
+          </a:p>
+        </p:txBody>
+      </p:sp>
+    </p:spTree>
+    <p:extLst>
+      <p:ext uri="{BB962C8B-B14F-4D97-AF65-F5344CB8AC3E}">
+        <p14:creationId xmlns:p14="http://schemas.microsoft.com/office/powerpoint/2010/main" val="2029281848"/>
+      </p:ext>
+    </p:extLst>
+  </p:cSld>
+  <p:clrMapOvr>
+    <a:masterClrMapping/>
+  </p:clrMapOvr>
+</p:sld>
+</file>
+
+<file path=ppt/slides/slide2.xml><?xml version="1.0" encoding="utf-8"?>
+<p:sld xmlns:a="http://schemas.openxmlformats.org/drawingml/2006/main" xmlns:r="http://schemas.openxmlformats.org/officeDocument/2006/relationships" xmlns:p="http://schemas.openxmlformats.org/presentationml/2006/main">
+  <p:cSld>
+    <p:bg>
+      <p:bgPr>
+        <a:solidFill>
+          <a:schemeClr val="bg1"/>
+        </a:solidFill>
+        <a:effectLst/>
+      </p:bgPr>
+    </p:bg>
+    <p:spTree>
+      <p:nvGrpSpPr>
+        <p:cNvPr id="1" name=""/>
+        <p:cNvGrpSpPr/>
+        <p:nvPr/>
+      </p:nvGrpSpPr>
+      <p:grpSpPr>
+        <a:xfrm>
+          <a:off x="0" y="0"/>
+          <a:ext cx="0" cy="0"/>
+          <a:chOff x="0" y="0"/>
+          <a:chExt cx="0" cy="0"/>
+        </a:xfrm>
+      </p:grpSpPr>
+      <p:sp useBgFill="1">
+        <p:nvSpPr>
+          <p:cNvPr id="8" name="Rectangle 7">
+            <a:extLst>
+              <a:ext uri="{FF2B5EF4-FFF2-40B4-BE49-F238E27FC236}">
+                <a16:creationId xmlns:a16="http://schemas.microsoft.com/office/drawing/2014/main" id="{1B15ED52-F352-441B-82BF-E0EA34836D08}"/>
+              </a:ext>
+              <a:ext uri="{C183D7F6-B498-43B3-948B-1728B52AA6E4}">
+                <adec:decorative xmlns:adec="http://schemas.microsoft.com/office/drawing/2017/decorative" val="1"/>
+              </a:ext>
+            </a:extLst>
+          </p:cNvPr>
+          <p:cNvSpPr>
+            <a:spLocks noGrp="1" noRot="1" noChangeAspect="1" noMove="1" noResize="1" noEditPoints="1" noAdjustHandles="1" noChangeArrowheads="1" noChangeShapeType="1" noTextEdit="1"/>
+          </p:cNvSpPr>
+          <p:nvPr>
+            <p:extLst>
+              <p:ext uri="{386F3935-93C4-4BCD-93E2-E3B085C9AB24}">
+                <p16:designElem xmlns:p16="http://schemas.microsoft.com/office/powerpoint/2015/main" val="1"/>
+              </p:ext>
+            </p:extLst>
+          </p:nvPr>
+        </p:nvSpPr>
+        <p:spPr>
+          <a:xfrm>
+            <a:off x="0" y="0"/>
+            <a:ext cx="12192000" cy="6858000"/>
+          </a:xfrm>
+          <a:prstGeom prst="rect">
+            <a:avLst/>
+          </a:prstGeom>
+          <a:ln w="12700" cap="flat" cmpd="sng" algn="ctr">
+            <a:noFill/>
+            <a:prstDash val="solid"/>
+            <a:miter lim="800000"/>
+          </a:ln>
+          <a:effectLst/>
+          <a:extLst>
+            <a:ext uri="{91240B29-F687-4F45-9708-019B960494DF}">
+              <a14:hiddenLine xmlns:a14="http://schemas.microsoft.com/office/drawing/2010/main" w="12700" cap="flat" cmpd="sng" algn="ctr">
+                <a:solidFill>
+                  <a:schemeClr val="accent1">
+                    <a:shade val="50000"/>
+                  </a:schemeClr>
+                </a:solidFill>
+                <a:prstDash val="solid"/>
+                <a:miter lim="800000"/>
+              </a14:hiddenLine>
+            </a:ext>
+          </a:extLst>
+        </p:spPr>
+        <p:style>
+          <a:lnRef idx="2">
+            <a:schemeClr val="accent1">
+              <a:shade val="50000"/>
+            </a:schemeClr>
+          </a:lnRef>
+          <a:fillRef idx="1">
+            <a:schemeClr val="accent1"/>
+          </a:fillRef>
+          <a:effectRef idx="0">
+            <a:schemeClr val="accent1"/>
+          </a:effectRef>
+          <a:fontRef idx="minor">
+            <a:schemeClr val="lt1"/>
+          </a:fontRef>
+        </p:style>
+        <p:txBody>
+          <a:bodyPr rtlCol="0" anchor="ctr"/>
+          <a:lstStyle/>
+          <a:p>
+            <a:pPr algn="ctr"/>
+            <a:endParaRPr lang="en-US"/>
+          </a:p>
+        </p:txBody>
+      </p:sp>
+      <p:sp>
+        <p:nvSpPr>
           <p:cNvPr id="10" name="Rectangle 9">
             <a:extLst>
               <a:ext uri="{FF2B5EF4-FFF2-40B4-BE49-F238E27FC236}">
@@ -6172,6 +10242,21 @@
           <a:p>
             <a:pPr lvl="1"/>
             <a:r>
+              <a:rPr lang="it" sz="1600" b="0" i="0" u="none" strike="noStrike" cap="none" dirty="0">
+                <a:solidFill>
+                  <a:srgbClr val="24292F"/>
+                </a:solidFill>
+                <a:latin typeface="Calibri"/>
+                <a:ea typeface="Calibri"/>
+                <a:cs typeface="Calibri"/>
+                <a:sym typeface="Calibri"/>
+              </a:rPr>
+              <a:t>Access to the page containing the auctions in which they are participating.</a:t>
+            </a:r>
+          </a:p>
+          <a:p>
+            <a:pPr lvl="1"/>
+            <a:r>
               <a:rPr lang="en-US" sz="1600" b="0" i="0" u="none" strike="noStrike" cap="none" dirty="0">
                 <a:solidFill>
                   <a:srgbClr val="24292F"/>
@@ -6220,28 +10305,9 @@
                 <a:cs typeface="Calibri"/>
                 <a:sym typeface="Calibri"/>
               </a:rPr>
-              <a:t>Get a notification at the end of an auction.</a:t>
-            </a:r>
-          </a:p>
-          <a:p>
-            <a:pPr lvl="1"/>
-            <a:r>
-              <a:rPr lang="en-US" sz="1600" dirty="0">
-                <a:solidFill>
-                  <a:srgbClr val="24292F"/>
-                </a:solidFill>
-                <a:latin typeface="Calibri"/>
-                <a:ea typeface="Calibri"/>
-                <a:cs typeface="Calibri"/>
-                <a:sym typeface="Calibri"/>
-              </a:rPr>
-              <a:t>Access the profile page of users</a:t>
-            </a:r>
-            <a:endParaRPr lang="en-US" sz="1200" dirty="0"/>
-          </a:p>
-          <a:p>
-            <a:pPr lvl="1"/>
-            <a:endParaRPr lang="it" sz="1600" b="0" i="0" u="none" strike="noStrike" cap="none" dirty="0">
+              <a:t>Logout from the Application.</a:t>
+            </a:r>
+            <a:endParaRPr lang="en-US" sz="1600" b="0" i="0" u="none" strike="noStrike" cap="none" dirty="0">
               <a:solidFill>
                 <a:srgbClr val="24292F"/>
               </a:solidFill>
@@ -6708,10 +10774,10 @@
       </p:sp>
       <p:pic>
         <p:nvPicPr>
-          <p:cNvPr id="4" name="Picture 3">
-            <a:extLst>
-              <a:ext uri="{FF2B5EF4-FFF2-40B4-BE49-F238E27FC236}">
-                <a16:creationId xmlns:a16="http://schemas.microsoft.com/office/drawing/2014/main" id="{957C9527-CAE6-0E7D-D212-8F2627460BD0}"/>
+          <p:cNvPr id="5" name="Picture 4">
+            <a:extLst>
+              <a:ext uri="{FF2B5EF4-FFF2-40B4-BE49-F238E27FC236}">
+                <a16:creationId xmlns:a16="http://schemas.microsoft.com/office/drawing/2014/main" id="{C88A4B1D-E088-F24A-8208-A9DAC8A6D5B6}"/>
               </a:ext>
             </a:extLst>
           </p:cNvPr>
@@ -6728,8 +10794,8 @@
         </p:blipFill>
         <p:spPr>
           <a:xfrm>
-            <a:off x="130671" y="1955263"/>
-            <a:ext cx="11930653" cy="4531524"/>
+            <a:off x="96413" y="2261342"/>
+            <a:ext cx="11999170" cy="3913649"/>
           </a:xfrm>
           <a:prstGeom prst="rect">
             <a:avLst/>
@@ -7356,7 +11422,7 @@
         </p:nvSpPr>
         <p:spPr>
           <a:xfrm>
-            <a:off x="1230871" y="5597966"/>
+            <a:off x="603776" y="5464759"/>
             <a:ext cx="2919884" cy="492443"/>
           </a:xfrm>
           <a:prstGeom prst="rect">
@@ -7376,7 +11442,7 @@
             </a:r>
             <a:r>
               <a:rPr lang="it-IT" sz="2600" dirty="0"/>
-              <a:t> Points = 59</a:t>
+              <a:t> Points = 58</a:t>
             </a:r>
             <a:endParaRPr lang="en-US" sz="2600" dirty="0"/>
           </a:p>
@@ -7396,8 +11462,8 @@
         </p:nvSpPr>
         <p:spPr>
           <a:xfrm>
-            <a:off x="6990826" y="5597965"/>
-            <a:ext cx="3364471" cy="492443"/>
+            <a:off x="4493358" y="5433982"/>
+            <a:ext cx="3364471" cy="523220"/>
           </a:xfrm>
           <a:prstGeom prst="rect">
             <a:avLst/>
@@ -7424,7 +11490,11 @@
             </a:r>
             <a:r>
               <a:rPr lang="it-IT" sz="2600" dirty="0"/>
-              <a:t> = 3127</a:t>
+              <a:t> = </a:t>
+            </a:r>
+            <a:r>
+              <a:rPr lang="en-US" sz="2800" dirty="0"/>
+              <a:t>3074</a:t>
             </a:r>
             <a:endParaRPr lang="en-US" sz="2600" dirty="0"/>
           </a:p>
@@ -7432,10 +11502,10 @@
       </p:sp>
       <p:pic>
         <p:nvPicPr>
-          <p:cNvPr id="6" name="Picture 5">
-            <a:extLst>
-              <a:ext uri="{FF2B5EF4-FFF2-40B4-BE49-F238E27FC236}">
-                <a16:creationId xmlns:a16="http://schemas.microsoft.com/office/drawing/2014/main" id="{EB328BC2-7489-8B22-C9CE-6C19A352C094}"/>
+          <p:cNvPr id="7" name="Picture 6">
+            <a:extLst>
+              <a:ext uri="{FF2B5EF4-FFF2-40B4-BE49-F238E27FC236}">
+                <a16:creationId xmlns:a16="http://schemas.microsoft.com/office/drawing/2014/main" id="{577475E4-952F-6585-D95E-62B28C38F990}"/>
               </a:ext>
             </a:extLst>
           </p:cNvPr>
@@ -7452,14 +11522,161 @@
         </p:blipFill>
         <p:spPr>
           <a:xfrm>
-            <a:off x="60429" y="1798234"/>
-            <a:ext cx="12071138" cy="3117313"/>
+            <a:off x="55986" y="2086663"/>
+            <a:ext cx="12073812" cy="2935859"/>
           </a:xfrm>
           <a:prstGeom prst="rect">
             <a:avLst/>
           </a:prstGeom>
         </p:spPr>
       </p:pic>
+      <p:sp>
+        <p:nvSpPr>
+          <p:cNvPr id="6" name="TextBox 5">
+            <a:extLst>
+              <a:ext uri="{FF2B5EF4-FFF2-40B4-BE49-F238E27FC236}">
+                <a16:creationId xmlns:a16="http://schemas.microsoft.com/office/drawing/2014/main" id="{7AE0C984-960D-ACDB-72CA-FD4EBA2593F4}"/>
+              </a:ext>
+            </a:extLst>
+          </p:cNvPr>
+          <p:cNvSpPr txBox="1"/>
+          <p:nvPr/>
+        </p:nvSpPr>
+        <p:spPr>
+          <a:xfrm>
+            <a:off x="2017745" y="6079734"/>
+            <a:ext cx="6097554" cy="492443"/>
+          </a:xfrm>
+          <a:prstGeom prst="rect">
+            <a:avLst/>
+          </a:prstGeom>
+          <a:noFill/>
+        </p:spPr>
+        <p:txBody>
+          <a:bodyPr wrap="square">
+            <a:spAutoFit/>
+          </a:bodyPr>
+          <a:lstStyle/>
+          <a:p>
+            <a:r>
+              <a:rPr lang="it-IT" sz="2600" dirty="0"/>
+              <a:t>7.5 </a:t>
+            </a:r>
+            <a:r>
+              <a:rPr lang="it-IT" sz="2600" dirty="0" err="1"/>
+              <a:t>Person-Months</a:t>
+            </a:r>
+            <a:endParaRPr lang="en-US" sz="2600" dirty="0"/>
+          </a:p>
+        </p:txBody>
+      </p:sp>
+      <p:sp>
+        <p:nvSpPr>
+          <p:cNvPr id="11" name="TextBox 10">
+            <a:extLst>
+              <a:ext uri="{FF2B5EF4-FFF2-40B4-BE49-F238E27FC236}">
+                <a16:creationId xmlns:a16="http://schemas.microsoft.com/office/drawing/2014/main" id="{F60F29CD-8E1B-A7D7-A151-220E16112FF1}"/>
+              </a:ext>
+            </a:extLst>
+          </p:cNvPr>
+          <p:cNvSpPr txBox="1"/>
+          <p:nvPr/>
+        </p:nvSpPr>
+        <p:spPr>
+          <a:xfrm>
+            <a:off x="7372352" y="6079733"/>
+            <a:ext cx="7272336" cy="492443"/>
+          </a:xfrm>
+          <a:prstGeom prst="rect">
+            <a:avLst/>
+          </a:prstGeom>
+          <a:noFill/>
+        </p:spPr>
+        <p:txBody>
+          <a:bodyPr wrap="square">
+            <a:spAutoFit/>
+          </a:bodyPr>
+          <a:lstStyle/>
+          <a:p>
+            <a:r>
+              <a:rPr lang="it-IT" sz="2600" dirty="0"/>
+              <a:t>6.9 </a:t>
+            </a:r>
+            <a:r>
+              <a:rPr lang="it-IT" sz="2600" dirty="0" err="1"/>
+              <a:t>Months</a:t>
+            </a:r>
+            <a:endParaRPr lang="en-US" sz="2600" dirty="0"/>
+          </a:p>
+        </p:txBody>
+      </p:sp>
+      <p:sp>
+        <p:nvSpPr>
+          <p:cNvPr id="15" name="TextBox 14">
+            <a:extLst>
+              <a:ext uri="{FF2B5EF4-FFF2-40B4-BE49-F238E27FC236}">
+                <a16:creationId xmlns:a16="http://schemas.microsoft.com/office/drawing/2014/main" id="{86C973A2-CAE6-502B-B850-B838F883D887}"/>
+              </a:ext>
+            </a:extLst>
+          </p:cNvPr>
+          <p:cNvSpPr txBox="1"/>
+          <p:nvPr/>
+        </p:nvSpPr>
+        <p:spPr>
+          <a:xfrm>
+            <a:off x="8760086" y="5476896"/>
+            <a:ext cx="2787123" cy="492443"/>
+          </a:xfrm>
+          <a:prstGeom prst="rect">
+            <a:avLst/>
+          </a:prstGeom>
+          <a:noFill/>
+        </p:spPr>
+        <p:txBody>
+          <a:bodyPr wrap="square">
+            <a:spAutoFit/>
+          </a:bodyPr>
+          <a:lstStyle/>
+          <a:p>
+            <a:pPr marR="0" lvl="0" algn="l" rtl="0">
+              <a:spcBef>
+                <a:spcPts val="0"/>
+              </a:spcBef>
+              <a:spcAft>
+                <a:spcPts val="0"/>
+              </a:spcAft>
+              <a:buSzPts val="2600"/>
+            </a:pPr>
+            <a:r>
+              <a:rPr lang="en-US" sz="2600" dirty="0">
+                <a:latin typeface="Calibri"/>
+                <a:ea typeface="Calibri"/>
+                <a:cs typeface="Calibri"/>
+                <a:sym typeface="Calibri"/>
+              </a:rPr>
+              <a:t>Real </a:t>
+            </a:r>
+            <a:r>
+              <a:rPr lang="en-US" sz="2600" dirty="0" err="1">
+                <a:latin typeface="Calibri"/>
+                <a:ea typeface="Calibri"/>
+                <a:cs typeface="Calibri"/>
+                <a:sym typeface="Calibri"/>
+              </a:rPr>
+              <a:t>SLOC</a:t>
+            </a:r>
+            <a:r>
+              <a:rPr lang="en-US" sz="2600" dirty="0">
+                <a:latin typeface="Calibri"/>
+                <a:ea typeface="Calibri"/>
+                <a:cs typeface="Calibri"/>
+                <a:sym typeface="Calibri"/>
+              </a:rPr>
+              <a:t> = 4812 </a:t>
+            </a:r>
+          </a:p>
+        </p:txBody>
+      </p:sp>
     </p:spTree>
     <p:extLst>
       <p:ext uri="{BB962C8B-B14F-4D97-AF65-F5344CB8AC3E}">
@@ -7476,6 +11693,1600 @@
 <file path=ppt/slides/slide5.xml><?xml version="1.0" encoding="utf-8"?>
 <p:sld xmlns:a="http://schemas.openxmlformats.org/drawingml/2006/main" xmlns:r="http://schemas.openxmlformats.org/officeDocument/2006/relationships" xmlns:p="http://schemas.openxmlformats.org/presentationml/2006/main">
   <p:cSld>
+    <p:bg>
+      <p:bgPr>
+        <a:solidFill>
+          <a:schemeClr val="bg1"/>
+        </a:solidFill>
+        <a:effectLst/>
+      </p:bgPr>
+    </p:bg>
+    <p:spTree>
+      <p:nvGrpSpPr>
+        <p:cNvPr id="1" name="">
+          <a:extLst>
+            <a:ext uri="{FF2B5EF4-FFF2-40B4-BE49-F238E27FC236}">
+              <a16:creationId xmlns:a16="http://schemas.microsoft.com/office/drawing/2014/main" id="{5164359D-9425-2D0E-0814-660175B02835}"/>
+            </a:ext>
+          </a:extLst>
+        </p:cNvPr>
+        <p:cNvGrpSpPr/>
+        <p:nvPr/>
+      </p:nvGrpSpPr>
+      <p:grpSpPr>
+        <a:xfrm>
+          <a:off x="0" y="0"/>
+          <a:ext cx="0" cy="0"/>
+          <a:chOff x="0" y="0"/>
+          <a:chExt cx="0" cy="0"/>
+        </a:xfrm>
+      </p:grpSpPr>
+      <p:sp useBgFill="1">
+        <p:nvSpPr>
+          <p:cNvPr id="8" name="Rectangle 7">
+            <a:extLst>
+              <a:ext uri="{FF2B5EF4-FFF2-40B4-BE49-F238E27FC236}">
+                <a16:creationId xmlns:a16="http://schemas.microsoft.com/office/drawing/2014/main" id="{7DB84BE3-6F07-51D9-8253-944B19A6717B}"/>
+              </a:ext>
+              <a:ext uri="{C183D7F6-B498-43B3-948B-1728B52AA6E4}">
+                <adec:decorative xmlns:adec="http://schemas.microsoft.com/office/drawing/2017/decorative" val="1"/>
+              </a:ext>
+            </a:extLst>
+          </p:cNvPr>
+          <p:cNvSpPr>
+            <a:spLocks noGrp="1" noRot="1" noChangeAspect="1" noMove="1" noResize="1" noEditPoints="1" noAdjustHandles="1" noChangeArrowheads="1" noChangeShapeType="1" noTextEdit="1"/>
+          </p:cNvSpPr>
+          <p:nvPr>
+            <p:extLst>
+              <p:ext uri="{386F3935-93C4-4BCD-93E2-E3B085C9AB24}">
+                <p16:designElem xmlns:p16="http://schemas.microsoft.com/office/powerpoint/2015/main" val="1"/>
+              </p:ext>
+            </p:extLst>
+          </p:nvPr>
+        </p:nvSpPr>
+        <p:spPr>
+          <a:xfrm>
+            <a:off x="0" y="0"/>
+            <a:ext cx="12192000" cy="6858000"/>
+          </a:xfrm>
+          <a:prstGeom prst="rect">
+            <a:avLst/>
+          </a:prstGeom>
+          <a:ln w="12700" cap="flat" cmpd="sng" algn="ctr">
+            <a:noFill/>
+            <a:prstDash val="solid"/>
+            <a:miter lim="800000"/>
+          </a:ln>
+          <a:effectLst/>
+          <a:extLst>
+            <a:ext uri="{91240B29-F687-4F45-9708-019B960494DF}">
+              <a14:hiddenLine xmlns:a14="http://schemas.microsoft.com/office/drawing/2010/main" w="12700" cap="flat" cmpd="sng" algn="ctr">
+                <a:solidFill>
+                  <a:schemeClr val="accent1">
+                    <a:shade val="50000"/>
+                  </a:schemeClr>
+                </a:solidFill>
+                <a:prstDash val="solid"/>
+                <a:miter lim="800000"/>
+              </a14:hiddenLine>
+            </a:ext>
+          </a:extLst>
+        </p:spPr>
+        <p:style>
+          <a:lnRef idx="2">
+            <a:schemeClr val="accent1">
+              <a:shade val="50000"/>
+            </a:schemeClr>
+          </a:lnRef>
+          <a:fillRef idx="1">
+            <a:schemeClr val="accent1"/>
+          </a:fillRef>
+          <a:effectRef idx="0">
+            <a:schemeClr val="accent1"/>
+          </a:effectRef>
+          <a:fontRef idx="minor">
+            <a:schemeClr val="lt1"/>
+          </a:fontRef>
+        </p:style>
+        <p:txBody>
+          <a:bodyPr rtlCol="0" anchor="ctr"/>
+          <a:lstStyle/>
+          <a:p>
+            <a:pPr marL="0" marR="0" lvl="0" indent="0" algn="ctr" defTabSz="914400" rtl="0" eaLnBrk="1" fontAlgn="auto" latinLnBrk="0" hangingPunct="1">
+              <a:lnSpc>
+                <a:spcPct val="100000"/>
+              </a:lnSpc>
+              <a:spcBef>
+                <a:spcPts val="0"/>
+              </a:spcBef>
+              <a:spcAft>
+                <a:spcPts val="0"/>
+              </a:spcAft>
+              <a:buClrTx/>
+              <a:buSzTx/>
+              <a:buFontTx/>
+              <a:buNone/>
+              <a:tabLst/>
+              <a:defRPr/>
+            </a:pPr>
+            <a:endParaRPr kumimoji="0" lang="en-US" sz="1800" b="0" i="0" u="none" strike="noStrike" kern="1200" cap="none" spc="0" normalizeH="0" baseline="0" noProof="0">
+              <a:ln>
+                <a:noFill/>
+              </a:ln>
+              <a:solidFill>
+                <a:prstClr val="white"/>
+              </a:solidFill>
+              <a:effectLst/>
+              <a:uLnTx/>
+              <a:uFillTx/>
+              <a:latin typeface="Calibri" panose="020F0502020204030204"/>
+              <a:ea typeface="+mn-ea"/>
+              <a:cs typeface="+mn-cs"/>
+            </a:endParaRPr>
+          </a:p>
+        </p:txBody>
+      </p:sp>
+      <p:sp>
+        <p:nvSpPr>
+          <p:cNvPr id="10" name="Rectangle 9">
+            <a:extLst>
+              <a:ext uri="{FF2B5EF4-FFF2-40B4-BE49-F238E27FC236}">
+                <a16:creationId xmlns:a16="http://schemas.microsoft.com/office/drawing/2014/main" id="{B9B7A895-8656-6802-7672-76406ECFDF35}"/>
+              </a:ext>
+              <a:ext uri="{C183D7F6-B498-43B3-948B-1728B52AA6E4}">
+                <adec:decorative xmlns:adec="http://schemas.microsoft.com/office/drawing/2017/decorative" val="1"/>
+              </a:ext>
+            </a:extLst>
+          </p:cNvPr>
+          <p:cNvSpPr>
+            <a:spLocks noGrp="1" noRot="1" noChangeAspect="1" noMove="1" noResize="1" noEditPoints="1" noAdjustHandles="1" noChangeArrowheads="1" noChangeShapeType="1" noTextEdit="1"/>
+          </p:cNvSpPr>
+          <p:nvPr>
+            <p:extLst>
+              <p:ext uri="{386F3935-93C4-4BCD-93E2-E3B085C9AB24}">
+                <p16:designElem xmlns:p16="http://schemas.microsoft.com/office/powerpoint/2015/main" val="1"/>
+              </p:ext>
+            </p:extLst>
+          </p:nvPr>
+        </p:nvSpPr>
+        <p:spPr>
+          <a:xfrm flipH="1">
+            <a:off x="-1" y="-1"/>
+            <a:ext cx="12191998" cy="1590742"/>
+          </a:xfrm>
+          <a:prstGeom prst="rect">
+            <a:avLst/>
+          </a:prstGeom>
+          <a:gradFill>
+            <a:gsLst>
+              <a:gs pos="0">
+                <a:srgbClr val="000000"/>
+              </a:gs>
+              <a:gs pos="100000">
+                <a:schemeClr val="accent1">
+                  <a:lumMod val="75000"/>
+                </a:schemeClr>
+              </a:gs>
+            </a:gsLst>
+            <a:lin ang="8400000" scaled="0"/>
+          </a:gradFill>
+          <a:ln>
+            <a:noFill/>
+          </a:ln>
+        </p:spPr>
+        <p:style>
+          <a:lnRef idx="2">
+            <a:schemeClr val="accent1">
+              <a:shade val="50000"/>
+            </a:schemeClr>
+          </a:lnRef>
+          <a:fillRef idx="1">
+            <a:schemeClr val="accent1"/>
+          </a:fillRef>
+          <a:effectRef idx="0">
+            <a:schemeClr val="accent1"/>
+          </a:effectRef>
+          <a:fontRef idx="minor">
+            <a:schemeClr val="lt1"/>
+          </a:fontRef>
+        </p:style>
+        <p:txBody>
+          <a:bodyPr rtlCol="0" anchor="ctr"/>
+          <a:lstStyle/>
+          <a:p>
+            <a:pPr marL="0" marR="0" lvl="0" indent="0" algn="ctr" defTabSz="914400" rtl="0" eaLnBrk="1" fontAlgn="auto" latinLnBrk="0" hangingPunct="1">
+              <a:lnSpc>
+                <a:spcPct val="100000"/>
+              </a:lnSpc>
+              <a:spcBef>
+                <a:spcPts val="0"/>
+              </a:spcBef>
+              <a:spcAft>
+                <a:spcPts val="0"/>
+              </a:spcAft>
+              <a:buClrTx/>
+              <a:buSzTx/>
+              <a:buFontTx/>
+              <a:buNone/>
+              <a:tabLst/>
+              <a:defRPr/>
+            </a:pPr>
+            <a:endParaRPr kumimoji="0" lang="en-US" sz="1800" b="0" i="0" u="none" strike="noStrike" kern="1200" cap="none" spc="0" normalizeH="0" baseline="0" noProof="0">
+              <a:ln>
+                <a:noFill/>
+              </a:ln>
+              <a:solidFill>
+                <a:prstClr val="white"/>
+              </a:solidFill>
+              <a:effectLst/>
+              <a:uLnTx/>
+              <a:uFillTx/>
+              <a:latin typeface="Calibri" panose="020F0502020204030204"/>
+              <a:ea typeface="+mn-ea"/>
+              <a:cs typeface="+mn-cs"/>
+            </a:endParaRPr>
+          </a:p>
+        </p:txBody>
+      </p:sp>
+      <p:sp>
+        <p:nvSpPr>
+          <p:cNvPr id="12" name="Rectangle 11">
+            <a:extLst>
+              <a:ext uri="{FF2B5EF4-FFF2-40B4-BE49-F238E27FC236}">
+                <a16:creationId xmlns:a16="http://schemas.microsoft.com/office/drawing/2014/main" id="{F91ABC4B-BB92-81D8-B73E-C709A19CA741}"/>
+              </a:ext>
+              <a:ext uri="{C183D7F6-B498-43B3-948B-1728B52AA6E4}">
+                <adec:decorative xmlns:adec="http://schemas.microsoft.com/office/drawing/2017/decorative" val="1"/>
+              </a:ext>
+            </a:extLst>
+          </p:cNvPr>
+          <p:cNvSpPr>
+            <a:spLocks noGrp="1" noRot="1" noChangeAspect="1" noMove="1" noResize="1" noEditPoints="1" noAdjustHandles="1" noChangeArrowheads="1" noChangeShapeType="1" noTextEdit="1"/>
+          </p:cNvSpPr>
+          <p:nvPr>
+            <p:extLst>
+              <p:ext uri="{386F3935-93C4-4BCD-93E2-E3B085C9AB24}">
+                <p16:designElem xmlns:p16="http://schemas.microsoft.com/office/powerpoint/2015/main" val="1"/>
+              </p:ext>
+            </p:extLst>
+          </p:nvPr>
+        </p:nvSpPr>
+        <p:spPr>
+          <a:xfrm rot="10800000" flipH="1">
+            <a:off x="-3" y="0"/>
+            <a:ext cx="8115306" cy="1590742"/>
+          </a:xfrm>
+          <a:prstGeom prst="rect">
+            <a:avLst/>
+          </a:prstGeom>
+          <a:gradFill>
+            <a:gsLst>
+              <a:gs pos="20000">
+                <a:schemeClr val="accent1">
+                  <a:alpha val="0"/>
+                </a:schemeClr>
+              </a:gs>
+              <a:gs pos="100000">
+                <a:schemeClr val="accent1">
+                  <a:lumMod val="50000"/>
+                  <a:alpha val="55000"/>
+                </a:schemeClr>
+              </a:gs>
+            </a:gsLst>
+            <a:lin ang="13800000" scaled="0"/>
+          </a:gradFill>
+          <a:ln>
+            <a:noFill/>
+          </a:ln>
+        </p:spPr>
+        <p:style>
+          <a:lnRef idx="2">
+            <a:schemeClr val="accent1">
+              <a:shade val="50000"/>
+            </a:schemeClr>
+          </a:lnRef>
+          <a:fillRef idx="1">
+            <a:schemeClr val="accent1"/>
+          </a:fillRef>
+          <a:effectRef idx="0">
+            <a:schemeClr val="accent1"/>
+          </a:effectRef>
+          <a:fontRef idx="minor">
+            <a:schemeClr val="lt1"/>
+          </a:fontRef>
+        </p:style>
+        <p:txBody>
+          <a:bodyPr rtlCol="0" anchor="ctr"/>
+          <a:lstStyle/>
+          <a:p>
+            <a:pPr marL="0" marR="0" lvl="0" indent="0" algn="ctr" defTabSz="914400" rtl="0" eaLnBrk="1" fontAlgn="auto" latinLnBrk="0" hangingPunct="1">
+              <a:lnSpc>
+                <a:spcPct val="100000"/>
+              </a:lnSpc>
+              <a:spcBef>
+                <a:spcPts val="0"/>
+              </a:spcBef>
+              <a:spcAft>
+                <a:spcPts val="0"/>
+              </a:spcAft>
+              <a:buClrTx/>
+              <a:buSzTx/>
+              <a:buFontTx/>
+              <a:buNone/>
+              <a:tabLst/>
+              <a:defRPr/>
+            </a:pPr>
+            <a:endParaRPr kumimoji="0" lang="en-US" sz="1800" b="0" i="0" u="none" strike="noStrike" kern="1200" cap="none" spc="0" normalizeH="0" baseline="0" noProof="0">
+              <a:ln>
+                <a:noFill/>
+              </a:ln>
+              <a:solidFill>
+                <a:prstClr val="white"/>
+              </a:solidFill>
+              <a:effectLst/>
+              <a:uLnTx/>
+              <a:uFillTx/>
+              <a:latin typeface="Calibri" panose="020F0502020204030204"/>
+              <a:ea typeface="+mn-ea"/>
+              <a:cs typeface="+mn-cs"/>
+            </a:endParaRPr>
+          </a:p>
+        </p:txBody>
+      </p:sp>
+      <p:sp>
+        <p:nvSpPr>
+          <p:cNvPr id="14" name="Rectangle 13">
+            <a:extLst>
+              <a:ext uri="{FF2B5EF4-FFF2-40B4-BE49-F238E27FC236}">
+                <a16:creationId xmlns:a16="http://schemas.microsoft.com/office/drawing/2014/main" id="{6A26593E-C155-252F-FF71-F0B2C093E64D}"/>
+              </a:ext>
+              <a:ext uri="{C183D7F6-B498-43B3-948B-1728B52AA6E4}">
+                <adec:decorative xmlns:adec="http://schemas.microsoft.com/office/drawing/2017/decorative" val="1"/>
+              </a:ext>
+            </a:extLst>
+          </p:cNvPr>
+          <p:cNvSpPr>
+            <a:spLocks noGrp="1" noRot="1" noChangeAspect="1" noMove="1" noResize="1" noEditPoints="1" noAdjustHandles="1" noChangeArrowheads="1" noChangeShapeType="1" noTextEdit="1"/>
+          </p:cNvSpPr>
+          <p:nvPr>
+            <p:extLst>
+              <p:ext uri="{386F3935-93C4-4BCD-93E2-E3B085C9AB24}">
+                <p16:designElem xmlns:p16="http://schemas.microsoft.com/office/powerpoint/2015/main" val="1"/>
+              </p:ext>
+            </p:extLst>
+          </p:nvPr>
+        </p:nvSpPr>
+        <p:spPr>
+          <a:xfrm flipH="1">
+            <a:off x="8115299" y="-1"/>
+            <a:ext cx="4076698" cy="1590742"/>
+          </a:xfrm>
+          <a:prstGeom prst="rect">
+            <a:avLst/>
+          </a:prstGeom>
+          <a:gradFill>
+            <a:gsLst>
+              <a:gs pos="0">
+                <a:schemeClr val="accent1">
+                  <a:alpha val="66000"/>
+                </a:schemeClr>
+              </a:gs>
+              <a:gs pos="100000">
+                <a:srgbClr val="000000">
+                  <a:alpha val="30000"/>
+                </a:srgbClr>
+              </a:gs>
+            </a:gsLst>
+            <a:lin ang="13200000" scaled="0"/>
+          </a:gradFill>
+          <a:ln>
+            <a:noFill/>
+          </a:ln>
+        </p:spPr>
+        <p:style>
+          <a:lnRef idx="2">
+            <a:schemeClr val="accent1">
+              <a:shade val="50000"/>
+            </a:schemeClr>
+          </a:lnRef>
+          <a:fillRef idx="1">
+            <a:schemeClr val="accent1"/>
+          </a:fillRef>
+          <a:effectRef idx="0">
+            <a:schemeClr val="accent1"/>
+          </a:effectRef>
+          <a:fontRef idx="minor">
+            <a:schemeClr val="lt1"/>
+          </a:fontRef>
+        </p:style>
+        <p:txBody>
+          <a:bodyPr rtlCol="0" anchor="ctr"/>
+          <a:lstStyle/>
+          <a:p>
+            <a:pPr marL="0" marR="0" lvl="0" indent="0" algn="ctr" defTabSz="914400" rtl="0" eaLnBrk="1" fontAlgn="auto" latinLnBrk="0" hangingPunct="1">
+              <a:lnSpc>
+                <a:spcPct val="100000"/>
+              </a:lnSpc>
+              <a:spcBef>
+                <a:spcPts val="0"/>
+              </a:spcBef>
+              <a:spcAft>
+                <a:spcPts val="0"/>
+              </a:spcAft>
+              <a:buClrTx/>
+              <a:buSzTx/>
+              <a:buFontTx/>
+              <a:buNone/>
+              <a:tabLst/>
+              <a:defRPr/>
+            </a:pPr>
+            <a:endParaRPr kumimoji="0" lang="en-US" sz="1800" b="0" i="0" u="none" strike="noStrike" kern="1200" cap="none" spc="0" normalizeH="0" baseline="0" noProof="0">
+              <a:ln>
+                <a:noFill/>
+              </a:ln>
+              <a:solidFill>
+                <a:prstClr val="white"/>
+              </a:solidFill>
+              <a:effectLst/>
+              <a:uLnTx/>
+              <a:uFillTx/>
+              <a:latin typeface="Calibri" panose="020F0502020204030204"/>
+              <a:ea typeface="+mn-ea"/>
+              <a:cs typeface="+mn-cs"/>
+            </a:endParaRPr>
+          </a:p>
+        </p:txBody>
+      </p:sp>
+      <p:sp>
+        <p:nvSpPr>
+          <p:cNvPr id="16" name="Rectangle 15">
+            <a:extLst>
+              <a:ext uri="{FF2B5EF4-FFF2-40B4-BE49-F238E27FC236}">
+                <a16:creationId xmlns:a16="http://schemas.microsoft.com/office/drawing/2014/main" id="{40FA5C4B-B088-35A0-DCCA-54B74395554A}"/>
+              </a:ext>
+              <a:ext uri="{C183D7F6-B498-43B3-948B-1728B52AA6E4}">
+                <adec:decorative xmlns:adec="http://schemas.microsoft.com/office/drawing/2017/decorative" val="1"/>
+              </a:ext>
+            </a:extLst>
+          </p:cNvPr>
+          <p:cNvSpPr>
+            <a:spLocks noGrp="1" noRot="1" noChangeAspect="1" noMove="1" noResize="1" noEditPoints="1" noAdjustHandles="1" noChangeArrowheads="1" noChangeShapeType="1" noTextEdit="1"/>
+          </p:cNvSpPr>
+          <p:nvPr>
+            <p:extLst>
+              <p:ext uri="{386F3935-93C4-4BCD-93E2-E3B085C9AB24}">
+                <p16:designElem xmlns:p16="http://schemas.microsoft.com/office/powerpoint/2015/main" val="1"/>
+              </p:ext>
+            </p:extLst>
+          </p:nvPr>
+        </p:nvSpPr>
+        <p:spPr>
+          <a:xfrm>
+            <a:off x="459350" y="-1"/>
+            <a:ext cx="11732646" cy="1597433"/>
+          </a:xfrm>
+          <a:prstGeom prst="rect">
+            <a:avLst/>
+          </a:prstGeom>
+          <a:gradFill>
+            <a:gsLst>
+              <a:gs pos="50000">
+                <a:srgbClr val="000000">
+                  <a:alpha val="0"/>
+                </a:srgbClr>
+              </a:gs>
+              <a:gs pos="99000">
+                <a:schemeClr val="accent1">
+                  <a:lumMod val="50000"/>
+                  <a:alpha val="52000"/>
+                </a:schemeClr>
+              </a:gs>
+            </a:gsLst>
+            <a:lin ang="16800000" scaled="0"/>
+          </a:gradFill>
+          <a:ln>
+            <a:noFill/>
+          </a:ln>
+        </p:spPr>
+        <p:style>
+          <a:lnRef idx="2">
+            <a:schemeClr val="accent1">
+              <a:shade val="50000"/>
+            </a:schemeClr>
+          </a:lnRef>
+          <a:fillRef idx="1">
+            <a:schemeClr val="accent1"/>
+          </a:fillRef>
+          <a:effectRef idx="0">
+            <a:schemeClr val="accent1"/>
+          </a:effectRef>
+          <a:fontRef idx="minor">
+            <a:schemeClr val="lt1"/>
+          </a:fontRef>
+        </p:style>
+        <p:txBody>
+          <a:bodyPr rtlCol="0" anchor="ctr"/>
+          <a:lstStyle/>
+          <a:p>
+            <a:pPr marL="0" marR="0" lvl="0" indent="0" algn="ctr" defTabSz="914400" rtl="0" eaLnBrk="1" fontAlgn="auto" latinLnBrk="0" hangingPunct="1">
+              <a:lnSpc>
+                <a:spcPct val="100000"/>
+              </a:lnSpc>
+              <a:spcBef>
+                <a:spcPts val="0"/>
+              </a:spcBef>
+              <a:spcAft>
+                <a:spcPts val="0"/>
+              </a:spcAft>
+              <a:buClrTx/>
+              <a:buSzTx/>
+              <a:buFontTx/>
+              <a:buNone/>
+              <a:tabLst/>
+              <a:defRPr/>
+            </a:pPr>
+            <a:endParaRPr kumimoji="0" lang="en-US" sz="1800" b="0" i="0" u="none" strike="noStrike" kern="1200" cap="none" spc="0" normalizeH="0" baseline="0" noProof="0">
+              <a:ln>
+                <a:noFill/>
+              </a:ln>
+              <a:solidFill>
+                <a:prstClr val="white"/>
+              </a:solidFill>
+              <a:effectLst/>
+              <a:uLnTx/>
+              <a:uFillTx/>
+              <a:latin typeface="Calibri" panose="020F0502020204030204"/>
+              <a:ea typeface="+mn-ea"/>
+              <a:cs typeface="+mn-cs"/>
+            </a:endParaRPr>
+          </a:p>
+        </p:txBody>
+      </p:sp>
+      <p:sp>
+        <p:nvSpPr>
+          <p:cNvPr id="2" name="Title 1">
+            <a:extLst>
+              <a:ext uri="{FF2B5EF4-FFF2-40B4-BE49-F238E27FC236}">
+                <a16:creationId xmlns:a16="http://schemas.microsoft.com/office/drawing/2014/main" id="{CDC1DE49-F7CD-AF4C-CF2F-F05821BDC1CB}"/>
+              </a:ext>
+            </a:extLst>
+          </p:cNvPr>
+          <p:cNvSpPr>
+            <a:spLocks noGrp="1"/>
+          </p:cNvSpPr>
+          <p:nvPr>
+            <p:ph type="title"/>
+          </p:nvPr>
+        </p:nvSpPr>
+        <p:spPr>
+          <a:xfrm>
+            <a:off x="459346" y="278535"/>
+            <a:ext cx="9895951" cy="1033669"/>
+          </a:xfrm>
+        </p:spPr>
+        <p:txBody>
+          <a:bodyPr>
+            <a:normAutofit/>
+          </a:bodyPr>
+          <a:lstStyle/>
+          <a:p>
+            <a:r>
+              <a:rPr lang="it-IT" sz="6000" b="1" dirty="0" err="1">
+                <a:solidFill>
+                  <a:srgbClr val="FFFFFF"/>
+                </a:solidFill>
+              </a:rPr>
+              <a:t>Scrum</a:t>
+            </a:r>
+            <a:r>
+              <a:rPr lang="it-IT" sz="6000" b="1" dirty="0">
+                <a:solidFill>
+                  <a:srgbClr val="FFFFFF"/>
+                </a:solidFill>
+              </a:rPr>
+              <a:t> Sprint Planning</a:t>
+            </a:r>
+          </a:p>
+        </p:txBody>
+      </p:sp>
+      <p:pic>
+        <p:nvPicPr>
+          <p:cNvPr id="6" name="Picture 5" descr="A table of work in progress&#10;&#10;Description automatically generated with medium confidence">
+            <a:extLst>
+              <a:ext uri="{FF2B5EF4-FFF2-40B4-BE49-F238E27FC236}">
+                <a16:creationId xmlns:a16="http://schemas.microsoft.com/office/drawing/2014/main" id="{F4F04946-97F8-2283-E39A-B18D3FC4B3E9}"/>
+              </a:ext>
+            </a:extLst>
+          </p:cNvPr>
+          <p:cNvPicPr>
+            <a:picLocks noChangeAspect="1"/>
+          </p:cNvPicPr>
+          <p:nvPr/>
+        </p:nvPicPr>
+        <p:blipFill>
+          <a:blip r:embed="rId2">
+            <a:extLst>
+              <a:ext uri="{28A0092B-C50C-407E-A947-70E740481C1C}">
+                <a14:useLocalDpi xmlns:a14="http://schemas.microsoft.com/office/drawing/2010/main" val="0"/>
+              </a:ext>
+            </a:extLst>
+          </a:blip>
+          <a:stretch>
+            <a:fillRect/>
+          </a:stretch>
+        </p:blipFill>
+        <p:spPr>
+          <a:xfrm>
+            <a:off x="459346" y="1674090"/>
+            <a:ext cx="3970695" cy="3832583"/>
+          </a:xfrm>
+          <a:prstGeom prst="rect">
+            <a:avLst/>
+          </a:prstGeom>
+        </p:spPr>
+      </p:pic>
+      <p:pic>
+        <p:nvPicPr>
+          <p:cNvPr id="11" name="Picture 10" descr="A table with text on it&#10;&#10;Description automatically generated">
+            <a:extLst>
+              <a:ext uri="{FF2B5EF4-FFF2-40B4-BE49-F238E27FC236}">
+                <a16:creationId xmlns:a16="http://schemas.microsoft.com/office/drawing/2014/main" id="{F8731382-2B99-DE82-9BE1-09BA9787D4D3}"/>
+              </a:ext>
+            </a:extLst>
+          </p:cNvPr>
+          <p:cNvPicPr>
+            <a:picLocks noChangeAspect="1"/>
+          </p:cNvPicPr>
+          <p:nvPr/>
+        </p:nvPicPr>
+        <p:blipFill>
+          <a:blip r:embed="rId3">
+            <a:extLst>
+              <a:ext uri="{28A0092B-C50C-407E-A947-70E740481C1C}">
+                <a14:useLocalDpi xmlns:a14="http://schemas.microsoft.com/office/drawing/2010/main" val="0"/>
+              </a:ext>
+            </a:extLst>
+          </a:blip>
+          <a:stretch>
+            <a:fillRect/>
+          </a:stretch>
+        </p:blipFill>
+        <p:spPr>
+          <a:xfrm>
+            <a:off x="4859167" y="1674090"/>
+            <a:ext cx="6684055" cy="3770742"/>
+          </a:xfrm>
+          <a:prstGeom prst="rect">
+            <a:avLst/>
+          </a:prstGeom>
+        </p:spPr>
+      </p:pic>
+      <p:sp>
+        <p:nvSpPr>
+          <p:cNvPr id="15" name="TextBox 14">
+            <a:extLst>
+              <a:ext uri="{FF2B5EF4-FFF2-40B4-BE49-F238E27FC236}">
+                <a16:creationId xmlns:a16="http://schemas.microsoft.com/office/drawing/2014/main" id="{A847582B-E68B-F790-1464-1A313BA400E1}"/>
+              </a:ext>
+            </a:extLst>
+          </p:cNvPr>
+          <p:cNvSpPr txBox="1"/>
+          <p:nvPr/>
+        </p:nvSpPr>
+        <p:spPr>
+          <a:xfrm>
+            <a:off x="3347357" y="5665604"/>
+            <a:ext cx="1420585" cy="400110"/>
+          </a:xfrm>
+          <a:prstGeom prst="rect">
+            <a:avLst/>
+          </a:prstGeom>
+          <a:noFill/>
+        </p:spPr>
+        <p:txBody>
+          <a:bodyPr wrap="square">
+            <a:spAutoFit/>
+          </a:bodyPr>
+          <a:lstStyle/>
+          <a:p>
+            <a:r>
+              <a:rPr lang="it-IT" sz="2000" dirty="0"/>
+              <a:t>5 </a:t>
+            </a:r>
+            <a:r>
+              <a:rPr lang="it-IT" sz="2000" dirty="0" err="1"/>
+              <a:t>Sprints</a:t>
+            </a:r>
+            <a:endParaRPr lang="it-IT" sz="2000" dirty="0"/>
+          </a:p>
+        </p:txBody>
+      </p:sp>
+      <p:sp>
+        <p:nvSpPr>
+          <p:cNvPr id="18" name="TextBox 17">
+            <a:extLst>
+              <a:ext uri="{FF2B5EF4-FFF2-40B4-BE49-F238E27FC236}">
+                <a16:creationId xmlns:a16="http://schemas.microsoft.com/office/drawing/2014/main" id="{589A0116-1F8C-3C50-615F-58CC4558ECA4}"/>
+              </a:ext>
+            </a:extLst>
+          </p:cNvPr>
+          <p:cNvSpPr txBox="1"/>
+          <p:nvPr/>
+        </p:nvSpPr>
+        <p:spPr>
+          <a:xfrm>
+            <a:off x="7580450" y="5650767"/>
+            <a:ext cx="1597867" cy="400110"/>
+          </a:xfrm>
+          <a:prstGeom prst="rect">
+            <a:avLst/>
+          </a:prstGeom>
+          <a:noFill/>
+        </p:spPr>
+        <p:txBody>
+          <a:bodyPr wrap="square">
+            <a:spAutoFit/>
+          </a:bodyPr>
+          <a:lstStyle/>
+          <a:p>
+            <a:r>
+              <a:rPr lang="it-IT" sz="2000" dirty="0"/>
+              <a:t>60 Days</a:t>
+            </a:r>
+          </a:p>
+        </p:txBody>
+      </p:sp>
+      <p:sp>
+        <p:nvSpPr>
+          <p:cNvPr id="20" name="TextBox 19">
+            <a:extLst>
+              <a:ext uri="{FF2B5EF4-FFF2-40B4-BE49-F238E27FC236}">
+                <a16:creationId xmlns:a16="http://schemas.microsoft.com/office/drawing/2014/main" id="{8952DFF6-E1FD-9BD6-0505-1239342B570B}"/>
+              </a:ext>
+            </a:extLst>
+          </p:cNvPr>
+          <p:cNvSpPr txBox="1"/>
+          <p:nvPr/>
+        </p:nvSpPr>
+        <p:spPr>
+          <a:xfrm>
+            <a:off x="4856103" y="6224645"/>
+            <a:ext cx="3331027" cy="400110"/>
+          </a:xfrm>
+          <a:prstGeom prst="rect">
+            <a:avLst/>
+          </a:prstGeom>
+          <a:noFill/>
+        </p:spPr>
+        <p:txBody>
+          <a:bodyPr wrap="square">
+            <a:spAutoFit/>
+          </a:bodyPr>
+          <a:lstStyle/>
+          <a:p>
+            <a:pPr marR="0" lvl="0" algn="l" rtl="0">
+              <a:spcBef>
+                <a:spcPts val="0"/>
+              </a:spcBef>
+              <a:spcAft>
+                <a:spcPts val="0"/>
+              </a:spcAft>
+              <a:buClr>
+                <a:srgbClr val="24292F"/>
+              </a:buClr>
+              <a:buSzPts val="2200"/>
+            </a:pPr>
+            <a:r>
+              <a:rPr lang="en-US" sz="2000" dirty="0">
+                <a:solidFill>
+                  <a:srgbClr val="24292F"/>
+                </a:solidFill>
+                <a:latin typeface="Calibri"/>
+                <a:ea typeface="Calibri"/>
+                <a:cs typeface="Calibri"/>
+                <a:sym typeface="Calibri"/>
+              </a:rPr>
+              <a:t>182</a:t>
+            </a:r>
+            <a:r>
+              <a:rPr lang="en-US" sz="2000" b="0" i="0" u="none" strike="noStrike" cap="none" dirty="0">
+                <a:solidFill>
+                  <a:srgbClr val="24292F"/>
+                </a:solidFill>
+                <a:latin typeface="Calibri"/>
+                <a:ea typeface="Calibri"/>
+                <a:cs typeface="Calibri"/>
+                <a:sym typeface="Calibri"/>
+              </a:rPr>
+              <a:t> Estimated Hours</a:t>
+            </a:r>
+            <a:endParaRPr lang="en-US" sz="2000" dirty="0"/>
+          </a:p>
+        </p:txBody>
+      </p:sp>
+      <p:sp>
+        <p:nvSpPr>
+          <p:cNvPr id="22" name="TextBox 21">
+            <a:extLst>
+              <a:ext uri="{FF2B5EF4-FFF2-40B4-BE49-F238E27FC236}">
+                <a16:creationId xmlns:a16="http://schemas.microsoft.com/office/drawing/2014/main" id="{03D75469-9B60-3999-254B-5C49FCC9ADED}"/>
+              </a:ext>
+            </a:extLst>
+          </p:cNvPr>
+          <p:cNvSpPr txBox="1"/>
+          <p:nvPr/>
+        </p:nvSpPr>
+        <p:spPr>
+          <a:xfrm>
+            <a:off x="228119" y="6224645"/>
+            <a:ext cx="4399865" cy="400110"/>
+          </a:xfrm>
+          <a:prstGeom prst="rect">
+            <a:avLst/>
+          </a:prstGeom>
+          <a:noFill/>
+        </p:spPr>
+        <p:txBody>
+          <a:bodyPr wrap="square">
+            <a:spAutoFit/>
+          </a:bodyPr>
+          <a:lstStyle/>
+          <a:p>
+            <a:pPr marR="0" lvl="0" algn="l" rtl="0">
+              <a:spcBef>
+                <a:spcPts val="0"/>
+              </a:spcBef>
+              <a:spcAft>
+                <a:spcPts val="0"/>
+              </a:spcAft>
+              <a:buClr>
+                <a:srgbClr val="24292F"/>
+              </a:buClr>
+              <a:buSzPts val="2200"/>
+            </a:pPr>
+            <a:r>
+              <a:rPr lang="en-US" sz="2000" b="0" i="0" u="none" strike="noStrike" cap="none" dirty="0">
+                <a:solidFill>
+                  <a:srgbClr val="24292F"/>
+                </a:solidFill>
+                <a:latin typeface="Calibri"/>
+                <a:ea typeface="Calibri"/>
+                <a:cs typeface="Calibri"/>
+                <a:sym typeface="Calibri"/>
+              </a:rPr>
+              <a:t>3.03 Avg Estimated Hours per Day</a:t>
+            </a:r>
+            <a:endParaRPr lang="en-US" sz="2000" b="0" i="0" u="none" strike="noStrike" cap="none" dirty="0">
+              <a:solidFill>
+                <a:schemeClr val="dk1"/>
+              </a:solidFill>
+              <a:latin typeface="Calibri"/>
+              <a:ea typeface="Calibri"/>
+              <a:cs typeface="Calibri"/>
+              <a:sym typeface="Calibri"/>
+            </a:endParaRPr>
+          </a:p>
+        </p:txBody>
+      </p:sp>
+      <p:sp>
+        <p:nvSpPr>
+          <p:cNvPr id="24" name="TextBox 23">
+            <a:extLst>
+              <a:ext uri="{FF2B5EF4-FFF2-40B4-BE49-F238E27FC236}">
+                <a16:creationId xmlns:a16="http://schemas.microsoft.com/office/drawing/2014/main" id="{96EAFE5A-44EB-1F16-3080-4F2052680D26}"/>
+              </a:ext>
+            </a:extLst>
+          </p:cNvPr>
+          <p:cNvSpPr txBox="1"/>
+          <p:nvPr/>
+        </p:nvSpPr>
+        <p:spPr>
+          <a:xfrm>
+            <a:off x="8774960" y="6169477"/>
+            <a:ext cx="2027755" cy="400110"/>
+          </a:xfrm>
+          <a:prstGeom prst="rect">
+            <a:avLst/>
+          </a:prstGeom>
+          <a:noFill/>
+        </p:spPr>
+        <p:txBody>
+          <a:bodyPr wrap="square">
+            <a:spAutoFit/>
+          </a:bodyPr>
+          <a:lstStyle/>
+          <a:p>
+            <a:pPr marR="0" lvl="0" algn="l" rtl="0">
+              <a:spcBef>
+                <a:spcPts val="0"/>
+              </a:spcBef>
+              <a:spcAft>
+                <a:spcPts val="0"/>
+              </a:spcAft>
+              <a:buClr>
+                <a:srgbClr val="24292F"/>
+              </a:buClr>
+              <a:buSzPts val="2200"/>
+            </a:pPr>
+            <a:r>
+              <a:rPr lang="en-US" sz="2000" b="0" i="0" u="none" strike="noStrike" cap="none" dirty="0">
+                <a:solidFill>
+                  <a:srgbClr val="24292F"/>
+                </a:solidFill>
+                <a:latin typeface="Calibri"/>
+                <a:ea typeface="Calibri"/>
+                <a:cs typeface="Calibri"/>
+                <a:sym typeface="Calibri"/>
+              </a:rPr>
+              <a:t>252 Total Hours</a:t>
+            </a:r>
+          </a:p>
+        </p:txBody>
+      </p:sp>
+    </p:spTree>
+    <p:extLst>
+      <p:ext uri="{BB962C8B-B14F-4D97-AF65-F5344CB8AC3E}">
+        <p14:creationId xmlns:p14="http://schemas.microsoft.com/office/powerpoint/2010/main" val="842839939"/>
+      </p:ext>
+    </p:extLst>
+  </p:cSld>
+  <p:clrMapOvr>
+    <a:masterClrMapping/>
+  </p:clrMapOvr>
+</p:sld>
+</file>
+
+<file path=ppt/slides/slide6.xml><?xml version="1.0" encoding="utf-8"?>
+<p:sld xmlns:a="http://schemas.openxmlformats.org/drawingml/2006/main" xmlns:r="http://schemas.openxmlformats.org/officeDocument/2006/relationships" xmlns:p="http://schemas.openxmlformats.org/presentationml/2006/main">
+  <p:cSld>
+    <p:bg>
+      <p:bgPr>
+        <a:solidFill>
+          <a:schemeClr val="bg1"/>
+        </a:solidFill>
+        <a:effectLst/>
+      </p:bgPr>
+    </p:bg>
+    <p:spTree>
+      <p:nvGrpSpPr>
+        <p:cNvPr id="1" name="">
+          <a:extLst>
+            <a:ext uri="{FF2B5EF4-FFF2-40B4-BE49-F238E27FC236}">
+              <a16:creationId xmlns:a16="http://schemas.microsoft.com/office/drawing/2014/main" id="{BDB9CBE9-A12F-CDCE-B9EE-C774D726ECE0}"/>
+            </a:ext>
+          </a:extLst>
+        </p:cNvPr>
+        <p:cNvGrpSpPr/>
+        <p:nvPr/>
+      </p:nvGrpSpPr>
+      <p:grpSpPr>
+        <a:xfrm>
+          <a:off x="0" y="0"/>
+          <a:ext cx="0" cy="0"/>
+          <a:chOff x="0" y="0"/>
+          <a:chExt cx="0" cy="0"/>
+        </a:xfrm>
+      </p:grpSpPr>
+      <p:sp useBgFill="1">
+        <p:nvSpPr>
+          <p:cNvPr id="8" name="Rectangle 7">
+            <a:extLst>
+              <a:ext uri="{FF2B5EF4-FFF2-40B4-BE49-F238E27FC236}">
+                <a16:creationId xmlns:a16="http://schemas.microsoft.com/office/drawing/2014/main" id="{5F7061E7-03E6-738D-A3D2-5BEA685A193D}"/>
+              </a:ext>
+              <a:ext uri="{C183D7F6-B498-43B3-948B-1728B52AA6E4}">
+                <adec:decorative xmlns:adec="http://schemas.microsoft.com/office/drawing/2017/decorative" val="1"/>
+              </a:ext>
+            </a:extLst>
+          </p:cNvPr>
+          <p:cNvSpPr>
+            <a:spLocks noGrp="1" noRot="1" noChangeAspect="1" noMove="1" noResize="1" noEditPoints="1" noAdjustHandles="1" noChangeArrowheads="1" noChangeShapeType="1" noTextEdit="1"/>
+          </p:cNvSpPr>
+          <p:nvPr>
+            <p:extLst>
+              <p:ext uri="{386F3935-93C4-4BCD-93E2-E3B085C9AB24}">
+                <p16:designElem xmlns:p16="http://schemas.microsoft.com/office/powerpoint/2015/main" val="1"/>
+              </p:ext>
+            </p:extLst>
+          </p:nvPr>
+        </p:nvSpPr>
+        <p:spPr>
+          <a:xfrm>
+            <a:off x="0" y="0"/>
+            <a:ext cx="12192000" cy="6858000"/>
+          </a:xfrm>
+          <a:prstGeom prst="rect">
+            <a:avLst/>
+          </a:prstGeom>
+          <a:ln w="12700" cap="flat" cmpd="sng" algn="ctr">
+            <a:noFill/>
+            <a:prstDash val="solid"/>
+            <a:miter lim="800000"/>
+          </a:ln>
+          <a:effectLst/>
+          <a:extLst>
+            <a:ext uri="{91240B29-F687-4F45-9708-019B960494DF}">
+              <a14:hiddenLine xmlns:a14="http://schemas.microsoft.com/office/drawing/2010/main" w="12700" cap="flat" cmpd="sng" algn="ctr">
+                <a:solidFill>
+                  <a:schemeClr val="accent1">
+                    <a:shade val="50000"/>
+                  </a:schemeClr>
+                </a:solidFill>
+                <a:prstDash val="solid"/>
+                <a:miter lim="800000"/>
+              </a14:hiddenLine>
+            </a:ext>
+          </a:extLst>
+        </p:spPr>
+        <p:style>
+          <a:lnRef idx="2">
+            <a:schemeClr val="accent1">
+              <a:shade val="50000"/>
+            </a:schemeClr>
+          </a:lnRef>
+          <a:fillRef idx="1">
+            <a:schemeClr val="accent1"/>
+          </a:fillRef>
+          <a:effectRef idx="0">
+            <a:schemeClr val="accent1"/>
+          </a:effectRef>
+          <a:fontRef idx="minor">
+            <a:schemeClr val="lt1"/>
+          </a:fontRef>
+        </p:style>
+        <p:txBody>
+          <a:bodyPr rtlCol="0" anchor="ctr"/>
+          <a:lstStyle/>
+          <a:p>
+            <a:pPr marL="0" marR="0" lvl="0" indent="0" algn="ctr" defTabSz="914400" rtl="0" eaLnBrk="1" fontAlgn="auto" latinLnBrk="0" hangingPunct="1">
+              <a:lnSpc>
+                <a:spcPct val="100000"/>
+              </a:lnSpc>
+              <a:spcBef>
+                <a:spcPts val="0"/>
+              </a:spcBef>
+              <a:spcAft>
+                <a:spcPts val="0"/>
+              </a:spcAft>
+              <a:buClrTx/>
+              <a:buSzTx/>
+              <a:buFontTx/>
+              <a:buNone/>
+              <a:tabLst/>
+              <a:defRPr/>
+            </a:pPr>
+            <a:endParaRPr kumimoji="0" lang="en-US" sz="1800" b="0" i="0" u="none" strike="noStrike" kern="1200" cap="none" spc="0" normalizeH="0" baseline="0" noProof="0">
+              <a:ln>
+                <a:noFill/>
+              </a:ln>
+              <a:solidFill>
+                <a:prstClr val="white"/>
+              </a:solidFill>
+              <a:effectLst/>
+              <a:uLnTx/>
+              <a:uFillTx/>
+              <a:latin typeface="Calibri" panose="020F0502020204030204"/>
+              <a:ea typeface="+mn-ea"/>
+              <a:cs typeface="+mn-cs"/>
+            </a:endParaRPr>
+          </a:p>
+        </p:txBody>
+      </p:sp>
+      <p:sp>
+        <p:nvSpPr>
+          <p:cNvPr id="10" name="Rectangle 9">
+            <a:extLst>
+              <a:ext uri="{FF2B5EF4-FFF2-40B4-BE49-F238E27FC236}">
+                <a16:creationId xmlns:a16="http://schemas.microsoft.com/office/drawing/2014/main" id="{533D9302-5EE5-AEFF-1526-55117BB64462}"/>
+              </a:ext>
+              <a:ext uri="{C183D7F6-B498-43B3-948B-1728B52AA6E4}">
+                <adec:decorative xmlns:adec="http://schemas.microsoft.com/office/drawing/2017/decorative" val="1"/>
+              </a:ext>
+            </a:extLst>
+          </p:cNvPr>
+          <p:cNvSpPr>
+            <a:spLocks noGrp="1" noRot="1" noChangeAspect="1" noMove="1" noResize="1" noEditPoints="1" noAdjustHandles="1" noChangeArrowheads="1" noChangeShapeType="1" noTextEdit="1"/>
+          </p:cNvSpPr>
+          <p:nvPr>
+            <p:extLst>
+              <p:ext uri="{386F3935-93C4-4BCD-93E2-E3B085C9AB24}">
+                <p16:designElem xmlns:p16="http://schemas.microsoft.com/office/powerpoint/2015/main" val="1"/>
+              </p:ext>
+            </p:extLst>
+          </p:nvPr>
+        </p:nvSpPr>
+        <p:spPr>
+          <a:xfrm flipH="1">
+            <a:off x="-1" y="-1"/>
+            <a:ext cx="12191998" cy="1590742"/>
+          </a:xfrm>
+          <a:prstGeom prst="rect">
+            <a:avLst/>
+          </a:prstGeom>
+          <a:gradFill>
+            <a:gsLst>
+              <a:gs pos="0">
+                <a:srgbClr val="000000"/>
+              </a:gs>
+              <a:gs pos="100000">
+                <a:schemeClr val="accent1">
+                  <a:lumMod val="75000"/>
+                </a:schemeClr>
+              </a:gs>
+            </a:gsLst>
+            <a:lin ang="8400000" scaled="0"/>
+          </a:gradFill>
+          <a:ln>
+            <a:noFill/>
+          </a:ln>
+        </p:spPr>
+        <p:style>
+          <a:lnRef idx="2">
+            <a:schemeClr val="accent1">
+              <a:shade val="50000"/>
+            </a:schemeClr>
+          </a:lnRef>
+          <a:fillRef idx="1">
+            <a:schemeClr val="accent1"/>
+          </a:fillRef>
+          <a:effectRef idx="0">
+            <a:schemeClr val="accent1"/>
+          </a:effectRef>
+          <a:fontRef idx="minor">
+            <a:schemeClr val="lt1"/>
+          </a:fontRef>
+        </p:style>
+        <p:txBody>
+          <a:bodyPr rtlCol="0" anchor="ctr"/>
+          <a:lstStyle/>
+          <a:p>
+            <a:pPr marL="0" marR="0" lvl="0" indent="0" algn="ctr" defTabSz="914400" rtl="0" eaLnBrk="1" fontAlgn="auto" latinLnBrk="0" hangingPunct="1">
+              <a:lnSpc>
+                <a:spcPct val="100000"/>
+              </a:lnSpc>
+              <a:spcBef>
+                <a:spcPts val="0"/>
+              </a:spcBef>
+              <a:spcAft>
+                <a:spcPts val="0"/>
+              </a:spcAft>
+              <a:buClrTx/>
+              <a:buSzTx/>
+              <a:buFontTx/>
+              <a:buNone/>
+              <a:tabLst/>
+              <a:defRPr/>
+            </a:pPr>
+            <a:endParaRPr kumimoji="0" lang="en-US" sz="1800" b="0" i="0" u="none" strike="noStrike" kern="1200" cap="none" spc="0" normalizeH="0" baseline="0" noProof="0">
+              <a:ln>
+                <a:noFill/>
+              </a:ln>
+              <a:solidFill>
+                <a:prstClr val="white"/>
+              </a:solidFill>
+              <a:effectLst/>
+              <a:uLnTx/>
+              <a:uFillTx/>
+              <a:latin typeface="Calibri" panose="020F0502020204030204"/>
+              <a:ea typeface="+mn-ea"/>
+              <a:cs typeface="+mn-cs"/>
+            </a:endParaRPr>
+          </a:p>
+        </p:txBody>
+      </p:sp>
+      <p:sp>
+        <p:nvSpPr>
+          <p:cNvPr id="12" name="Rectangle 11">
+            <a:extLst>
+              <a:ext uri="{FF2B5EF4-FFF2-40B4-BE49-F238E27FC236}">
+                <a16:creationId xmlns:a16="http://schemas.microsoft.com/office/drawing/2014/main" id="{DB91A620-4123-E2ED-981D-570F870B8A59}"/>
+              </a:ext>
+              <a:ext uri="{C183D7F6-B498-43B3-948B-1728B52AA6E4}">
+                <adec:decorative xmlns:adec="http://schemas.microsoft.com/office/drawing/2017/decorative" val="1"/>
+              </a:ext>
+            </a:extLst>
+          </p:cNvPr>
+          <p:cNvSpPr>
+            <a:spLocks noGrp="1" noRot="1" noChangeAspect="1" noMove="1" noResize="1" noEditPoints="1" noAdjustHandles="1" noChangeArrowheads="1" noChangeShapeType="1" noTextEdit="1"/>
+          </p:cNvSpPr>
+          <p:nvPr>
+            <p:extLst>
+              <p:ext uri="{386F3935-93C4-4BCD-93E2-E3B085C9AB24}">
+                <p16:designElem xmlns:p16="http://schemas.microsoft.com/office/powerpoint/2015/main" val="1"/>
+              </p:ext>
+            </p:extLst>
+          </p:nvPr>
+        </p:nvSpPr>
+        <p:spPr>
+          <a:xfrm rot="10800000" flipH="1">
+            <a:off x="-3" y="0"/>
+            <a:ext cx="8115306" cy="1590742"/>
+          </a:xfrm>
+          <a:prstGeom prst="rect">
+            <a:avLst/>
+          </a:prstGeom>
+          <a:gradFill>
+            <a:gsLst>
+              <a:gs pos="20000">
+                <a:schemeClr val="accent1">
+                  <a:alpha val="0"/>
+                </a:schemeClr>
+              </a:gs>
+              <a:gs pos="100000">
+                <a:schemeClr val="accent1">
+                  <a:lumMod val="50000"/>
+                  <a:alpha val="55000"/>
+                </a:schemeClr>
+              </a:gs>
+            </a:gsLst>
+            <a:lin ang="13800000" scaled="0"/>
+          </a:gradFill>
+          <a:ln>
+            <a:noFill/>
+          </a:ln>
+        </p:spPr>
+        <p:style>
+          <a:lnRef idx="2">
+            <a:schemeClr val="accent1">
+              <a:shade val="50000"/>
+            </a:schemeClr>
+          </a:lnRef>
+          <a:fillRef idx="1">
+            <a:schemeClr val="accent1"/>
+          </a:fillRef>
+          <a:effectRef idx="0">
+            <a:schemeClr val="accent1"/>
+          </a:effectRef>
+          <a:fontRef idx="minor">
+            <a:schemeClr val="lt1"/>
+          </a:fontRef>
+        </p:style>
+        <p:txBody>
+          <a:bodyPr rtlCol="0" anchor="ctr"/>
+          <a:lstStyle/>
+          <a:p>
+            <a:pPr marL="0" marR="0" lvl="0" indent="0" algn="ctr" defTabSz="914400" rtl="0" eaLnBrk="1" fontAlgn="auto" latinLnBrk="0" hangingPunct="1">
+              <a:lnSpc>
+                <a:spcPct val="100000"/>
+              </a:lnSpc>
+              <a:spcBef>
+                <a:spcPts val="0"/>
+              </a:spcBef>
+              <a:spcAft>
+                <a:spcPts val="0"/>
+              </a:spcAft>
+              <a:buClrTx/>
+              <a:buSzTx/>
+              <a:buFontTx/>
+              <a:buNone/>
+              <a:tabLst/>
+              <a:defRPr/>
+            </a:pPr>
+            <a:endParaRPr kumimoji="0" lang="en-US" sz="1800" b="0" i="0" u="none" strike="noStrike" kern="1200" cap="none" spc="0" normalizeH="0" baseline="0" noProof="0">
+              <a:ln>
+                <a:noFill/>
+              </a:ln>
+              <a:solidFill>
+                <a:prstClr val="white"/>
+              </a:solidFill>
+              <a:effectLst/>
+              <a:uLnTx/>
+              <a:uFillTx/>
+              <a:latin typeface="Calibri" panose="020F0502020204030204"/>
+              <a:ea typeface="+mn-ea"/>
+              <a:cs typeface="+mn-cs"/>
+            </a:endParaRPr>
+          </a:p>
+        </p:txBody>
+      </p:sp>
+      <p:sp>
+        <p:nvSpPr>
+          <p:cNvPr id="14" name="Rectangle 13">
+            <a:extLst>
+              <a:ext uri="{FF2B5EF4-FFF2-40B4-BE49-F238E27FC236}">
+                <a16:creationId xmlns:a16="http://schemas.microsoft.com/office/drawing/2014/main" id="{828942B6-EBA5-F677-A43F-9C416816045E}"/>
+              </a:ext>
+              <a:ext uri="{C183D7F6-B498-43B3-948B-1728B52AA6E4}">
+                <adec:decorative xmlns:adec="http://schemas.microsoft.com/office/drawing/2017/decorative" val="1"/>
+              </a:ext>
+            </a:extLst>
+          </p:cNvPr>
+          <p:cNvSpPr>
+            <a:spLocks noGrp="1" noRot="1" noChangeAspect="1" noMove="1" noResize="1" noEditPoints="1" noAdjustHandles="1" noChangeArrowheads="1" noChangeShapeType="1" noTextEdit="1"/>
+          </p:cNvSpPr>
+          <p:nvPr>
+            <p:extLst>
+              <p:ext uri="{386F3935-93C4-4BCD-93E2-E3B085C9AB24}">
+                <p16:designElem xmlns:p16="http://schemas.microsoft.com/office/powerpoint/2015/main" val="1"/>
+              </p:ext>
+            </p:extLst>
+          </p:nvPr>
+        </p:nvSpPr>
+        <p:spPr>
+          <a:xfrm flipH="1">
+            <a:off x="8115299" y="-1"/>
+            <a:ext cx="4076698" cy="1590742"/>
+          </a:xfrm>
+          <a:prstGeom prst="rect">
+            <a:avLst/>
+          </a:prstGeom>
+          <a:gradFill>
+            <a:gsLst>
+              <a:gs pos="0">
+                <a:schemeClr val="accent1">
+                  <a:alpha val="66000"/>
+                </a:schemeClr>
+              </a:gs>
+              <a:gs pos="100000">
+                <a:srgbClr val="000000">
+                  <a:alpha val="30000"/>
+                </a:srgbClr>
+              </a:gs>
+            </a:gsLst>
+            <a:lin ang="13200000" scaled="0"/>
+          </a:gradFill>
+          <a:ln>
+            <a:noFill/>
+          </a:ln>
+        </p:spPr>
+        <p:style>
+          <a:lnRef idx="2">
+            <a:schemeClr val="accent1">
+              <a:shade val="50000"/>
+            </a:schemeClr>
+          </a:lnRef>
+          <a:fillRef idx="1">
+            <a:schemeClr val="accent1"/>
+          </a:fillRef>
+          <a:effectRef idx="0">
+            <a:schemeClr val="accent1"/>
+          </a:effectRef>
+          <a:fontRef idx="minor">
+            <a:schemeClr val="lt1"/>
+          </a:fontRef>
+        </p:style>
+        <p:txBody>
+          <a:bodyPr rtlCol="0" anchor="ctr"/>
+          <a:lstStyle/>
+          <a:p>
+            <a:pPr marL="0" marR="0" lvl="0" indent="0" algn="ctr" defTabSz="914400" rtl="0" eaLnBrk="1" fontAlgn="auto" latinLnBrk="0" hangingPunct="1">
+              <a:lnSpc>
+                <a:spcPct val="100000"/>
+              </a:lnSpc>
+              <a:spcBef>
+                <a:spcPts val="0"/>
+              </a:spcBef>
+              <a:spcAft>
+                <a:spcPts val="0"/>
+              </a:spcAft>
+              <a:buClrTx/>
+              <a:buSzTx/>
+              <a:buFontTx/>
+              <a:buNone/>
+              <a:tabLst/>
+              <a:defRPr/>
+            </a:pPr>
+            <a:endParaRPr kumimoji="0" lang="en-US" sz="1800" b="0" i="0" u="none" strike="noStrike" kern="1200" cap="none" spc="0" normalizeH="0" baseline="0" noProof="0">
+              <a:ln>
+                <a:noFill/>
+              </a:ln>
+              <a:solidFill>
+                <a:prstClr val="white"/>
+              </a:solidFill>
+              <a:effectLst/>
+              <a:uLnTx/>
+              <a:uFillTx/>
+              <a:latin typeface="Calibri" panose="020F0502020204030204"/>
+              <a:ea typeface="+mn-ea"/>
+              <a:cs typeface="+mn-cs"/>
+            </a:endParaRPr>
+          </a:p>
+        </p:txBody>
+      </p:sp>
+      <p:sp>
+        <p:nvSpPr>
+          <p:cNvPr id="16" name="Rectangle 15">
+            <a:extLst>
+              <a:ext uri="{FF2B5EF4-FFF2-40B4-BE49-F238E27FC236}">
+                <a16:creationId xmlns:a16="http://schemas.microsoft.com/office/drawing/2014/main" id="{C5AC179E-C12F-5675-5BAF-F243E8286D7E}"/>
+              </a:ext>
+              <a:ext uri="{C183D7F6-B498-43B3-948B-1728B52AA6E4}">
+                <adec:decorative xmlns:adec="http://schemas.microsoft.com/office/drawing/2017/decorative" val="1"/>
+              </a:ext>
+            </a:extLst>
+          </p:cNvPr>
+          <p:cNvSpPr>
+            <a:spLocks noGrp="1" noRot="1" noChangeAspect="1" noMove="1" noResize="1" noEditPoints="1" noAdjustHandles="1" noChangeArrowheads="1" noChangeShapeType="1" noTextEdit="1"/>
+          </p:cNvSpPr>
+          <p:nvPr>
+            <p:extLst>
+              <p:ext uri="{386F3935-93C4-4BCD-93E2-E3B085C9AB24}">
+                <p16:designElem xmlns:p16="http://schemas.microsoft.com/office/powerpoint/2015/main" val="1"/>
+              </p:ext>
+            </p:extLst>
+          </p:nvPr>
+        </p:nvSpPr>
+        <p:spPr>
+          <a:xfrm>
+            <a:off x="459350" y="-1"/>
+            <a:ext cx="11732646" cy="1597433"/>
+          </a:xfrm>
+          <a:prstGeom prst="rect">
+            <a:avLst/>
+          </a:prstGeom>
+          <a:gradFill>
+            <a:gsLst>
+              <a:gs pos="50000">
+                <a:srgbClr val="000000">
+                  <a:alpha val="0"/>
+                </a:srgbClr>
+              </a:gs>
+              <a:gs pos="99000">
+                <a:schemeClr val="accent1">
+                  <a:lumMod val="50000"/>
+                  <a:alpha val="52000"/>
+                </a:schemeClr>
+              </a:gs>
+            </a:gsLst>
+            <a:lin ang="16800000" scaled="0"/>
+          </a:gradFill>
+          <a:ln>
+            <a:noFill/>
+          </a:ln>
+        </p:spPr>
+        <p:style>
+          <a:lnRef idx="2">
+            <a:schemeClr val="accent1">
+              <a:shade val="50000"/>
+            </a:schemeClr>
+          </a:lnRef>
+          <a:fillRef idx="1">
+            <a:schemeClr val="accent1"/>
+          </a:fillRef>
+          <a:effectRef idx="0">
+            <a:schemeClr val="accent1"/>
+          </a:effectRef>
+          <a:fontRef idx="minor">
+            <a:schemeClr val="lt1"/>
+          </a:fontRef>
+        </p:style>
+        <p:txBody>
+          <a:bodyPr rtlCol="0" anchor="ctr"/>
+          <a:lstStyle/>
+          <a:p>
+            <a:pPr marL="0" marR="0" lvl="0" indent="0" algn="ctr" defTabSz="914400" rtl="0" eaLnBrk="1" fontAlgn="auto" latinLnBrk="0" hangingPunct="1">
+              <a:lnSpc>
+                <a:spcPct val="100000"/>
+              </a:lnSpc>
+              <a:spcBef>
+                <a:spcPts val="0"/>
+              </a:spcBef>
+              <a:spcAft>
+                <a:spcPts val="0"/>
+              </a:spcAft>
+              <a:buClrTx/>
+              <a:buSzTx/>
+              <a:buFontTx/>
+              <a:buNone/>
+              <a:tabLst/>
+              <a:defRPr/>
+            </a:pPr>
+            <a:endParaRPr kumimoji="0" lang="en-US" sz="1800" b="0" i="0" u="none" strike="noStrike" kern="1200" cap="none" spc="0" normalizeH="0" baseline="0" noProof="0">
+              <a:ln>
+                <a:noFill/>
+              </a:ln>
+              <a:solidFill>
+                <a:prstClr val="white"/>
+              </a:solidFill>
+              <a:effectLst/>
+              <a:uLnTx/>
+              <a:uFillTx/>
+              <a:latin typeface="Calibri" panose="020F0502020204030204"/>
+              <a:ea typeface="+mn-ea"/>
+              <a:cs typeface="+mn-cs"/>
+            </a:endParaRPr>
+          </a:p>
+        </p:txBody>
+      </p:sp>
+      <p:sp>
+        <p:nvSpPr>
+          <p:cNvPr id="2" name="Title 1">
+            <a:extLst>
+              <a:ext uri="{FF2B5EF4-FFF2-40B4-BE49-F238E27FC236}">
+                <a16:creationId xmlns:a16="http://schemas.microsoft.com/office/drawing/2014/main" id="{E022F20D-B5EA-61BA-41B5-2394CCF1D683}"/>
+              </a:ext>
+            </a:extLst>
+          </p:cNvPr>
+          <p:cNvSpPr>
+            <a:spLocks noGrp="1"/>
+          </p:cNvSpPr>
+          <p:nvPr>
+            <p:ph type="title"/>
+          </p:nvPr>
+        </p:nvSpPr>
+        <p:spPr>
+          <a:xfrm>
+            <a:off x="459346" y="278535"/>
+            <a:ext cx="9895951" cy="1033669"/>
+          </a:xfrm>
+        </p:spPr>
+        <p:txBody>
+          <a:bodyPr>
+            <a:normAutofit/>
+          </a:bodyPr>
+          <a:lstStyle/>
+          <a:p>
+            <a:r>
+              <a:rPr lang="it-IT" sz="6000" b="1" dirty="0" err="1">
+                <a:solidFill>
+                  <a:srgbClr val="FFFFFF"/>
+                </a:solidFill>
+              </a:rPr>
+              <a:t>Burndown</a:t>
+            </a:r>
+            <a:r>
+              <a:rPr lang="it-IT" sz="6000" b="1" dirty="0">
+                <a:solidFill>
+                  <a:srgbClr val="FFFFFF"/>
+                </a:solidFill>
+              </a:rPr>
+              <a:t> Chart</a:t>
+            </a:r>
+          </a:p>
+        </p:txBody>
+      </p:sp>
+      <p:pic>
+        <p:nvPicPr>
+          <p:cNvPr id="4" name="Picture 3" descr="A graph with numbers and lines&#10;&#10;Description automatically generated">
+            <a:extLst>
+              <a:ext uri="{FF2B5EF4-FFF2-40B4-BE49-F238E27FC236}">
+                <a16:creationId xmlns:a16="http://schemas.microsoft.com/office/drawing/2014/main" id="{1DE7D43E-8C92-0C6E-F4D5-C85C6C9957EA}"/>
+              </a:ext>
+            </a:extLst>
+          </p:cNvPr>
+          <p:cNvPicPr>
+            <a:picLocks noChangeAspect="1"/>
+          </p:cNvPicPr>
+          <p:nvPr/>
+        </p:nvPicPr>
+        <p:blipFill>
+          <a:blip r:embed="rId2">
+            <a:extLst>
+              <a:ext uri="{28A0092B-C50C-407E-A947-70E740481C1C}">
+                <a14:useLocalDpi xmlns:a14="http://schemas.microsoft.com/office/drawing/2010/main" val="0"/>
+              </a:ext>
+            </a:extLst>
+          </a:blip>
+          <a:stretch>
+            <a:fillRect/>
+          </a:stretch>
+        </p:blipFill>
+        <p:spPr>
+          <a:xfrm>
+            <a:off x="366709" y="2591893"/>
+            <a:ext cx="11458578" cy="3110363"/>
+          </a:xfrm>
+          <a:prstGeom prst="rect">
+            <a:avLst/>
+          </a:prstGeom>
+        </p:spPr>
+      </p:pic>
+    </p:spTree>
+    <p:extLst>
+      <p:ext uri="{BB962C8B-B14F-4D97-AF65-F5344CB8AC3E}">
+        <p14:creationId xmlns:p14="http://schemas.microsoft.com/office/powerpoint/2010/main" val="4052686803"/>
+      </p:ext>
+    </p:extLst>
+  </p:cSld>
+  <p:clrMapOvr>
+    <a:masterClrMapping/>
+  </p:clrMapOvr>
+</p:sld>
+</file>
+
+<file path=ppt/slides/slide7.xml><?xml version="1.0" encoding="utf-8"?>
+<p:sld xmlns:a="http://schemas.openxmlformats.org/drawingml/2006/main" xmlns:r="http://schemas.openxmlformats.org/officeDocument/2006/relationships" xmlns:p="http://schemas.openxmlformats.org/presentationml/2006/main">
+  <p:cSld>
     <p:spTree>
       <p:nvGrpSpPr>
         <p:cNvPr id="1" name=""/>
@@ -7511,7 +13322,7 @@
           <a:bodyPr/>
           <a:lstStyle/>
           <a:p>
-            <a:endParaRPr lang="en-US"/>
+            <a:endParaRPr lang="en-US" dirty="0"/>
           </a:p>
         </p:txBody>
       </p:sp>
@@ -8099,28 +13910,1726 @@
           </a:lstStyle>
           <a:p>
             <a:r>
-              <a:rPr lang="it-IT" sz="6000" b="1" dirty="0" err="1">
-                <a:solidFill>
-                  <a:srgbClr val="FFFFFF"/>
-                </a:solidFill>
-              </a:rPr>
-              <a:t>Function</a:t>
-            </a:r>
-            <a:r>
               <a:rPr lang="it-IT" sz="6000" b="1" dirty="0">
                 <a:solidFill>
                   <a:srgbClr val="FFFFFF"/>
                 </a:solidFill>
               </a:rPr>
-              <a:t> points</a:t>
-            </a:r>
-          </a:p>
-        </p:txBody>
-      </p:sp>
+              <a:t>System Architecture</a:t>
+            </a:r>
+          </a:p>
+        </p:txBody>
+      </p:sp>
+      <p:pic>
+        <p:nvPicPr>
+          <p:cNvPr id="12" name="Picture 11">
+            <a:extLst>
+              <a:ext uri="{FF2B5EF4-FFF2-40B4-BE49-F238E27FC236}">
+                <a16:creationId xmlns:a16="http://schemas.microsoft.com/office/drawing/2014/main" id="{D5C55CCB-F8A5-64FC-FD0D-F090B6CCB8B0}"/>
+              </a:ext>
+            </a:extLst>
+          </p:cNvPr>
+          <p:cNvPicPr>
+            <a:picLocks noChangeAspect="1"/>
+          </p:cNvPicPr>
+          <p:nvPr/>
+        </p:nvPicPr>
+        <p:blipFill>
+          <a:blip r:embed="rId2"/>
+          <a:stretch>
+            <a:fillRect/>
+          </a:stretch>
+        </p:blipFill>
+        <p:spPr>
+          <a:xfrm>
+            <a:off x="0" y="1724867"/>
+            <a:ext cx="12192000" cy="5219723"/>
+          </a:xfrm>
+          <a:prstGeom prst="rect">
+            <a:avLst/>
+          </a:prstGeom>
+        </p:spPr>
+      </p:pic>
     </p:spTree>
     <p:extLst>
       <p:ext uri="{BB962C8B-B14F-4D97-AF65-F5344CB8AC3E}">
         <p14:creationId xmlns:p14="http://schemas.microsoft.com/office/powerpoint/2010/main" val="2223438344"/>
+      </p:ext>
+    </p:extLst>
+  </p:cSld>
+  <p:clrMapOvr>
+    <a:masterClrMapping/>
+  </p:clrMapOvr>
+</p:sld>
+</file>
+
+<file path=ppt/slides/slide8.xml><?xml version="1.0" encoding="utf-8"?>
+<p:sld xmlns:a="http://schemas.openxmlformats.org/drawingml/2006/main" xmlns:r="http://schemas.openxmlformats.org/officeDocument/2006/relationships" xmlns:p="http://schemas.openxmlformats.org/presentationml/2006/main">
+  <p:cSld>
+    <p:spTree>
+      <p:nvGrpSpPr>
+        <p:cNvPr id="1" name="">
+          <a:extLst>
+            <a:ext uri="{FF2B5EF4-FFF2-40B4-BE49-F238E27FC236}">
+              <a16:creationId xmlns:a16="http://schemas.microsoft.com/office/drawing/2014/main" id="{E78636B2-D170-276F-D80A-4729E837D9D1}"/>
+            </a:ext>
+          </a:extLst>
+        </p:cNvPr>
+        <p:cNvGrpSpPr/>
+        <p:nvPr/>
+      </p:nvGrpSpPr>
+      <p:grpSpPr>
+        <a:xfrm>
+          <a:off x="0" y="0"/>
+          <a:ext cx="0" cy="0"/>
+          <a:chOff x="0" y="0"/>
+          <a:chExt cx="0" cy="0"/>
+        </a:xfrm>
+      </p:grpSpPr>
+      <p:sp>
+        <p:nvSpPr>
+          <p:cNvPr id="2" name="Title 1">
+            <a:extLst>
+              <a:ext uri="{FF2B5EF4-FFF2-40B4-BE49-F238E27FC236}">
+                <a16:creationId xmlns:a16="http://schemas.microsoft.com/office/drawing/2014/main" id="{EE29C759-10C7-A63D-8D54-5C758819DEF4}"/>
+              </a:ext>
+            </a:extLst>
+          </p:cNvPr>
+          <p:cNvSpPr>
+            <a:spLocks noGrp="1"/>
+          </p:cNvSpPr>
+          <p:nvPr>
+            <p:ph type="title"/>
+          </p:nvPr>
+        </p:nvSpPr>
+        <p:spPr/>
+        <p:txBody>
+          <a:bodyPr/>
+          <a:lstStyle/>
+          <a:p>
+            <a:endParaRPr lang="en-US" dirty="0"/>
+          </a:p>
+        </p:txBody>
+      </p:sp>
+      <p:sp useBgFill="1">
+        <p:nvSpPr>
+          <p:cNvPr id="4" name="Rectangle 3">
+            <a:extLst>
+              <a:ext uri="{FF2B5EF4-FFF2-40B4-BE49-F238E27FC236}">
+                <a16:creationId xmlns:a16="http://schemas.microsoft.com/office/drawing/2014/main" id="{1F02FFC7-8A04-BCD9-DFF3-90546DA7ECE9}"/>
+              </a:ext>
+              <a:ext uri="{C183D7F6-B498-43B3-948B-1728B52AA6E4}">
+                <adec:decorative xmlns:adec="http://schemas.microsoft.com/office/drawing/2017/decorative" val="1"/>
+              </a:ext>
+            </a:extLst>
+          </p:cNvPr>
+          <p:cNvSpPr/>
+          <p:nvPr>
+            <p:extLst>
+              <p:ext uri="{386F3935-93C4-4BCD-93E2-E3B085C9AB24}">
+                <p16:designElem xmlns:p16="http://schemas.microsoft.com/office/powerpoint/2015/main" val="1"/>
+              </p:ext>
+            </p:extLst>
+          </p:nvPr>
+        </p:nvSpPr>
+        <p:spPr>
+          <a:xfrm>
+            <a:off x="3" y="0"/>
+            <a:ext cx="12192000" cy="6858000"/>
+          </a:xfrm>
+          <a:prstGeom prst="rect">
+            <a:avLst/>
+          </a:prstGeom>
+          <a:ln w="12700" cap="flat" cmpd="sng" algn="ctr">
+            <a:noFill/>
+            <a:prstDash val="solid"/>
+            <a:miter lim="800000"/>
+          </a:ln>
+          <a:effectLst/>
+          <a:extLst>
+            <a:ext uri="{91240B29-F687-4F45-9708-019B960494DF}">
+              <a14:hiddenLine xmlns:a14="http://schemas.microsoft.com/office/drawing/2010/main" w="12700" cap="flat" cmpd="sng" algn="ctr">
+                <a:solidFill>
+                  <a:schemeClr val="accent1">
+                    <a:shade val="50000"/>
+                  </a:schemeClr>
+                </a:solidFill>
+                <a:prstDash val="solid"/>
+                <a:miter lim="800000"/>
+              </a14:hiddenLine>
+            </a:ext>
+          </a:extLst>
+        </p:spPr>
+        <p:style>
+          <a:lnRef idx="2">
+            <a:schemeClr val="accent1">
+              <a:shade val="50000"/>
+            </a:schemeClr>
+          </a:lnRef>
+          <a:fillRef idx="1">
+            <a:schemeClr val="accent1"/>
+          </a:fillRef>
+          <a:effectRef idx="0">
+            <a:schemeClr val="accent1"/>
+          </a:effectRef>
+          <a:fontRef idx="minor">
+            <a:schemeClr val="lt1"/>
+          </a:fontRef>
+        </p:style>
+        <p:txBody>
+          <a:bodyPr rtlCol="0" anchor="ctr"/>
+          <a:lstStyle/>
+          <a:p>
+            <a:pPr marL="0" marR="0" lvl="0" indent="0" algn="ctr" defTabSz="914400" rtl="0" eaLnBrk="1" fontAlgn="auto" latinLnBrk="0" hangingPunct="1">
+              <a:lnSpc>
+                <a:spcPct val="100000"/>
+              </a:lnSpc>
+              <a:spcBef>
+                <a:spcPts val="0"/>
+              </a:spcBef>
+              <a:spcAft>
+                <a:spcPts val="0"/>
+              </a:spcAft>
+              <a:buClrTx/>
+              <a:buSzTx/>
+              <a:buFontTx/>
+              <a:buNone/>
+              <a:tabLst/>
+              <a:defRPr/>
+            </a:pPr>
+            <a:endParaRPr kumimoji="0" lang="en-US" sz="1800" b="0" i="0" u="none" strike="noStrike" kern="1200" cap="none" spc="0" normalizeH="0" baseline="0" noProof="0">
+              <a:ln>
+                <a:noFill/>
+              </a:ln>
+              <a:solidFill>
+                <a:prstClr val="white"/>
+              </a:solidFill>
+              <a:effectLst/>
+              <a:uLnTx/>
+              <a:uFillTx/>
+              <a:latin typeface="Calibri" panose="020F0502020204030204"/>
+              <a:ea typeface="+mn-ea"/>
+              <a:cs typeface="+mn-cs"/>
+            </a:endParaRPr>
+          </a:p>
+        </p:txBody>
+      </p:sp>
+      <p:sp>
+        <p:nvSpPr>
+          <p:cNvPr id="5" name="Rectangle 4">
+            <a:extLst>
+              <a:ext uri="{FF2B5EF4-FFF2-40B4-BE49-F238E27FC236}">
+                <a16:creationId xmlns:a16="http://schemas.microsoft.com/office/drawing/2014/main" id="{B8D8A840-9716-426E-EA4F-D98E4E1B610E}"/>
+              </a:ext>
+              <a:ext uri="{C183D7F6-B498-43B3-948B-1728B52AA6E4}">
+                <adec:decorative xmlns:adec="http://schemas.microsoft.com/office/drawing/2017/decorative" val="1"/>
+              </a:ext>
+            </a:extLst>
+          </p:cNvPr>
+          <p:cNvSpPr/>
+          <p:nvPr>
+            <p:extLst>
+              <p:ext uri="{386F3935-93C4-4BCD-93E2-E3B085C9AB24}">
+                <p16:designElem xmlns:p16="http://schemas.microsoft.com/office/powerpoint/2015/main" val="1"/>
+              </p:ext>
+            </p:extLst>
+          </p:nvPr>
+        </p:nvSpPr>
+        <p:spPr>
+          <a:xfrm flipH="1">
+            <a:off x="2" y="-1"/>
+            <a:ext cx="12191998" cy="1590742"/>
+          </a:xfrm>
+          <a:prstGeom prst="rect">
+            <a:avLst/>
+          </a:prstGeom>
+          <a:gradFill>
+            <a:gsLst>
+              <a:gs pos="0">
+                <a:srgbClr val="000000"/>
+              </a:gs>
+              <a:gs pos="100000">
+                <a:schemeClr val="accent1">
+                  <a:lumMod val="75000"/>
+                </a:schemeClr>
+              </a:gs>
+            </a:gsLst>
+            <a:lin ang="8400000" scaled="0"/>
+          </a:gradFill>
+          <a:ln>
+            <a:noFill/>
+          </a:ln>
+        </p:spPr>
+        <p:style>
+          <a:lnRef idx="2">
+            <a:schemeClr val="accent1">
+              <a:shade val="50000"/>
+            </a:schemeClr>
+          </a:lnRef>
+          <a:fillRef idx="1">
+            <a:schemeClr val="accent1"/>
+          </a:fillRef>
+          <a:effectRef idx="0">
+            <a:schemeClr val="accent1"/>
+          </a:effectRef>
+          <a:fontRef idx="minor">
+            <a:schemeClr val="lt1"/>
+          </a:fontRef>
+        </p:style>
+        <p:txBody>
+          <a:bodyPr rtlCol="0" anchor="ctr"/>
+          <a:lstStyle/>
+          <a:p>
+            <a:pPr marL="0" marR="0" lvl="0" indent="0" algn="ctr" defTabSz="914400" rtl="0" eaLnBrk="1" fontAlgn="auto" latinLnBrk="0" hangingPunct="1">
+              <a:lnSpc>
+                <a:spcPct val="100000"/>
+              </a:lnSpc>
+              <a:spcBef>
+                <a:spcPts val="0"/>
+              </a:spcBef>
+              <a:spcAft>
+                <a:spcPts val="0"/>
+              </a:spcAft>
+              <a:buClrTx/>
+              <a:buSzTx/>
+              <a:buFontTx/>
+              <a:buNone/>
+              <a:tabLst/>
+              <a:defRPr/>
+            </a:pPr>
+            <a:endParaRPr kumimoji="0" lang="en-US" sz="1800" b="0" i="0" u="none" strike="noStrike" kern="1200" cap="none" spc="0" normalizeH="0" baseline="0" noProof="0">
+              <a:ln>
+                <a:noFill/>
+              </a:ln>
+              <a:solidFill>
+                <a:prstClr val="white"/>
+              </a:solidFill>
+              <a:effectLst/>
+              <a:uLnTx/>
+              <a:uFillTx/>
+              <a:latin typeface="Calibri" panose="020F0502020204030204"/>
+              <a:ea typeface="+mn-ea"/>
+              <a:cs typeface="+mn-cs"/>
+            </a:endParaRPr>
+          </a:p>
+        </p:txBody>
+      </p:sp>
+      <p:sp>
+        <p:nvSpPr>
+          <p:cNvPr id="6" name="Rectangle 5">
+            <a:extLst>
+              <a:ext uri="{FF2B5EF4-FFF2-40B4-BE49-F238E27FC236}">
+                <a16:creationId xmlns:a16="http://schemas.microsoft.com/office/drawing/2014/main" id="{D1B9079A-FBEB-6BD2-3559-A17FBAEF2FE6}"/>
+              </a:ext>
+              <a:ext uri="{C183D7F6-B498-43B3-948B-1728B52AA6E4}">
+                <adec:decorative xmlns:adec="http://schemas.microsoft.com/office/drawing/2017/decorative" val="1"/>
+              </a:ext>
+            </a:extLst>
+          </p:cNvPr>
+          <p:cNvSpPr/>
+          <p:nvPr>
+            <p:extLst>
+              <p:ext uri="{386F3935-93C4-4BCD-93E2-E3B085C9AB24}">
+                <p16:designElem xmlns:p16="http://schemas.microsoft.com/office/powerpoint/2015/main" val="1"/>
+              </p:ext>
+            </p:extLst>
+          </p:nvPr>
+        </p:nvSpPr>
+        <p:spPr>
+          <a:xfrm rot="10800000" flipH="1">
+            <a:off x="0" y="0"/>
+            <a:ext cx="8115306" cy="1590742"/>
+          </a:xfrm>
+          <a:prstGeom prst="rect">
+            <a:avLst/>
+          </a:prstGeom>
+          <a:gradFill>
+            <a:gsLst>
+              <a:gs pos="20000">
+                <a:schemeClr val="accent1">
+                  <a:alpha val="0"/>
+                </a:schemeClr>
+              </a:gs>
+              <a:gs pos="100000">
+                <a:schemeClr val="accent1">
+                  <a:lumMod val="50000"/>
+                  <a:alpha val="55000"/>
+                </a:schemeClr>
+              </a:gs>
+            </a:gsLst>
+            <a:lin ang="13800000" scaled="0"/>
+          </a:gradFill>
+          <a:ln>
+            <a:noFill/>
+          </a:ln>
+        </p:spPr>
+        <p:style>
+          <a:lnRef idx="2">
+            <a:schemeClr val="accent1">
+              <a:shade val="50000"/>
+            </a:schemeClr>
+          </a:lnRef>
+          <a:fillRef idx="1">
+            <a:schemeClr val="accent1"/>
+          </a:fillRef>
+          <a:effectRef idx="0">
+            <a:schemeClr val="accent1"/>
+          </a:effectRef>
+          <a:fontRef idx="minor">
+            <a:schemeClr val="lt1"/>
+          </a:fontRef>
+        </p:style>
+        <p:txBody>
+          <a:bodyPr rtlCol="0" anchor="ctr"/>
+          <a:lstStyle/>
+          <a:p>
+            <a:pPr marL="0" marR="0" lvl="0" indent="0" algn="ctr" defTabSz="914400" rtl="0" eaLnBrk="1" fontAlgn="auto" latinLnBrk="0" hangingPunct="1">
+              <a:lnSpc>
+                <a:spcPct val="100000"/>
+              </a:lnSpc>
+              <a:spcBef>
+                <a:spcPts val="0"/>
+              </a:spcBef>
+              <a:spcAft>
+                <a:spcPts val="0"/>
+              </a:spcAft>
+              <a:buClrTx/>
+              <a:buSzTx/>
+              <a:buFontTx/>
+              <a:buNone/>
+              <a:tabLst/>
+              <a:defRPr/>
+            </a:pPr>
+            <a:endParaRPr kumimoji="0" lang="en-US" sz="1800" b="0" i="0" u="none" strike="noStrike" kern="1200" cap="none" spc="0" normalizeH="0" baseline="0" noProof="0">
+              <a:ln>
+                <a:noFill/>
+              </a:ln>
+              <a:solidFill>
+                <a:prstClr val="white"/>
+              </a:solidFill>
+              <a:effectLst/>
+              <a:uLnTx/>
+              <a:uFillTx/>
+              <a:latin typeface="Calibri" panose="020F0502020204030204"/>
+              <a:ea typeface="+mn-ea"/>
+              <a:cs typeface="+mn-cs"/>
+            </a:endParaRPr>
+          </a:p>
+        </p:txBody>
+      </p:sp>
+      <p:sp>
+        <p:nvSpPr>
+          <p:cNvPr id="7" name="Rectangle 6">
+            <a:extLst>
+              <a:ext uri="{FF2B5EF4-FFF2-40B4-BE49-F238E27FC236}">
+                <a16:creationId xmlns:a16="http://schemas.microsoft.com/office/drawing/2014/main" id="{BBEF286D-ECBC-2360-96B9-E8B9510635DC}"/>
+              </a:ext>
+              <a:ext uri="{C183D7F6-B498-43B3-948B-1728B52AA6E4}">
+                <adec:decorative xmlns:adec="http://schemas.microsoft.com/office/drawing/2017/decorative" val="1"/>
+              </a:ext>
+            </a:extLst>
+          </p:cNvPr>
+          <p:cNvSpPr/>
+          <p:nvPr>
+            <p:extLst>
+              <p:ext uri="{386F3935-93C4-4BCD-93E2-E3B085C9AB24}">
+                <p16:designElem xmlns:p16="http://schemas.microsoft.com/office/powerpoint/2015/main" val="1"/>
+              </p:ext>
+            </p:extLst>
+          </p:nvPr>
+        </p:nvSpPr>
+        <p:spPr>
+          <a:xfrm flipH="1">
+            <a:off x="8115302" y="-1"/>
+            <a:ext cx="4076698" cy="1590742"/>
+          </a:xfrm>
+          <a:prstGeom prst="rect">
+            <a:avLst/>
+          </a:prstGeom>
+          <a:gradFill>
+            <a:gsLst>
+              <a:gs pos="0">
+                <a:schemeClr val="accent1">
+                  <a:alpha val="66000"/>
+                </a:schemeClr>
+              </a:gs>
+              <a:gs pos="100000">
+                <a:srgbClr val="000000">
+                  <a:alpha val="30000"/>
+                </a:srgbClr>
+              </a:gs>
+            </a:gsLst>
+            <a:lin ang="13200000" scaled="0"/>
+          </a:gradFill>
+          <a:ln>
+            <a:noFill/>
+          </a:ln>
+        </p:spPr>
+        <p:style>
+          <a:lnRef idx="2">
+            <a:schemeClr val="accent1">
+              <a:shade val="50000"/>
+            </a:schemeClr>
+          </a:lnRef>
+          <a:fillRef idx="1">
+            <a:schemeClr val="accent1"/>
+          </a:fillRef>
+          <a:effectRef idx="0">
+            <a:schemeClr val="accent1"/>
+          </a:effectRef>
+          <a:fontRef idx="minor">
+            <a:schemeClr val="lt1"/>
+          </a:fontRef>
+        </p:style>
+        <p:txBody>
+          <a:bodyPr rtlCol="0" anchor="ctr"/>
+          <a:lstStyle/>
+          <a:p>
+            <a:pPr marL="0" marR="0" lvl="0" indent="0" algn="ctr" defTabSz="914400" rtl="0" eaLnBrk="1" fontAlgn="auto" latinLnBrk="0" hangingPunct="1">
+              <a:lnSpc>
+                <a:spcPct val="100000"/>
+              </a:lnSpc>
+              <a:spcBef>
+                <a:spcPts val="0"/>
+              </a:spcBef>
+              <a:spcAft>
+                <a:spcPts val="0"/>
+              </a:spcAft>
+              <a:buClrTx/>
+              <a:buSzTx/>
+              <a:buFontTx/>
+              <a:buNone/>
+              <a:tabLst/>
+              <a:defRPr/>
+            </a:pPr>
+            <a:endParaRPr kumimoji="0" lang="en-US" sz="1800" b="0" i="0" u="none" strike="noStrike" kern="1200" cap="none" spc="0" normalizeH="0" baseline="0" noProof="0">
+              <a:ln>
+                <a:noFill/>
+              </a:ln>
+              <a:solidFill>
+                <a:prstClr val="white"/>
+              </a:solidFill>
+              <a:effectLst/>
+              <a:uLnTx/>
+              <a:uFillTx/>
+              <a:latin typeface="Calibri" panose="020F0502020204030204"/>
+              <a:ea typeface="+mn-ea"/>
+              <a:cs typeface="+mn-cs"/>
+            </a:endParaRPr>
+          </a:p>
+        </p:txBody>
+      </p:sp>
+      <p:sp>
+        <p:nvSpPr>
+          <p:cNvPr id="8" name="Rectangle 7">
+            <a:extLst>
+              <a:ext uri="{FF2B5EF4-FFF2-40B4-BE49-F238E27FC236}">
+                <a16:creationId xmlns:a16="http://schemas.microsoft.com/office/drawing/2014/main" id="{6F3A0E94-4178-A9D8-3B8A-1D386FD321C1}"/>
+              </a:ext>
+              <a:ext uri="{C183D7F6-B498-43B3-948B-1728B52AA6E4}">
+                <adec:decorative xmlns:adec="http://schemas.microsoft.com/office/drawing/2017/decorative" val="1"/>
+              </a:ext>
+            </a:extLst>
+          </p:cNvPr>
+          <p:cNvSpPr/>
+          <p:nvPr>
+            <p:extLst>
+              <p:ext uri="{386F3935-93C4-4BCD-93E2-E3B085C9AB24}">
+                <p16:designElem xmlns:p16="http://schemas.microsoft.com/office/powerpoint/2015/main" val="1"/>
+              </p:ext>
+            </p:extLst>
+          </p:nvPr>
+        </p:nvSpPr>
+        <p:spPr>
+          <a:xfrm>
+            <a:off x="459353" y="-1"/>
+            <a:ext cx="11732646" cy="1597433"/>
+          </a:xfrm>
+          <a:prstGeom prst="rect">
+            <a:avLst/>
+          </a:prstGeom>
+          <a:gradFill>
+            <a:gsLst>
+              <a:gs pos="50000">
+                <a:srgbClr val="000000">
+                  <a:alpha val="0"/>
+                </a:srgbClr>
+              </a:gs>
+              <a:gs pos="99000">
+                <a:schemeClr val="accent1">
+                  <a:lumMod val="50000"/>
+                  <a:alpha val="52000"/>
+                </a:schemeClr>
+              </a:gs>
+            </a:gsLst>
+            <a:lin ang="16800000" scaled="0"/>
+          </a:gradFill>
+          <a:ln>
+            <a:noFill/>
+          </a:ln>
+        </p:spPr>
+        <p:style>
+          <a:lnRef idx="2">
+            <a:schemeClr val="accent1">
+              <a:shade val="50000"/>
+            </a:schemeClr>
+          </a:lnRef>
+          <a:fillRef idx="1">
+            <a:schemeClr val="accent1"/>
+          </a:fillRef>
+          <a:effectRef idx="0">
+            <a:schemeClr val="accent1"/>
+          </a:effectRef>
+          <a:fontRef idx="minor">
+            <a:schemeClr val="lt1"/>
+          </a:fontRef>
+        </p:style>
+        <p:txBody>
+          <a:bodyPr rtlCol="0" anchor="ctr"/>
+          <a:lstStyle/>
+          <a:p>
+            <a:pPr marL="0" marR="0" lvl="0" indent="0" algn="ctr" defTabSz="914400" rtl="0" eaLnBrk="1" fontAlgn="auto" latinLnBrk="0" hangingPunct="1">
+              <a:lnSpc>
+                <a:spcPct val="100000"/>
+              </a:lnSpc>
+              <a:spcBef>
+                <a:spcPts val="0"/>
+              </a:spcBef>
+              <a:spcAft>
+                <a:spcPts val="0"/>
+              </a:spcAft>
+              <a:buClrTx/>
+              <a:buSzTx/>
+              <a:buFontTx/>
+              <a:buNone/>
+              <a:tabLst/>
+              <a:defRPr/>
+            </a:pPr>
+            <a:endParaRPr kumimoji="0" lang="en-US" sz="1800" b="0" i="0" u="none" strike="noStrike" kern="1200" cap="none" spc="0" normalizeH="0" baseline="0" noProof="0">
+              <a:ln>
+                <a:noFill/>
+              </a:ln>
+              <a:solidFill>
+                <a:prstClr val="white"/>
+              </a:solidFill>
+              <a:effectLst/>
+              <a:uLnTx/>
+              <a:uFillTx/>
+              <a:latin typeface="Calibri" panose="020F0502020204030204"/>
+              <a:ea typeface="+mn-ea"/>
+              <a:cs typeface="+mn-cs"/>
+            </a:endParaRPr>
+          </a:p>
+        </p:txBody>
+      </p:sp>
+      <p:sp>
+        <p:nvSpPr>
+          <p:cNvPr id="9" name="Title 1">
+            <a:extLst>
+              <a:ext uri="{FF2B5EF4-FFF2-40B4-BE49-F238E27FC236}">
+                <a16:creationId xmlns:a16="http://schemas.microsoft.com/office/drawing/2014/main" id="{865581C0-A39B-9ED3-ECBC-C574DF313AAF}"/>
+              </a:ext>
+            </a:extLst>
+          </p:cNvPr>
+          <p:cNvSpPr txBox="1">
+            <a:spLocks/>
+          </p:cNvSpPr>
+          <p:nvPr/>
+        </p:nvSpPr>
+        <p:spPr>
+          <a:xfrm>
+            <a:off x="459349" y="278535"/>
+            <a:ext cx="9895951" cy="1033669"/>
+          </a:xfrm>
+          <a:prstGeom prst="rect">
+            <a:avLst/>
+          </a:prstGeom>
+        </p:spPr>
+        <p:txBody>
+          <a:bodyPr vert="horz" lIns="91440" tIns="45720" rIns="91440" bIns="45720" rtlCol="0" anchor="ctr">
+            <a:normAutofit/>
+          </a:bodyPr>
+          <a:lstStyle>
+            <a:lvl1pPr algn="l" defTabSz="914400" rtl="0" eaLnBrk="1" latinLnBrk="0" hangingPunct="1">
+              <a:lnSpc>
+                <a:spcPct val="90000"/>
+              </a:lnSpc>
+              <a:spcBef>
+                <a:spcPct val="0"/>
+              </a:spcBef>
+              <a:buNone/>
+              <a:defRPr sz="4400" kern="1200">
+                <a:solidFill>
+                  <a:schemeClr val="tx1"/>
+                </a:solidFill>
+                <a:latin typeface="+mj-lt"/>
+                <a:ea typeface="+mj-ea"/>
+                <a:cs typeface="+mj-cs"/>
+              </a:defRPr>
+            </a:lvl1pPr>
+          </a:lstStyle>
+          <a:p>
+            <a:r>
+              <a:rPr lang="it-IT" sz="6000" b="1" dirty="0">
+                <a:solidFill>
+                  <a:srgbClr val="FFFFFF"/>
+                </a:solidFill>
+              </a:rPr>
+              <a:t>Front-End</a:t>
+            </a:r>
+          </a:p>
+        </p:txBody>
+      </p:sp>
+      <p:pic>
+        <p:nvPicPr>
+          <p:cNvPr id="1025" name="Picture 1" descr="React (software) - Wikipedia">
+            <a:extLst>
+              <a:ext uri="{FF2B5EF4-FFF2-40B4-BE49-F238E27FC236}">
+                <a16:creationId xmlns:a16="http://schemas.microsoft.com/office/drawing/2014/main" id="{5FECD82A-FC80-38CA-3233-F66873DFD99C}"/>
+              </a:ext>
+            </a:extLst>
+          </p:cNvPr>
+          <p:cNvPicPr>
+            <a:picLocks noGrp="1" noChangeAspect="1" noChangeArrowheads="1"/>
+          </p:cNvPicPr>
+          <p:nvPr>
+            <p:ph idx="1"/>
+          </p:nvPr>
+        </p:nvPicPr>
+        <p:blipFill>
+          <a:blip r:embed="rId2">
+            <a:extLst>
+              <a:ext uri="{28A0092B-C50C-407E-A947-70E740481C1C}">
+                <a14:useLocalDpi xmlns:a14="http://schemas.microsoft.com/office/drawing/2010/main" val="0"/>
+              </a:ext>
+            </a:extLst>
+          </a:blip>
+          <a:srcRect/>
+          <a:stretch>
+            <a:fillRect/>
+          </a:stretch>
+        </p:blipFill>
+        <p:spPr bwMode="auto">
+          <a:xfrm>
+            <a:off x="554687" y="3515117"/>
+            <a:ext cx="2310829" cy="2100929"/>
+          </a:xfrm>
+          <a:prstGeom prst="rect">
+            <a:avLst/>
+          </a:prstGeom>
+          <a:noFill/>
+          <a:extLst>
+            <a:ext uri="{909E8E84-426E-40DD-AFC4-6F175D3DCCD1}">
+              <a14:hiddenFill xmlns:a14="http://schemas.microsoft.com/office/drawing/2010/main">
+                <a:solidFill>
+                  <a:srgbClr val="FFFFFF"/>
+                </a:solidFill>
+              </a14:hiddenFill>
+            </a:ext>
+          </a:extLst>
+        </p:spPr>
+      </p:pic>
+      <p:sp>
+        <p:nvSpPr>
+          <p:cNvPr id="10" name="TextBox 9">
+            <a:extLst>
+              <a:ext uri="{FF2B5EF4-FFF2-40B4-BE49-F238E27FC236}">
+                <a16:creationId xmlns:a16="http://schemas.microsoft.com/office/drawing/2014/main" id="{164E04E0-7D16-9A6D-3DE2-64A7D1663B96}"/>
+              </a:ext>
+            </a:extLst>
+          </p:cNvPr>
+          <p:cNvSpPr txBox="1"/>
+          <p:nvPr/>
+        </p:nvSpPr>
+        <p:spPr>
+          <a:xfrm>
+            <a:off x="2694992" y="2077628"/>
+            <a:ext cx="6802016" cy="369332"/>
+          </a:xfrm>
+          <a:prstGeom prst="rect">
+            <a:avLst/>
+          </a:prstGeom>
+          <a:noFill/>
+        </p:spPr>
+        <p:txBody>
+          <a:bodyPr wrap="square" rtlCol="0">
+            <a:spAutoFit/>
+          </a:bodyPr>
+          <a:lstStyle/>
+          <a:p>
+            <a:r>
+              <a:rPr lang="it-IT" dirty="0"/>
+              <a:t>Front-End </a:t>
+            </a:r>
+            <a:r>
+              <a:rPr lang="it-IT" dirty="0" err="1"/>
+              <a:t>is</a:t>
+            </a:r>
+            <a:r>
+              <a:rPr lang="it-IT" dirty="0"/>
+              <a:t> the component </a:t>
+            </a:r>
+            <a:r>
+              <a:rPr lang="it-IT" dirty="0" err="1"/>
+              <a:t>that</a:t>
+            </a:r>
+            <a:r>
+              <a:rPr lang="it-IT" dirty="0"/>
+              <a:t> displays the Application to the Client.</a:t>
+            </a:r>
+            <a:endParaRPr lang="en-US" dirty="0"/>
+          </a:p>
+        </p:txBody>
+      </p:sp>
+      <p:pic>
+        <p:nvPicPr>
+          <p:cNvPr id="1026" name="Picture 2" descr="undefined">
+            <a:extLst>
+              <a:ext uri="{FF2B5EF4-FFF2-40B4-BE49-F238E27FC236}">
+                <a16:creationId xmlns:a16="http://schemas.microsoft.com/office/drawing/2014/main" id="{F8947F61-7334-A6A0-7077-9570BE346B7E}"/>
+              </a:ext>
+            </a:extLst>
+          </p:cNvPr>
+          <p:cNvPicPr>
+            <a:picLocks noChangeAspect="1" noChangeArrowheads="1"/>
+          </p:cNvPicPr>
+          <p:nvPr/>
+        </p:nvPicPr>
+        <p:blipFill>
+          <a:blip r:embed="rId3">
+            <a:extLst>
+              <a:ext uri="{28A0092B-C50C-407E-A947-70E740481C1C}">
+                <a14:useLocalDpi xmlns:a14="http://schemas.microsoft.com/office/drawing/2010/main" val="0"/>
+              </a:ext>
+            </a:extLst>
+          </a:blip>
+          <a:srcRect/>
+          <a:stretch>
+            <a:fillRect/>
+          </a:stretch>
+        </p:blipFill>
+        <p:spPr bwMode="auto">
+          <a:xfrm>
+            <a:off x="3088530" y="3312153"/>
+            <a:ext cx="2506856" cy="2506856"/>
+          </a:xfrm>
+          <a:prstGeom prst="rect">
+            <a:avLst/>
+          </a:prstGeom>
+          <a:noFill/>
+          <a:extLst>
+            <a:ext uri="{909E8E84-426E-40DD-AFC4-6F175D3DCCD1}">
+              <a14:hiddenFill xmlns:a14="http://schemas.microsoft.com/office/drawing/2010/main">
+                <a:solidFill>
+                  <a:srgbClr val="FFFFFF"/>
+                </a:solidFill>
+              </a14:hiddenFill>
+            </a:ext>
+          </a:extLst>
+        </p:spPr>
+      </p:pic>
+      <p:pic>
+        <p:nvPicPr>
+          <p:cNvPr id="1027" name="Picture 3" descr="undefined">
+            <a:extLst>
+              <a:ext uri="{FF2B5EF4-FFF2-40B4-BE49-F238E27FC236}">
+                <a16:creationId xmlns:a16="http://schemas.microsoft.com/office/drawing/2014/main" id="{AFD3B52A-3D51-E839-2758-C98329787993}"/>
+              </a:ext>
+            </a:extLst>
+          </p:cNvPr>
+          <p:cNvPicPr>
+            <a:picLocks noChangeAspect="1" noChangeArrowheads="1"/>
+          </p:cNvPicPr>
+          <p:nvPr/>
+        </p:nvPicPr>
+        <p:blipFill>
+          <a:blip r:embed="rId4">
+            <a:extLst>
+              <a:ext uri="{28A0092B-C50C-407E-A947-70E740481C1C}">
+                <a14:useLocalDpi xmlns:a14="http://schemas.microsoft.com/office/drawing/2010/main" val="0"/>
+              </a:ext>
+            </a:extLst>
+          </a:blip>
+          <a:srcRect/>
+          <a:stretch>
+            <a:fillRect/>
+          </a:stretch>
+        </p:blipFill>
+        <p:spPr bwMode="auto">
+          <a:xfrm>
+            <a:off x="5783447" y="3236985"/>
+            <a:ext cx="1775689" cy="2506856"/>
+          </a:xfrm>
+          <a:prstGeom prst="rect">
+            <a:avLst/>
+          </a:prstGeom>
+          <a:noFill/>
+          <a:extLst>
+            <a:ext uri="{909E8E84-426E-40DD-AFC4-6F175D3DCCD1}">
+              <a14:hiddenFill xmlns:a14="http://schemas.microsoft.com/office/drawing/2010/main">
+                <a:solidFill>
+                  <a:srgbClr val="FFFFFF"/>
+                </a:solidFill>
+              </a14:hiddenFill>
+            </a:ext>
+          </a:extLst>
+        </p:spPr>
+      </p:pic>
+      <p:pic>
+        <p:nvPicPr>
+          <p:cNvPr id="13" name="Picture 12">
+            <a:extLst>
+              <a:ext uri="{FF2B5EF4-FFF2-40B4-BE49-F238E27FC236}">
+                <a16:creationId xmlns:a16="http://schemas.microsoft.com/office/drawing/2014/main" id="{5090C438-B7F1-8AD9-E9CD-D2DE78AC401F}"/>
+              </a:ext>
+            </a:extLst>
+          </p:cNvPr>
+          <p:cNvPicPr>
+            <a:picLocks noChangeAspect="1"/>
+          </p:cNvPicPr>
+          <p:nvPr/>
+        </p:nvPicPr>
+        <p:blipFill>
+          <a:blip r:embed="rId5"/>
+          <a:stretch>
+            <a:fillRect/>
+          </a:stretch>
+        </p:blipFill>
+        <p:spPr>
+          <a:xfrm>
+            <a:off x="7935259" y="3429000"/>
+            <a:ext cx="3670667" cy="2053268"/>
+          </a:xfrm>
+          <a:prstGeom prst="rect">
+            <a:avLst/>
+          </a:prstGeom>
+        </p:spPr>
+      </p:pic>
+    </p:spTree>
+    <p:extLst>
+      <p:ext uri="{BB962C8B-B14F-4D97-AF65-F5344CB8AC3E}">
+        <p14:creationId xmlns:p14="http://schemas.microsoft.com/office/powerpoint/2010/main" val="1731059703"/>
+      </p:ext>
+    </p:extLst>
+  </p:cSld>
+  <p:clrMapOvr>
+    <a:masterClrMapping/>
+  </p:clrMapOvr>
+</p:sld>
+</file>
+
+<file path=ppt/slides/slide9.xml><?xml version="1.0" encoding="utf-8"?>
+<p:sld xmlns:a="http://schemas.openxmlformats.org/drawingml/2006/main" xmlns:r="http://schemas.openxmlformats.org/officeDocument/2006/relationships" xmlns:p="http://schemas.openxmlformats.org/presentationml/2006/main">
+  <p:cSld>
+    <p:spTree>
+      <p:nvGrpSpPr>
+        <p:cNvPr id="1" name="">
+          <a:extLst>
+            <a:ext uri="{FF2B5EF4-FFF2-40B4-BE49-F238E27FC236}">
+              <a16:creationId xmlns:a16="http://schemas.microsoft.com/office/drawing/2014/main" id="{2B67E60B-8679-EC10-6F36-ACA9EEAA084B}"/>
+            </a:ext>
+          </a:extLst>
+        </p:cNvPr>
+        <p:cNvGrpSpPr/>
+        <p:nvPr/>
+      </p:nvGrpSpPr>
+      <p:grpSpPr>
+        <a:xfrm>
+          <a:off x="0" y="0"/>
+          <a:ext cx="0" cy="0"/>
+          <a:chOff x="0" y="0"/>
+          <a:chExt cx="0" cy="0"/>
+        </a:xfrm>
+      </p:grpSpPr>
+      <p:sp>
+        <p:nvSpPr>
+          <p:cNvPr id="2" name="Title 1">
+            <a:extLst>
+              <a:ext uri="{FF2B5EF4-FFF2-40B4-BE49-F238E27FC236}">
+                <a16:creationId xmlns:a16="http://schemas.microsoft.com/office/drawing/2014/main" id="{FC910F36-1A68-067F-46AF-47EF08D1A8E9}"/>
+              </a:ext>
+            </a:extLst>
+          </p:cNvPr>
+          <p:cNvSpPr>
+            <a:spLocks noGrp="1"/>
+          </p:cNvSpPr>
+          <p:nvPr>
+            <p:ph type="title"/>
+          </p:nvPr>
+        </p:nvSpPr>
+        <p:spPr/>
+        <p:txBody>
+          <a:bodyPr/>
+          <a:lstStyle/>
+          <a:p>
+            <a:endParaRPr lang="en-US" dirty="0"/>
+          </a:p>
+        </p:txBody>
+      </p:sp>
+      <p:sp useBgFill="1">
+        <p:nvSpPr>
+          <p:cNvPr id="4" name="Rectangle 3">
+            <a:extLst>
+              <a:ext uri="{FF2B5EF4-FFF2-40B4-BE49-F238E27FC236}">
+                <a16:creationId xmlns:a16="http://schemas.microsoft.com/office/drawing/2014/main" id="{BCA2795F-AF63-5001-C5E7-C905987C2EAB}"/>
+              </a:ext>
+              <a:ext uri="{C183D7F6-B498-43B3-948B-1728B52AA6E4}">
+                <adec:decorative xmlns:adec="http://schemas.microsoft.com/office/drawing/2017/decorative" val="1"/>
+              </a:ext>
+            </a:extLst>
+          </p:cNvPr>
+          <p:cNvSpPr/>
+          <p:nvPr>
+            <p:extLst>
+              <p:ext uri="{386F3935-93C4-4BCD-93E2-E3B085C9AB24}">
+                <p16:designElem xmlns:p16="http://schemas.microsoft.com/office/powerpoint/2015/main" val="1"/>
+              </p:ext>
+            </p:extLst>
+          </p:nvPr>
+        </p:nvSpPr>
+        <p:spPr>
+          <a:xfrm>
+            <a:off x="3" y="0"/>
+            <a:ext cx="12192000" cy="6858000"/>
+          </a:xfrm>
+          <a:prstGeom prst="rect">
+            <a:avLst/>
+          </a:prstGeom>
+          <a:ln w="12700" cap="flat" cmpd="sng" algn="ctr">
+            <a:noFill/>
+            <a:prstDash val="solid"/>
+            <a:miter lim="800000"/>
+          </a:ln>
+          <a:effectLst/>
+          <a:extLst>
+            <a:ext uri="{91240B29-F687-4F45-9708-019B960494DF}">
+              <a14:hiddenLine xmlns:a14="http://schemas.microsoft.com/office/drawing/2010/main" w="12700" cap="flat" cmpd="sng" algn="ctr">
+                <a:solidFill>
+                  <a:schemeClr val="accent1">
+                    <a:shade val="50000"/>
+                  </a:schemeClr>
+                </a:solidFill>
+                <a:prstDash val="solid"/>
+                <a:miter lim="800000"/>
+              </a14:hiddenLine>
+            </a:ext>
+          </a:extLst>
+        </p:spPr>
+        <p:style>
+          <a:lnRef idx="2">
+            <a:schemeClr val="accent1">
+              <a:shade val="50000"/>
+            </a:schemeClr>
+          </a:lnRef>
+          <a:fillRef idx="1">
+            <a:schemeClr val="accent1"/>
+          </a:fillRef>
+          <a:effectRef idx="0">
+            <a:schemeClr val="accent1"/>
+          </a:effectRef>
+          <a:fontRef idx="minor">
+            <a:schemeClr val="lt1"/>
+          </a:fontRef>
+        </p:style>
+        <p:txBody>
+          <a:bodyPr rtlCol="0" anchor="ctr"/>
+          <a:lstStyle/>
+          <a:p>
+            <a:pPr marL="0" marR="0" lvl="0" indent="0" algn="ctr" defTabSz="914400" rtl="0" eaLnBrk="1" fontAlgn="auto" latinLnBrk="0" hangingPunct="1">
+              <a:lnSpc>
+                <a:spcPct val="100000"/>
+              </a:lnSpc>
+              <a:spcBef>
+                <a:spcPts val="0"/>
+              </a:spcBef>
+              <a:spcAft>
+                <a:spcPts val="0"/>
+              </a:spcAft>
+              <a:buClrTx/>
+              <a:buSzTx/>
+              <a:buFontTx/>
+              <a:buNone/>
+              <a:tabLst/>
+              <a:defRPr/>
+            </a:pPr>
+            <a:endParaRPr kumimoji="0" lang="en-US" sz="1800" b="0" i="0" u="none" strike="noStrike" kern="1200" cap="none" spc="0" normalizeH="0" baseline="0" noProof="0">
+              <a:ln>
+                <a:noFill/>
+              </a:ln>
+              <a:solidFill>
+                <a:prstClr val="white"/>
+              </a:solidFill>
+              <a:effectLst/>
+              <a:uLnTx/>
+              <a:uFillTx/>
+              <a:latin typeface="Calibri" panose="020F0502020204030204"/>
+              <a:ea typeface="+mn-ea"/>
+              <a:cs typeface="+mn-cs"/>
+            </a:endParaRPr>
+          </a:p>
+        </p:txBody>
+      </p:sp>
+      <p:sp>
+        <p:nvSpPr>
+          <p:cNvPr id="5" name="Rectangle 4">
+            <a:extLst>
+              <a:ext uri="{FF2B5EF4-FFF2-40B4-BE49-F238E27FC236}">
+                <a16:creationId xmlns:a16="http://schemas.microsoft.com/office/drawing/2014/main" id="{AE0EFFE9-BF0C-91E1-B43E-F091025F986F}"/>
+              </a:ext>
+              <a:ext uri="{C183D7F6-B498-43B3-948B-1728B52AA6E4}">
+                <adec:decorative xmlns:adec="http://schemas.microsoft.com/office/drawing/2017/decorative" val="1"/>
+              </a:ext>
+            </a:extLst>
+          </p:cNvPr>
+          <p:cNvSpPr/>
+          <p:nvPr>
+            <p:extLst>
+              <p:ext uri="{386F3935-93C4-4BCD-93E2-E3B085C9AB24}">
+                <p16:designElem xmlns:p16="http://schemas.microsoft.com/office/powerpoint/2015/main" val="1"/>
+              </p:ext>
+            </p:extLst>
+          </p:nvPr>
+        </p:nvSpPr>
+        <p:spPr>
+          <a:xfrm flipH="1">
+            <a:off x="2" y="-1"/>
+            <a:ext cx="12191998" cy="1590742"/>
+          </a:xfrm>
+          <a:prstGeom prst="rect">
+            <a:avLst/>
+          </a:prstGeom>
+          <a:gradFill>
+            <a:gsLst>
+              <a:gs pos="0">
+                <a:srgbClr val="000000"/>
+              </a:gs>
+              <a:gs pos="100000">
+                <a:schemeClr val="accent1">
+                  <a:lumMod val="75000"/>
+                </a:schemeClr>
+              </a:gs>
+            </a:gsLst>
+            <a:lin ang="8400000" scaled="0"/>
+          </a:gradFill>
+          <a:ln>
+            <a:noFill/>
+          </a:ln>
+        </p:spPr>
+        <p:style>
+          <a:lnRef idx="2">
+            <a:schemeClr val="accent1">
+              <a:shade val="50000"/>
+            </a:schemeClr>
+          </a:lnRef>
+          <a:fillRef idx="1">
+            <a:schemeClr val="accent1"/>
+          </a:fillRef>
+          <a:effectRef idx="0">
+            <a:schemeClr val="accent1"/>
+          </a:effectRef>
+          <a:fontRef idx="minor">
+            <a:schemeClr val="lt1"/>
+          </a:fontRef>
+        </p:style>
+        <p:txBody>
+          <a:bodyPr rtlCol="0" anchor="ctr"/>
+          <a:lstStyle/>
+          <a:p>
+            <a:pPr marL="0" marR="0" lvl="0" indent="0" algn="ctr" defTabSz="914400" rtl="0" eaLnBrk="1" fontAlgn="auto" latinLnBrk="0" hangingPunct="1">
+              <a:lnSpc>
+                <a:spcPct val="100000"/>
+              </a:lnSpc>
+              <a:spcBef>
+                <a:spcPts val="0"/>
+              </a:spcBef>
+              <a:spcAft>
+                <a:spcPts val="0"/>
+              </a:spcAft>
+              <a:buClrTx/>
+              <a:buSzTx/>
+              <a:buFontTx/>
+              <a:buNone/>
+              <a:tabLst/>
+              <a:defRPr/>
+            </a:pPr>
+            <a:endParaRPr kumimoji="0" lang="en-US" sz="1800" b="0" i="0" u="none" strike="noStrike" kern="1200" cap="none" spc="0" normalizeH="0" baseline="0" noProof="0">
+              <a:ln>
+                <a:noFill/>
+              </a:ln>
+              <a:solidFill>
+                <a:prstClr val="white"/>
+              </a:solidFill>
+              <a:effectLst/>
+              <a:uLnTx/>
+              <a:uFillTx/>
+              <a:latin typeface="Calibri" panose="020F0502020204030204"/>
+              <a:ea typeface="+mn-ea"/>
+              <a:cs typeface="+mn-cs"/>
+            </a:endParaRPr>
+          </a:p>
+        </p:txBody>
+      </p:sp>
+      <p:sp>
+        <p:nvSpPr>
+          <p:cNvPr id="6" name="Rectangle 5">
+            <a:extLst>
+              <a:ext uri="{FF2B5EF4-FFF2-40B4-BE49-F238E27FC236}">
+                <a16:creationId xmlns:a16="http://schemas.microsoft.com/office/drawing/2014/main" id="{887ECA47-77EE-4E31-3DC2-A40FDBBFD245}"/>
+              </a:ext>
+              <a:ext uri="{C183D7F6-B498-43B3-948B-1728B52AA6E4}">
+                <adec:decorative xmlns:adec="http://schemas.microsoft.com/office/drawing/2017/decorative" val="1"/>
+              </a:ext>
+            </a:extLst>
+          </p:cNvPr>
+          <p:cNvSpPr/>
+          <p:nvPr>
+            <p:extLst>
+              <p:ext uri="{386F3935-93C4-4BCD-93E2-E3B085C9AB24}">
+                <p16:designElem xmlns:p16="http://schemas.microsoft.com/office/powerpoint/2015/main" val="1"/>
+              </p:ext>
+            </p:extLst>
+          </p:nvPr>
+        </p:nvSpPr>
+        <p:spPr>
+          <a:xfrm rot="10800000" flipH="1">
+            <a:off x="0" y="0"/>
+            <a:ext cx="8115306" cy="1590742"/>
+          </a:xfrm>
+          <a:prstGeom prst="rect">
+            <a:avLst/>
+          </a:prstGeom>
+          <a:gradFill>
+            <a:gsLst>
+              <a:gs pos="20000">
+                <a:schemeClr val="accent1">
+                  <a:alpha val="0"/>
+                </a:schemeClr>
+              </a:gs>
+              <a:gs pos="100000">
+                <a:schemeClr val="accent1">
+                  <a:lumMod val="50000"/>
+                  <a:alpha val="55000"/>
+                </a:schemeClr>
+              </a:gs>
+            </a:gsLst>
+            <a:lin ang="13800000" scaled="0"/>
+          </a:gradFill>
+          <a:ln>
+            <a:noFill/>
+          </a:ln>
+        </p:spPr>
+        <p:style>
+          <a:lnRef idx="2">
+            <a:schemeClr val="accent1">
+              <a:shade val="50000"/>
+            </a:schemeClr>
+          </a:lnRef>
+          <a:fillRef idx="1">
+            <a:schemeClr val="accent1"/>
+          </a:fillRef>
+          <a:effectRef idx="0">
+            <a:schemeClr val="accent1"/>
+          </a:effectRef>
+          <a:fontRef idx="minor">
+            <a:schemeClr val="lt1"/>
+          </a:fontRef>
+        </p:style>
+        <p:txBody>
+          <a:bodyPr rtlCol="0" anchor="ctr"/>
+          <a:lstStyle/>
+          <a:p>
+            <a:pPr marL="0" marR="0" lvl="0" indent="0" algn="ctr" defTabSz="914400" rtl="0" eaLnBrk="1" fontAlgn="auto" latinLnBrk="0" hangingPunct="1">
+              <a:lnSpc>
+                <a:spcPct val="100000"/>
+              </a:lnSpc>
+              <a:spcBef>
+                <a:spcPts val="0"/>
+              </a:spcBef>
+              <a:spcAft>
+                <a:spcPts val="0"/>
+              </a:spcAft>
+              <a:buClrTx/>
+              <a:buSzTx/>
+              <a:buFontTx/>
+              <a:buNone/>
+              <a:tabLst/>
+              <a:defRPr/>
+            </a:pPr>
+            <a:endParaRPr kumimoji="0" lang="en-US" sz="1800" b="0" i="0" u="none" strike="noStrike" kern="1200" cap="none" spc="0" normalizeH="0" baseline="0" noProof="0">
+              <a:ln>
+                <a:noFill/>
+              </a:ln>
+              <a:solidFill>
+                <a:prstClr val="white"/>
+              </a:solidFill>
+              <a:effectLst/>
+              <a:uLnTx/>
+              <a:uFillTx/>
+              <a:latin typeface="Calibri" panose="020F0502020204030204"/>
+              <a:ea typeface="+mn-ea"/>
+              <a:cs typeface="+mn-cs"/>
+            </a:endParaRPr>
+          </a:p>
+        </p:txBody>
+      </p:sp>
+      <p:sp>
+        <p:nvSpPr>
+          <p:cNvPr id="7" name="Rectangle 6">
+            <a:extLst>
+              <a:ext uri="{FF2B5EF4-FFF2-40B4-BE49-F238E27FC236}">
+                <a16:creationId xmlns:a16="http://schemas.microsoft.com/office/drawing/2014/main" id="{0E3B14AA-4534-C701-7899-B81FCE01C7C6}"/>
+              </a:ext>
+              <a:ext uri="{C183D7F6-B498-43B3-948B-1728B52AA6E4}">
+                <adec:decorative xmlns:adec="http://schemas.microsoft.com/office/drawing/2017/decorative" val="1"/>
+              </a:ext>
+            </a:extLst>
+          </p:cNvPr>
+          <p:cNvSpPr/>
+          <p:nvPr>
+            <p:extLst>
+              <p:ext uri="{386F3935-93C4-4BCD-93E2-E3B085C9AB24}">
+                <p16:designElem xmlns:p16="http://schemas.microsoft.com/office/powerpoint/2015/main" val="1"/>
+              </p:ext>
+            </p:extLst>
+          </p:nvPr>
+        </p:nvSpPr>
+        <p:spPr>
+          <a:xfrm flipH="1">
+            <a:off x="8115302" y="-1"/>
+            <a:ext cx="4076698" cy="1590742"/>
+          </a:xfrm>
+          <a:prstGeom prst="rect">
+            <a:avLst/>
+          </a:prstGeom>
+          <a:gradFill>
+            <a:gsLst>
+              <a:gs pos="0">
+                <a:schemeClr val="accent1">
+                  <a:alpha val="66000"/>
+                </a:schemeClr>
+              </a:gs>
+              <a:gs pos="100000">
+                <a:srgbClr val="000000">
+                  <a:alpha val="30000"/>
+                </a:srgbClr>
+              </a:gs>
+            </a:gsLst>
+            <a:lin ang="13200000" scaled="0"/>
+          </a:gradFill>
+          <a:ln>
+            <a:noFill/>
+          </a:ln>
+        </p:spPr>
+        <p:style>
+          <a:lnRef idx="2">
+            <a:schemeClr val="accent1">
+              <a:shade val="50000"/>
+            </a:schemeClr>
+          </a:lnRef>
+          <a:fillRef idx="1">
+            <a:schemeClr val="accent1"/>
+          </a:fillRef>
+          <a:effectRef idx="0">
+            <a:schemeClr val="accent1"/>
+          </a:effectRef>
+          <a:fontRef idx="minor">
+            <a:schemeClr val="lt1"/>
+          </a:fontRef>
+        </p:style>
+        <p:txBody>
+          <a:bodyPr rtlCol="0" anchor="ctr"/>
+          <a:lstStyle/>
+          <a:p>
+            <a:pPr marL="0" marR="0" lvl="0" indent="0" algn="ctr" defTabSz="914400" rtl="0" eaLnBrk="1" fontAlgn="auto" latinLnBrk="0" hangingPunct="1">
+              <a:lnSpc>
+                <a:spcPct val="100000"/>
+              </a:lnSpc>
+              <a:spcBef>
+                <a:spcPts val="0"/>
+              </a:spcBef>
+              <a:spcAft>
+                <a:spcPts val="0"/>
+              </a:spcAft>
+              <a:buClrTx/>
+              <a:buSzTx/>
+              <a:buFontTx/>
+              <a:buNone/>
+              <a:tabLst/>
+              <a:defRPr/>
+            </a:pPr>
+            <a:endParaRPr kumimoji="0" lang="en-US" sz="1800" b="0" i="0" u="none" strike="noStrike" kern="1200" cap="none" spc="0" normalizeH="0" baseline="0" noProof="0">
+              <a:ln>
+                <a:noFill/>
+              </a:ln>
+              <a:solidFill>
+                <a:prstClr val="white"/>
+              </a:solidFill>
+              <a:effectLst/>
+              <a:uLnTx/>
+              <a:uFillTx/>
+              <a:latin typeface="Calibri" panose="020F0502020204030204"/>
+              <a:ea typeface="+mn-ea"/>
+              <a:cs typeface="+mn-cs"/>
+            </a:endParaRPr>
+          </a:p>
+        </p:txBody>
+      </p:sp>
+      <p:sp>
+        <p:nvSpPr>
+          <p:cNvPr id="8" name="Rectangle 7">
+            <a:extLst>
+              <a:ext uri="{FF2B5EF4-FFF2-40B4-BE49-F238E27FC236}">
+                <a16:creationId xmlns:a16="http://schemas.microsoft.com/office/drawing/2014/main" id="{B590D80D-9083-50A6-C59E-9F2E221A16CF}"/>
+              </a:ext>
+              <a:ext uri="{C183D7F6-B498-43B3-948B-1728B52AA6E4}">
+                <adec:decorative xmlns:adec="http://schemas.microsoft.com/office/drawing/2017/decorative" val="1"/>
+              </a:ext>
+            </a:extLst>
+          </p:cNvPr>
+          <p:cNvSpPr/>
+          <p:nvPr>
+            <p:extLst>
+              <p:ext uri="{386F3935-93C4-4BCD-93E2-E3B085C9AB24}">
+                <p16:designElem xmlns:p16="http://schemas.microsoft.com/office/powerpoint/2015/main" val="1"/>
+              </p:ext>
+            </p:extLst>
+          </p:nvPr>
+        </p:nvSpPr>
+        <p:spPr>
+          <a:xfrm>
+            <a:off x="459353" y="-1"/>
+            <a:ext cx="11732646" cy="1597433"/>
+          </a:xfrm>
+          <a:prstGeom prst="rect">
+            <a:avLst/>
+          </a:prstGeom>
+          <a:gradFill>
+            <a:gsLst>
+              <a:gs pos="50000">
+                <a:srgbClr val="000000">
+                  <a:alpha val="0"/>
+                </a:srgbClr>
+              </a:gs>
+              <a:gs pos="99000">
+                <a:schemeClr val="accent1">
+                  <a:lumMod val="50000"/>
+                  <a:alpha val="52000"/>
+                </a:schemeClr>
+              </a:gs>
+            </a:gsLst>
+            <a:lin ang="16800000" scaled="0"/>
+          </a:gradFill>
+          <a:ln>
+            <a:noFill/>
+          </a:ln>
+        </p:spPr>
+        <p:style>
+          <a:lnRef idx="2">
+            <a:schemeClr val="accent1">
+              <a:shade val="50000"/>
+            </a:schemeClr>
+          </a:lnRef>
+          <a:fillRef idx="1">
+            <a:schemeClr val="accent1"/>
+          </a:fillRef>
+          <a:effectRef idx="0">
+            <a:schemeClr val="accent1"/>
+          </a:effectRef>
+          <a:fontRef idx="minor">
+            <a:schemeClr val="lt1"/>
+          </a:fontRef>
+        </p:style>
+        <p:txBody>
+          <a:bodyPr rtlCol="0" anchor="ctr"/>
+          <a:lstStyle/>
+          <a:p>
+            <a:pPr marL="0" marR="0" lvl="0" indent="0" algn="ctr" defTabSz="914400" rtl="0" eaLnBrk="1" fontAlgn="auto" latinLnBrk="0" hangingPunct="1">
+              <a:lnSpc>
+                <a:spcPct val="100000"/>
+              </a:lnSpc>
+              <a:spcBef>
+                <a:spcPts val="0"/>
+              </a:spcBef>
+              <a:spcAft>
+                <a:spcPts val="0"/>
+              </a:spcAft>
+              <a:buClrTx/>
+              <a:buSzTx/>
+              <a:buFontTx/>
+              <a:buNone/>
+              <a:tabLst/>
+              <a:defRPr/>
+            </a:pPr>
+            <a:endParaRPr kumimoji="0" lang="en-US" sz="1800" b="0" i="0" u="none" strike="noStrike" kern="1200" cap="none" spc="0" normalizeH="0" baseline="0" noProof="0">
+              <a:ln>
+                <a:noFill/>
+              </a:ln>
+              <a:solidFill>
+                <a:prstClr val="white"/>
+              </a:solidFill>
+              <a:effectLst/>
+              <a:uLnTx/>
+              <a:uFillTx/>
+              <a:latin typeface="Calibri" panose="020F0502020204030204"/>
+              <a:ea typeface="+mn-ea"/>
+              <a:cs typeface="+mn-cs"/>
+            </a:endParaRPr>
+          </a:p>
+        </p:txBody>
+      </p:sp>
+      <p:sp>
+        <p:nvSpPr>
+          <p:cNvPr id="9" name="Title 1">
+            <a:extLst>
+              <a:ext uri="{FF2B5EF4-FFF2-40B4-BE49-F238E27FC236}">
+                <a16:creationId xmlns:a16="http://schemas.microsoft.com/office/drawing/2014/main" id="{5BF9E9C6-74DD-7AE8-F176-866AF0885A14}"/>
+              </a:ext>
+            </a:extLst>
+          </p:cNvPr>
+          <p:cNvSpPr txBox="1">
+            <a:spLocks/>
+          </p:cNvSpPr>
+          <p:nvPr/>
+        </p:nvSpPr>
+        <p:spPr>
+          <a:xfrm>
+            <a:off x="459349" y="278535"/>
+            <a:ext cx="9895951" cy="1033669"/>
+          </a:xfrm>
+          <a:prstGeom prst="rect">
+            <a:avLst/>
+          </a:prstGeom>
+        </p:spPr>
+        <p:txBody>
+          <a:bodyPr vert="horz" lIns="91440" tIns="45720" rIns="91440" bIns="45720" rtlCol="0" anchor="ctr">
+            <a:normAutofit/>
+          </a:bodyPr>
+          <a:lstStyle>
+            <a:lvl1pPr algn="l" defTabSz="914400" rtl="0" eaLnBrk="1" latinLnBrk="0" hangingPunct="1">
+              <a:lnSpc>
+                <a:spcPct val="90000"/>
+              </a:lnSpc>
+              <a:spcBef>
+                <a:spcPct val="0"/>
+              </a:spcBef>
+              <a:buNone/>
+              <a:defRPr sz="4400" kern="1200">
+                <a:solidFill>
+                  <a:schemeClr val="tx1"/>
+                </a:solidFill>
+                <a:latin typeface="+mj-lt"/>
+                <a:ea typeface="+mj-ea"/>
+                <a:cs typeface="+mj-cs"/>
+              </a:defRPr>
+            </a:lvl1pPr>
+          </a:lstStyle>
+          <a:p>
+            <a:r>
+              <a:rPr lang="it-IT" sz="6000" b="1" dirty="0">
+                <a:solidFill>
+                  <a:srgbClr val="FFFFFF"/>
+                </a:solidFill>
+              </a:rPr>
+              <a:t>Api-Gateway</a:t>
+            </a:r>
+          </a:p>
+        </p:txBody>
+      </p:sp>
+      <p:sp>
+        <p:nvSpPr>
+          <p:cNvPr id="10" name="TextBox 9">
+            <a:extLst>
+              <a:ext uri="{FF2B5EF4-FFF2-40B4-BE49-F238E27FC236}">
+                <a16:creationId xmlns:a16="http://schemas.microsoft.com/office/drawing/2014/main" id="{7D2FA8A9-58EE-B860-75BD-0CE61FE0C8C7}"/>
+              </a:ext>
+            </a:extLst>
+          </p:cNvPr>
+          <p:cNvSpPr txBox="1"/>
+          <p:nvPr/>
+        </p:nvSpPr>
+        <p:spPr>
+          <a:xfrm>
+            <a:off x="2028533" y="2136535"/>
+            <a:ext cx="8134933" cy="369332"/>
+          </a:xfrm>
+          <a:prstGeom prst="rect">
+            <a:avLst/>
+          </a:prstGeom>
+          <a:noFill/>
+        </p:spPr>
+        <p:txBody>
+          <a:bodyPr wrap="square" rtlCol="0">
+            <a:spAutoFit/>
+          </a:bodyPr>
+          <a:lstStyle/>
+          <a:p>
+            <a:r>
+              <a:rPr lang="it-IT" dirty="0"/>
+              <a:t>The Api-Gateway </a:t>
+            </a:r>
+            <a:r>
+              <a:rPr lang="it-IT" dirty="0" err="1"/>
+              <a:t>is</a:t>
+            </a:r>
+            <a:r>
+              <a:rPr lang="it-IT" dirty="0"/>
+              <a:t> the component </a:t>
+            </a:r>
+            <a:r>
+              <a:rPr lang="it-IT" dirty="0" err="1"/>
+              <a:t>that</a:t>
+            </a:r>
+            <a:r>
+              <a:rPr lang="it-IT" dirty="0"/>
+              <a:t> </a:t>
+            </a:r>
+            <a:r>
+              <a:rPr lang="it-IT" dirty="0" err="1"/>
+              <a:t>is</a:t>
+            </a:r>
+            <a:r>
+              <a:rPr lang="it-IT" dirty="0"/>
+              <a:t> in </a:t>
+            </a:r>
+            <a:r>
+              <a:rPr lang="it-IT" dirty="0" err="1"/>
+              <a:t>charge</a:t>
+            </a:r>
+            <a:r>
+              <a:rPr lang="it-IT" dirty="0"/>
+              <a:t> of </a:t>
+            </a:r>
+            <a:r>
+              <a:rPr lang="it-IT" dirty="0" err="1"/>
+              <a:t>orechestrating</a:t>
+            </a:r>
+            <a:r>
+              <a:rPr lang="it-IT" dirty="0"/>
+              <a:t> </a:t>
+            </a:r>
+            <a:r>
+              <a:rPr lang="it-IT" dirty="0" err="1"/>
+              <a:t>Microservices</a:t>
+            </a:r>
+            <a:r>
+              <a:rPr lang="it-IT" dirty="0"/>
+              <a:t>.</a:t>
+            </a:r>
+            <a:endParaRPr lang="en-US" dirty="0"/>
+          </a:p>
+        </p:txBody>
+      </p:sp>
+      <p:pic>
+        <p:nvPicPr>
+          <p:cNvPr id="13" name="Picture 12">
+            <a:extLst>
+              <a:ext uri="{FF2B5EF4-FFF2-40B4-BE49-F238E27FC236}">
+                <a16:creationId xmlns:a16="http://schemas.microsoft.com/office/drawing/2014/main" id="{98D2F30B-3B8C-1C03-DAD0-C37B317910AF}"/>
+              </a:ext>
+            </a:extLst>
+          </p:cNvPr>
+          <p:cNvPicPr>
+            <a:picLocks noChangeAspect="1"/>
+          </p:cNvPicPr>
+          <p:nvPr/>
+        </p:nvPicPr>
+        <p:blipFill>
+          <a:blip r:embed="rId2"/>
+          <a:stretch>
+            <a:fillRect/>
+          </a:stretch>
+        </p:blipFill>
+        <p:spPr>
+          <a:xfrm>
+            <a:off x="7935259" y="3429000"/>
+            <a:ext cx="3670667" cy="2053268"/>
+          </a:xfrm>
+          <a:prstGeom prst="rect">
+            <a:avLst/>
+          </a:prstGeom>
+        </p:spPr>
+      </p:pic>
+      <p:pic>
+        <p:nvPicPr>
+          <p:cNvPr id="2049" name="Picture 1" descr="BFF with Node.js. Check this points when you create a new… | by Matias  Daniel Torre | Medium">
+            <a:extLst>
+              <a:ext uri="{FF2B5EF4-FFF2-40B4-BE49-F238E27FC236}">
+                <a16:creationId xmlns:a16="http://schemas.microsoft.com/office/drawing/2014/main" id="{CBAE5186-ED95-420F-5DFF-FA781E56AAD6}"/>
+              </a:ext>
+            </a:extLst>
+          </p:cNvPr>
+          <p:cNvPicPr>
+            <a:picLocks noChangeAspect="1" noChangeArrowheads="1"/>
+          </p:cNvPicPr>
+          <p:nvPr/>
+        </p:nvPicPr>
+        <p:blipFill>
+          <a:blip r:embed="rId3">
+            <a:extLst>
+              <a:ext uri="{28A0092B-C50C-407E-A947-70E740481C1C}">
+                <a14:useLocalDpi xmlns:a14="http://schemas.microsoft.com/office/drawing/2010/main" val="0"/>
+              </a:ext>
+            </a:extLst>
+          </a:blip>
+          <a:srcRect/>
+          <a:stretch>
+            <a:fillRect/>
+          </a:stretch>
+        </p:blipFill>
+        <p:spPr bwMode="auto">
+          <a:xfrm>
+            <a:off x="675735" y="2951714"/>
+            <a:ext cx="3275628" cy="3275628"/>
+          </a:xfrm>
+          <a:prstGeom prst="rect">
+            <a:avLst/>
+          </a:prstGeom>
+          <a:noFill/>
+          <a:extLst>
+            <a:ext uri="{909E8E84-426E-40DD-AFC4-6F175D3DCCD1}">
+              <a14:hiddenFill xmlns:a14="http://schemas.microsoft.com/office/drawing/2010/main">
+                <a:solidFill>
+                  <a:srgbClr val="FFFFFF"/>
+                </a:solidFill>
+              </a14:hiddenFill>
+            </a:ext>
+          </a:extLst>
+        </p:spPr>
+      </p:pic>
+      <p:pic>
+        <p:nvPicPr>
+          <p:cNvPr id="14" name="Picture 13">
+            <a:extLst>
+              <a:ext uri="{FF2B5EF4-FFF2-40B4-BE49-F238E27FC236}">
+                <a16:creationId xmlns:a16="http://schemas.microsoft.com/office/drawing/2014/main" id="{34B87D54-02F9-2A88-4E9C-97313E21172E}"/>
+              </a:ext>
+            </a:extLst>
+          </p:cNvPr>
+          <p:cNvPicPr>
+            <a:picLocks noChangeAspect="1"/>
+          </p:cNvPicPr>
+          <p:nvPr/>
+        </p:nvPicPr>
+        <p:blipFill>
+          <a:blip r:embed="rId4"/>
+          <a:stretch>
+            <a:fillRect/>
+          </a:stretch>
+        </p:blipFill>
+        <p:spPr>
+          <a:xfrm>
+            <a:off x="4107977" y="4023196"/>
+            <a:ext cx="3670667" cy="1132663"/>
+          </a:xfrm>
+          <a:prstGeom prst="rect">
+            <a:avLst/>
+          </a:prstGeom>
+        </p:spPr>
+      </p:pic>
+    </p:spTree>
+    <p:extLst>
+      <p:ext uri="{BB962C8B-B14F-4D97-AF65-F5344CB8AC3E}">
+        <p14:creationId xmlns:p14="http://schemas.microsoft.com/office/powerpoint/2010/main" val="3248334039"/>
       </p:ext>
     </p:extLst>
   </p:cSld>

--- a/Documentation/Golden Auctions.pptx
+++ b/Documentation/Golden Auctions.pptx
@@ -274,7 +274,7 @@
           <a:p>
             <a:fld id="{77071CAE-37AC-47AE-BFEE-2A560614DB2C}" type="datetimeFigureOut">
               <a:rPr lang="it-IT" smtClean="0"/>
-              <a:t>17/02/2024</a:t>
+              <a:t>18/02/2024</a:t>
             </a:fld>
             <a:endParaRPr lang="it-IT"/>
           </a:p>
@@ -474,7 +474,7 @@
           <a:p>
             <a:fld id="{77071CAE-37AC-47AE-BFEE-2A560614DB2C}" type="datetimeFigureOut">
               <a:rPr lang="it-IT" smtClean="0"/>
-              <a:t>17/02/2024</a:t>
+              <a:t>18/02/2024</a:t>
             </a:fld>
             <a:endParaRPr lang="it-IT"/>
           </a:p>
@@ -684,7 +684,7 @@
           <a:p>
             <a:fld id="{77071CAE-37AC-47AE-BFEE-2A560614DB2C}" type="datetimeFigureOut">
               <a:rPr lang="it-IT" smtClean="0"/>
-              <a:t>17/02/2024</a:t>
+              <a:t>18/02/2024</a:t>
             </a:fld>
             <a:endParaRPr lang="it-IT"/>
           </a:p>
@@ -884,7 +884,7 @@
           <a:p>
             <a:fld id="{77071CAE-37AC-47AE-BFEE-2A560614DB2C}" type="datetimeFigureOut">
               <a:rPr lang="it-IT" smtClean="0"/>
-              <a:t>17/02/2024</a:t>
+              <a:t>18/02/2024</a:t>
             </a:fld>
             <a:endParaRPr lang="it-IT"/>
           </a:p>
@@ -1160,7 +1160,7 @@
           <a:p>
             <a:fld id="{77071CAE-37AC-47AE-BFEE-2A560614DB2C}" type="datetimeFigureOut">
               <a:rPr lang="it-IT" smtClean="0"/>
-              <a:t>17/02/2024</a:t>
+              <a:t>18/02/2024</a:t>
             </a:fld>
             <a:endParaRPr lang="it-IT"/>
           </a:p>
@@ -1428,7 +1428,7 @@
           <a:p>
             <a:fld id="{77071CAE-37AC-47AE-BFEE-2A560614DB2C}" type="datetimeFigureOut">
               <a:rPr lang="it-IT" smtClean="0"/>
-              <a:t>17/02/2024</a:t>
+              <a:t>18/02/2024</a:t>
             </a:fld>
             <a:endParaRPr lang="it-IT"/>
           </a:p>
@@ -1843,7 +1843,7 @@
           <a:p>
             <a:fld id="{77071CAE-37AC-47AE-BFEE-2A560614DB2C}" type="datetimeFigureOut">
               <a:rPr lang="it-IT" smtClean="0"/>
-              <a:t>17/02/2024</a:t>
+              <a:t>18/02/2024</a:t>
             </a:fld>
             <a:endParaRPr lang="it-IT"/>
           </a:p>
@@ -1985,7 +1985,7 @@
           <a:p>
             <a:fld id="{77071CAE-37AC-47AE-BFEE-2A560614DB2C}" type="datetimeFigureOut">
               <a:rPr lang="it-IT" smtClean="0"/>
-              <a:t>17/02/2024</a:t>
+              <a:t>18/02/2024</a:t>
             </a:fld>
             <a:endParaRPr lang="it-IT"/>
           </a:p>
@@ -2098,7 +2098,7 @@
           <a:p>
             <a:fld id="{77071CAE-37AC-47AE-BFEE-2A560614DB2C}" type="datetimeFigureOut">
               <a:rPr lang="it-IT" smtClean="0"/>
-              <a:t>17/02/2024</a:t>
+              <a:t>18/02/2024</a:t>
             </a:fld>
             <a:endParaRPr lang="it-IT"/>
           </a:p>
@@ -2411,7 +2411,7 @@
           <a:p>
             <a:fld id="{77071CAE-37AC-47AE-BFEE-2A560614DB2C}" type="datetimeFigureOut">
               <a:rPr lang="it-IT" smtClean="0"/>
-              <a:t>17/02/2024</a:t>
+              <a:t>18/02/2024</a:t>
             </a:fld>
             <a:endParaRPr lang="it-IT"/>
           </a:p>
@@ -2700,7 +2700,7 @@
           <a:p>
             <a:fld id="{77071CAE-37AC-47AE-BFEE-2A560614DB2C}" type="datetimeFigureOut">
               <a:rPr lang="it-IT" smtClean="0"/>
-              <a:t>17/02/2024</a:t>
+              <a:t>18/02/2024</a:t>
             </a:fld>
             <a:endParaRPr lang="it-IT"/>
           </a:p>
@@ -2943,7 +2943,7 @@
           <a:p>
             <a:fld id="{77071CAE-37AC-47AE-BFEE-2A560614DB2C}" type="datetimeFigureOut">
               <a:rPr lang="it-IT" smtClean="0"/>
-              <a:t>17/02/2024</a:t>
+              <a:t>18/02/2024</a:t>
             </a:fld>
             <a:endParaRPr lang="it-IT"/>
           </a:p>
@@ -3378,7 +3378,7 @@
         </p:nvSpPr>
         <p:spPr>
           <a:xfrm>
-            <a:off x="1524000" y="1500734"/>
+            <a:off x="1524000" y="1835821"/>
             <a:ext cx="9144000" cy="2387600"/>
           </a:xfrm>
         </p:spPr>
@@ -3410,7 +3410,7 @@
         </p:nvSpPr>
         <p:spPr>
           <a:xfrm>
-            <a:off x="4989750" y="4494453"/>
+            <a:off x="4989750" y="4702902"/>
             <a:ext cx="2212500" cy="684773"/>
           </a:xfrm>
           <a:prstGeom prst="rect">
@@ -3725,7 +3725,7 @@
         </p:nvSpPr>
         <p:spPr>
           <a:xfrm>
-            <a:off x="7537446" y="5580751"/>
+            <a:off x="7537446" y="5608744"/>
             <a:ext cx="1342535" cy="171450"/>
           </a:xfrm>
           <a:prstGeom prst="rect">
@@ -4037,7 +4037,7 @@
         </p:nvSpPr>
         <p:spPr>
           <a:xfrm>
-            <a:off x="10209470" y="5584226"/>
+            <a:off x="10209470" y="5612219"/>
             <a:ext cx="197665" cy="164501"/>
           </a:xfrm>
           <a:prstGeom prst="rect">
@@ -4338,7 +4338,7 @@
         </p:nvSpPr>
         <p:spPr>
           <a:xfrm>
-            <a:off x="3309979" y="5580751"/>
+            <a:off x="3309979" y="5608744"/>
             <a:ext cx="1401925" cy="171450"/>
           </a:xfrm>
           <a:prstGeom prst="rect">
@@ -4622,7 +4622,7 @@
         </p:nvSpPr>
         <p:spPr>
           <a:xfrm>
-            <a:off x="1207801" y="4517566"/>
+            <a:off x="1179809" y="4698700"/>
             <a:ext cx="2444954" cy="684773"/>
           </a:xfrm>
           <a:prstGeom prst="rect">
@@ -4944,7 +4944,7 @@
         </p:nvSpPr>
         <p:spPr>
           <a:xfrm>
-            <a:off x="3067050" y="2144099"/>
+            <a:off x="3067050" y="2367970"/>
             <a:ext cx="6057900" cy="500107"/>
           </a:xfrm>
           <a:prstGeom prst="rect">
@@ -5236,8 +5236,8 @@
         </p:nvSpPr>
         <p:spPr>
           <a:xfrm>
-            <a:off x="5486083" y="5169741"/>
-            <a:ext cx="1220621" cy="284663"/>
+            <a:off x="5346086" y="5937599"/>
+            <a:ext cx="1499828" cy="315441"/>
           </a:xfrm>
           <a:prstGeom prst="rect">
             <a:avLst/>
@@ -5499,7 +5499,16 @@
               <a:buNone/>
             </a:pPr>
             <a:r>
-              <a:rPr lang="it" sz="1400" b="0" i="0" u="none" strike="noStrike" cap="none" dirty="0">
+              <a:rPr lang="it" sz="1600" dirty="0">
+                <a:latin typeface="Calibri"/>
+                <a:ea typeface="Calibri"/>
+                <a:cs typeface="Calibri"/>
+                <a:sym typeface="Calibri"/>
+              </a:rPr>
+              <a:t>A</a:t>
+            </a:r>
+            <a:r>
+              <a:rPr lang="it" sz="1600" b="0" i="0" u="none" strike="noStrike" cap="none" dirty="0">
                 <a:solidFill>
                   <a:srgbClr val="000000"/>
                 </a:solidFill>
@@ -5508,9 +5517,30 @@
                 <a:cs typeface="Calibri"/>
                 <a:sym typeface="Calibri"/>
               </a:rPr>
-              <a:t>a.y. 2023/2024</a:t>
-            </a:r>
-            <a:endParaRPr sz="1100" dirty="0"/>
+              <a:t>.</a:t>
+            </a:r>
+            <a:r>
+              <a:rPr lang="it" sz="1600" dirty="0">
+                <a:latin typeface="Calibri"/>
+                <a:ea typeface="Calibri"/>
+                <a:cs typeface="Calibri"/>
+                <a:sym typeface="Calibri"/>
+              </a:rPr>
+              <a:t>Y</a:t>
+            </a:r>
+            <a:r>
+              <a:rPr lang="it" sz="1600" b="0" i="0" u="none" strike="noStrike" cap="none" dirty="0">
+                <a:solidFill>
+                  <a:srgbClr val="000000"/>
+                </a:solidFill>
+                <a:latin typeface="Calibri"/>
+                <a:ea typeface="Calibri"/>
+                <a:cs typeface="Calibri"/>
+                <a:sym typeface="Calibri"/>
+              </a:rPr>
+              <a:t>. 2023/2024</a:t>
+            </a:r>
+            <a:endParaRPr sz="1600" dirty="0"/>
           </a:p>
         </p:txBody>
       </p:sp>
@@ -5528,7 +5558,7 @@
         </p:nvSpPr>
         <p:spPr>
           <a:xfrm>
-            <a:off x="8411726" y="4482896"/>
+            <a:off x="8411726" y="4667380"/>
             <a:ext cx="2256274" cy="707886"/>
           </a:xfrm>
           <a:prstGeom prst="rect">
@@ -5558,6 +5588,42 @@
           </a:p>
         </p:txBody>
       </p:sp>
+      <p:pic>
+        <p:nvPicPr>
+          <p:cNvPr id="18" name="Picture 17" descr="A black and gold logo&#10;&#10;Description automatically generated">
+            <a:extLst>
+              <a:ext uri="{FF2B5EF4-FFF2-40B4-BE49-F238E27FC236}">
+                <a16:creationId xmlns:a16="http://schemas.microsoft.com/office/drawing/2014/main" id="{665F20C7-6069-9DF7-B37F-F021746A8099}"/>
+              </a:ext>
+            </a:extLst>
+          </p:cNvPr>
+          <p:cNvPicPr>
+            <a:picLocks noChangeAspect="1"/>
+          </p:cNvPicPr>
+          <p:nvPr/>
+        </p:nvPicPr>
+        <p:blipFill>
+          <a:blip r:embed="rId3">
+            <a:extLst>
+              <a:ext uri="{28A0092B-C50C-407E-A947-70E740481C1C}">
+                <a14:useLocalDpi xmlns:a14="http://schemas.microsoft.com/office/drawing/2010/main" val="0"/>
+              </a:ext>
+            </a:extLst>
+          </a:blip>
+          <a:stretch>
+            <a:fillRect/>
+          </a:stretch>
+        </p:blipFill>
+        <p:spPr>
+          <a:xfrm>
+            <a:off x="8879981" y="347981"/>
+            <a:ext cx="2782993" cy="1376245"/>
+          </a:xfrm>
+          <a:prstGeom prst="rect">
+            <a:avLst/>
+          </a:prstGeom>
+        </p:spPr>
+      </p:pic>
     </p:spTree>
     <p:extLst>
       <p:ext uri="{BB962C8B-B14F-4D97-AF65-F5344CB8AC3E}">
@@ -8113,8 +8179,8 @@
         </p:blipFill>
         <p:spPr>
           <a:xfrm>
-            <a:off x="8691902" y="3875547"/>
-            <a:ext cx="3121517" cy="1746089"/>
+            <a:off x="8016124" y="3883120"/>
+            <a:ext cx="3337676" cy="1867002"/>
           </a:xfrm>
           <a:prstGeom prst="rect">
             <a:avLst/>
@@ -8150,8 +8216,8 @@
         </p:blipFill>
         <p:spPr bwMode="auto">
           <a:xfrm>
-            <a:off x="484154" y="3672209"/>
-            <a:ext cx="2331750" cy="2331750"/>
+            <a:off x="838200" y="3602325"/>
+            <a:ext cx="2790891" cy="2790891"/>
           </a:xfrm>
           <a:prstGeom prst="rect">
             <a:avLst/>
@@ -8170,10 +8236,10 @@
       </p:pic>
       <p:pic>
         <p:nvPicPr>
-          <p:cNvPr id="14" name="Picture 13">
-            <a:extLst>
-              <a:ext uri="{FF2B5EF4-FFF2-40B4-BE49-F238E27FC236}">
-                <a16:creationId xmlns:a16="http://schemas.microsoft.com/office/drawing/2014/main" id="{61921159-7580-5D50-E063-8B8E0769CA67}"/>
+          <p:cNvPr id="11" name="Picture 10">
+            <a:extLst>
+              <a:ext uri="{FF2B5EF4-FFF2-40B4-BE49-F238E27FC236}">
+                <a16:creationId xmlns:a16="http://schemas.microsoft.com/office/drawing/2014/main" id="{BF2259B4-5BEA-779C-DB37-806814F50FC7}"/>
               </a:ext>
             </a:extLst>
           </p:cNvPr>
@@ -8190,38 +8256,8 @@
         </p:blipFill>
         <p:spPr>
           <a:xfrm>
-            <a:off x="5961719" y="4474029"/>
-            <a:ext cx="2323866" cy="717079"/>
-          </a:xfrm>
-          <a:prstGeom prst="rect">
-            <a:avLst/>
-          </a:prstGeom>
-        </p:spPr>
-      </p:pic>
-      <p:pic>
-        <p:nvPicPr>
-          <p:cNvPr id="11" name="Picture 10">
-            <a:extLst>
-              <a:ext uri="{FF2B5EF4-FFF2-40B4-BE49-F238E27FC236}">
-                <a16:creationId xmlns:a16="http://schemas.microsoft.com/office/drawing/2014/main" id="{BF2259B4-5BEA-779C-DB37-806814F50FC7}"/>
-              </a:ext>
-            </a:extLst>
-          </p:cNvPr>
-          <p:cNvPicPr>
-            <a:picLocks noChangeAspect="1"/>
-          </p:cNvPicPr>
-          <p:nvPr/>
-        </p:nvPicPr>
-        <p:blipFill>
-          <a:blip r:embed="rId5"/>
-          <a:stretch>
-            <a:fillRect/>
-          </a:stretch>
-        </p:blipFill>
-        <p:spPr>
-          <a:xfrm>
-            <a:off x="3346709" y="3643909"/>
-            <a:ext cx="2046741" cy="2296842"/>
+            <a:off x="4672414" y="3429000"/>
+            <a:ext cx="2624626" cy="2945342"/>
           </a:xfrm>
           <a:prstGeom prst="rect">
             <a:avLst/>
@@ -8958,7 +8994,7 @@
                 <a:cs typeface="Calibri"/>
                 <a:sym typeface="Calibri"/>
               </a:rPr>
-              <a:t>All Microservices communicate with it, to modify or retrieve cells of the Tables.</a:t>
+              <a:t>Most of our Microservices communicate with it, to create, modify or retrieve cells of the Tables.</a:t>
             </a:r>
           </a:p>
         </p:txBody>
@@ -8992,8 +9028,8 @@
         </p:blipFill>
         <p:spPr bwMode="auto">
           <a:xfrm>
-            <a:off x="4112415" y="3261066"/>
-            <a:ext cx="3967170" cy="2644780"/>
+            <a:off x="3179353" y="2691898"/>
+            <a:ext cx="5241446" cy="3494297"/>
           </a:xfrm>
           <a:prstGeom prst="rect">
             <a:avLst/>
@@ -12317,8 +12353,8 @@
         </p:blipFill>
         <p:spPr>
           <a:xfrm>
-            <a:off x="459346" y="1674090"/>
-            <a:ext cx="3970695" cy="3832583"/>
+            <a:off x="204330" y="1623959"/>
+            <a:ext cx="4721470" cy="4557244"/>
           </a:xfrm>
           <a:prstGeom prst="rect">
             <a:avLst/>
@@ -12353,7 +12389,7 @@
         </p:blipFill>
         <p:spPr>
           <a:xfrm>
-            <a:off x="4859167" y="1674090"/>
+            <a:off x="5233188" y="1677625"/>
             <a:ext cx="6684055" cy="3770742"/>
           </a:xfrm>
           <a:prstGeom prst="rect">
@@ -12375,7 +12411,7 @@
         </p:nvSpPr>
         <p:spPr>
           <a:xfrm>
-            <a:off x="3347357" y="5665604"/>
+            <a:off x="5689341" y="5737651"/>
             <a:ext cx="1420585" cy="400110"/>
           </a:xfrm>
           <a:prstGeom prst="rect">
@@ -12415,7 +12451,7 @@
         </p:nvSpPr>
         <p:spPr>
           <a:xfrm>
-            <a:off x="7580450" y="5650767"/>
+            <a:off x="9361219" y="5769367"/>
             <a:ext cx="1597867" cy="400110"/>
           </a:xfrm>
           <a:prstGeom prst="rect">
@@ -12450,8 +12486,8 @@
         </p:nvSpPr>
         <p:spPr>
           <a:xfrm>
-            <a:off x="4856103" y="6224645"/>
-            <a:ext cx="3331027" cy="400110"/>
+            <a:off x="5233188" y="6297825"/>
+            <a:ext cx="2421775" cy="400110"/>
           </a:xfrm>
           <a:prstGeom prst="rect">
             <a:avLst/>
@@ -12518,7 +12554,7 @@
         </p:nvSpPr>
         <p:spPr>
           <a:xfrm>
-            <a:off x="228119" y="6224645"/>
+            <a:off x="696151" y="6283350"/>
             <a:ext cx="4399865" cy="400110"/>
           </a:xfrm>
           <a:prstGeom prst="rect">
@@ -12582,7 +12618,7 @@
         </p:nvSpPr>
         <p:spPr>
           <a:xfrm>
-            <a:off x="8774960" y="6169477"/>
+            <a:off x="8931331" y="6224645"/>
             <a:ext cx="2027755" cy="400110"/>
           </a:xfrm>
           <a:prstGeom prst="rect">
@@ -14643,8 +14679,8 @@
         </p:nvSpPr>
         <p:spPr>
           <a:xfrm>
-            <a:off x="2694992" y="2077628"/>
-            <a:ext cx="6802016" cy="369332"/>
+            <a:off x="2519265" y="2097256"/>
+            <a:ext cx="6893767" cy="646331"/>
           </a:xfrm>
           <a:prstGeom prst="rect">
             <a:avLst/>
@@ -14675,7 +14711,15 @@
             </a:r>
             <a:r>
               <a:rPr lang="it-IT" dirty="0"/>
-              <a:t> displays the Application to the Client.</a:t>
+              <a:t> displays and </a:t>
+            </a:r>
+            <a:r>
+              <a:rPr lang="it-IT" dirty="0" err="1"/>
+              <a:t>manages</a:t>
+            </a:r>
+            <a:r>
+              <a:rPr lang="it-IT" dirty="0"/>
+              <a:t> the interaction of the Application on Client side.</a:t>
             </a:r>
             <a:endParaRPr lang="en-US" dirty="0"/>
           </a:p>
@@ -15449,8 +15493,8 @@
         </p:nvSpPr>
         <p:spPr>
           <a:xfrm>
-            <a:off x="2028533" y="2136535"/>
-            <a:ext cx="8134933" cy="369332"/>
+            <a:off x="2028533" y="1998035"/>
+            <a:ext cx="8134933" cy="646331"/>
           </a:xfrm>
           <a:prstGeom prst="rect">
             <a:avLst/>
@@ -15514,6 +15558,56 @@
             <a:r>
               <a:rPr lang="it-IT" dirty="0"/>
               <a:t>.</a:t>
+            </a:r>
+          </a:p>
+          <a:p>
+            <a:r>
+              <a:rPr lang="it-IT" dirty="0" err="1"/>
+              <a:t>It</a:t>
+            </a:r>
+            <a:r>
+              <a:rPr lang="it-IT" dirty="0"/>
+              <a:t> </a:t>
+            </a:r>
+            <a:r>
+              <a:rPr lang="it-IT" dirty="0" err="1"/>
+              <a:t>contacts</a:t>
+            </a:r>
+            <a:r>
+              <a:rPr lang="it-IT" dirty="0"/>
+              <a:t> the </a:t>
+            </a:r>
+            <a:r>
+              <a:rPr lang="it-IT" dirty="0" err="1"/>
+              <a:t>two</a:t>
+            </a:r>
+            <a:r>
+              <a:rPr lang="it-IT" dirty="0"/>
+              <a:t> </a:t>
+            </a:r>
+            <a:r>
+              <a:rPr lang="it-IT" dirty="0" err="1"/>
+              <a:t>Microservices</a:t>
+            </a:r>
+            <a:r>
+              <a:rPr lang="it-IT" dirty="0"/>
+              <a:t> </a:t>
+            </a:r>
+            <a:r>
+              <a:rPr lang="it-IT" dirty="0" err="1"/>
+              <a:t>dealing</a:t>
+            </a:r>
+            <a:r>
+              <a:rPr lang="it-IT" dirty="0"/>
+              <a:t> with User and </a:t>
+            </a:r>
+            <a:r>
+              <a:rPr lang="it-IT" dirty="0" err="1"/>
+              <a:t>Auction</a:t>
+            </a:r>
+            <a:r>
+              <a:rPr lang="it-IT" dirty="0"/>
+              <a:t> Management.</a:t>
             </a:r>
             <a:endParaRPr lang="en-US" dirty="0"/>
           </a:p>

--- a/Documentation/Golden Auctions.pptx
+++ b/Documentation/Golden Auctions.pptx
@@ -12654,7 +12654,7 @@
                 <a:cs typeface="Calibri"/>
                 <a:sym typeface="Calibri"/>
               </a:rPr>
-              <a:t>252 Total Hours</a:t>
+              <a:t>222 Total Hours</a:t>
             </a:r>
           </a:p>
         </p:txBody>
@@ -15544,8 +15544,8 @@
               <a:t> of </a:t>
             </a:r>
             <a:r>
-              <a:rPr lang="it-IT" dirty="0" err="1"/>
-              <a:t>orechestrating</a:t>
+              <a:rPr lang="it-IT"/>
+              <a:t>orchestrating</a:t>
             </a:r>
             <a:r>
               <a:rPr lang="it-IT" dirty="0"/>

--- a/Documentation/Golden Auctions.pptx
+++ b/Documentation/Golden Auctions.pptx
@@ -10810,10 +10810,10 @@
       </p:sp>
       <p:pic>
         <p:nvPicPr>
-          <p:cNvPr id="5" name="Picture 4">
-            <a:extLst>
-              <a:ext uri="{FF2B5EF4-FFF2-40B4-BE49-F238E27FC236}">
-                <a16:creationId xmlns:a16="http://schemas.microsoft.com/office/drawing/2014/main" id="{C88A4B1D-E088-F24A-8208-A9DAC8A6D5B6}"/>
+          <p:cNvPr id="4" name="Picture 3">
+            <a:extLst>
+              <a:ext uri="{FF2B5EF4-FFF2-40B4-BE49-F238E27FC236}">
+                <a16:creationId xmlns:a16="http://schemas.microsoft.com/office/drawing/2014/main" id="{4522C50C-2543-BCEB-AABE-605B9ADEFF7E}"/>
               </a:ext>
             </a:extLst>
           </p:cNvPr>
@@ -10830,8 +10830,8 @@
         </p:blipFill>
         <p:spPr>
           <a:xfrm>
-            <a:off x="96413" y="2261342"/>
-            <a:ext cx="11999170" cy="3913649"/>
+            <a:off x="292081" y="2325470"/>
+            <a:ext cx="11607833" cy="3791110"/>
           </a:xfrm>
           <a:prstGeom prst="rect">
             <a:avLst/>

--- a/Documentation/Golden Auctions.pptx
+++ b/Documentation/Golden Auctions.pptx
@@ -10810,10 +10810,10 @@
       </p:sp>
       <p:pic>
         <p:nvPicPr>
-          <p:cNvPr id="4" name="Picture 3">
-            <a:extLst>
-              <a:ext uri="{FF2B5EF4-FFF2-40B4-BE49-F238E27FC236}">
-                <a16:creationId xmlns:a16="http://schemas.microsoft.com/office/drawing/2014/main" id="{4522C50C-2543-BCEB-AABE-605B9ADEFF7E}"/>
+          <p:cNvPr id="5" name="Picture 4">
+            <a:extLst>
+              <a:ext uri="{FF2B5EF4-FFF2-40B4-BE49-F238E27FC236}">
+                <a16:creationId xmlns:a16="http://schemas.microsoft.com/office/drawing/2014/main" id="{DA232CB1-D05E-FD5E-5F1B-36E7C9F212CF}"/>
               </a:ext>
             </a:extLst>
           </p:cNvPr>
@@ -10830,8 +10830,8 @@
         </p:blipFill>
         <p:spPr>
           <a:xfrm>
-            <a:off x="292081" y="2325470"/>
-            <a:ext cx="11607833" cy="3791110"/>
+            <a:off x="153144" y="2273468"/>
+            <a:ext cx="11885707" cy="3895114"/>
           </a:xfrm>
           <a:prstGeom prst="rect">
             <a:avLst/>
